--- a/O3654-5 Deep dive into native Universal Windows App Development with Office 365 APIs/Deep Dive into native Universal App development with Office 365 APIs.pptx
+++ b/O3654-5 Deep dive into native Universal Windows App Development with Office 365 APIs/Deep Dive into native Universal App development with Office 365 APIs.pptx
@@ -6,10 +6,10 @@
     <p:sldMasterId id="2147484046" r:id="rId5"/>
   </p:sldMasterIdLst>
   <p:notesMasterIdLst>
-    <p:notesMasterId r:id="rId18"/>
+    <p:notesMasterId r:id="rId20"/>
   </p:notesMasterIdLst>
   <p:handoutMasterIdLst>
-    <p:handoutMasterId r:id="rId19"/>
+    <p:handoutMasterId r:id="rId21"/>
   </p:handoutMasterIdLst>
   <p:sldIdLst>
     <p:sldId id="657" r:id="rId6"/>
@@ -23,7 +23,9 @@
     <p:sldId id="668" r:id="rId14"/>
     <p:sldId id="666" r:id="rId15"/>
     <p:sldId id="661" r:id="rId16"/>
-    <p:sldId id="654" r:id="rId17"/>
+    <p:sldId id="669" r:id="rId17"/>
+    <p:sldId id="670" r:id="rId18"/>
+    <p:sldId id="654" r:id="rId19"/>
   </p:sldIdLst>
   <p:sldSz cx="12188825" cy="6858000"/>
   <p:notesSz cx="6858000" cy="9144000"/>
@@ -326,7 +328,7 @@
           <a:p>
             <a:fld id="{DE219B1A-AE41-483B-A766-69B9363DDA6A}" type="datetimeFigureOut">
               <a:rPr lang="en-US" smtClean="0"/>
-              <a:t>9/29/2014</a:t>
+              <a:t>9/30/2014</a:t>
             </a:fld>
             <a:endParaRPr lang="en-US"/>
           </a:p>
@@ -608,7 +610,7 @@
           <a:p>
             <a:fld id="{D51B1278-D92B-4AF3-A9C1-71DD298190CE}" type="datetimeFigureOut">
               <a:rPr lang="en-US" smtClean="0"/>
-              <a:t>9/29/2014</a:t>
+              <a:t>9/30/2014</a:t>
             </a:fld>
             <a:endParaRPr lang="en-US"/>
           </a:p>
@@ -1101,7 +1103,7 @@
                 </a:solidFill>
               </a:rPr>
               <a:pPr/>
-              <a:t>9/29/2014</a:t>
+              <a:t>9/30/2014</a:t>
             </a:fld>
             <a:endParaRPr lang="en-US">
               <a:solidFill>
@@ -1468,7 +1470,7 @@
                 </a:solidFill>
               </a:rPr>
               <a:pPr/>
-              <a:t>9/29/2014</a:t>
+              <a:t>9/30/2014</a:t>
             </a:fld>
             <a:endParaRPr lang="en-US" dirty="0">
               <a:solidFill>
@@ -1624,7 +1626,7 @@
                 </a:solidFill>
               </a:rPr>
               <a:pPr/>
-              <a:t>9/29/2014</a:t>
+              <a:t>9/30/2014</a:t>
             </a:fld>
             <a:endParaRPr lang="en-US">
               <a:solidFill>
@@ -1832,11 +1834,32 @@
           <a:p>
             <a:r>
               <a:rPr lang="en-US" dirty="0" smtClean="0"/>
-              <a:t>The Windows App Certification</a:t>
+              <a:t>https://dev.windows.com/en-us/develop/Building-universal-Windows-apps</a:t>
+            </a:r>
+          </a:p>
+          <a:p>
+            <a:endParaRPr lang="en-US" dirty="0" smtClean="0"/>
+          </a:p>
+          <a:p>
+            <a:r>
+              <a:rPr lang="en-US" dirty="0" smtClean="0"/>
+              <a:t>The </a:t>
+            </a:r>
+            <a:r>
+              <a:rPr lang="en-US" dirty="0" smtClean="0"/>
+              <a:t>Windows App Certification</a:t>
             </a:r>
             <a:r>
               <a:rPr lang="en-US" baseline="0" dirty="0" smtClean="0"/>
-              <a:t> Kit has been extended to Phone apps. This allow a universal app to be in both Stores</a:t>
+              <a:t> Kit has been extended to Phone apps. This </a:t>
+            </a:r>
+            <a:r>
+              <a:rPr lang="en-US" baseline="0" dirty="0" smtClean="0"/>
+              <a:t>allows </a:t>
+            </a:r>
+            <a:r>
+              <a:rPr lang="en-US" baseline="0" dirty="0" smtClean="0"/>
+              <a:t>a universal app to be in both Stores</a:t>
             </a:r>
             <a:endParaRPr lang="en-US" dirty="0"/>
           </a:p>
@@ -1859,7 +1882,7 @@
           <a:p>
             <a:fld id="{831D7532-73E3-4C55-9F73-B019210AAFE6}" type="datetime1">
               <a:rPr lang="en-US" smtClean="0"/>
-              <a:t>9/29/2014</a:t>
+              <a:t>9/30/2014</a:t>
             </a:fld>
             <a:endParaRPr lang="en-US"/>
           </a:p>
@@ -2046,24 +2069,66 @@
           <a:p>
             <a:r>
               <a:rPr lang="en-US" dirty="0" smtClean="0"/>
-              <a:t>OneNote Clipper: https://www.onenote.com/Clipper/OneNote</a:t>
-            </a:r>
-          </a:p>
-          <a:p>
-            <a:endParaRPr lang="en-US" dirty="0" smtClean="0"/>
-          </a:p>
-          <a:p>
-            <a:r>
-              <a:rPr lang="en-US" dirty="0" smtClean="0"/>
-              <a:t>Demos\</a:t>
-            </a:r>
-            <a:r>
-              <a:rPr lang="en-US" dirty="0" err="1" smtClean="0"/>
-              <a:t>OneNoteSaveDialog</a:t>
+              <a:t>Create</a:t>
             </a:r>
             <a:r>
               <a:rPr lang="en-US" baseline="0" dirty="0" smtClean="0"/>
-              <a:t> folder: The html page contains two links for the Save Dialog. The first will capture a page from MSDN. The second uses jQuery to dynamically set the page to capture to be the current page. Running the page from http://localhost will cause the capture to omit the picture of the page. This is because the OneNote service cannot access localhost. This is an important distinction that will be discussed later in the module.</a:t>
+              <a:t> a new </a:t>
+            </a:r>
+            <a:r>
+              <a:rPr lang="en-US" baseline="0" dirty="0" err="1" smtClean="0"/>
+              <a:t>HubApp</a:t>
+            </a:r>
+            <a:r>
+              <a:rPr lang="en-US" baseline="0" dirty="0" smtClean="0"/>
+              <a:t> project. Show the sample data and </a:t>
+            </a:r>
+            <a:r>
+              <a:rPr lang="en-US" baseline="0" dirty="0" err="1" smtClean="0"/>
+              <a:t>datasource</a:t>
+            </a:r>
+            <a:endParaRPr lang="en-US" baseline="0" dirty="0" smtClean="0"/>
+          </a:p>
+          <a:p>
+            <a:endParaRPr lang="en-US" baseline="0" dirty="0" smtClean="0"/>
+          </a:p>
+          <a:p>
+            <a:r>
+              <a:rPr lang="en-US" baseline="0" dirty="0" smtClean="0"/>
+              <a:t>Right-click on windows app, set as startup project. Then open code-behind of </a:t>
+            </a:r>
+            <a:r>
+              <a:rPr lang="en-US" baseline="0" dirty="0" err="1" smtClean="0"/>
+              <a:t>HubPage</a:t>
+            </a:r>
+            <a:r>
+              <a:rPr lang="en-US" baseline="0" dirty="0" smtClean="0"/>
+              <a:t> and show the </a:t>
+            </a:r>
+            <a:r>
+              <a:rPr lang="en-US" baseline="0" dirty="0" err="1" smtClean="0"/>
+              <a:t>NavigationHelper_LoadState</a:t>
+            </a:r>
+            <a:r>
+              <a:rPr lang="en-US" baseline="0" dirty="0" smtClean="0"/>
+              <a:t> method. Point out the call to the sample data source. Run the project (F5)</a:t>
+            </a:r>
+          </a:p>
+          <a:p>
+            <a:endParaRPr lang="en-US" baseline="0" dirty="0" smtClean="0"/>
+          </a:p>
+          <a:p>
+            <a:r>
+              <a:rPr lang="en-US" baseline="0" dirty="0" smtClean="0"/>
+              <a:t>Right-click on phone app, set as startup project. Again, show code behind of </a:t>
+            </a:r>
+            <a:r>
+              <a:rPr lang="en-US" baseline="0" dirty="0" err="1" smtClean="0"/>
+              <a:t>HubPage</a:t>
+            </a:r>
+            <a:r>
+              <a:rPr lang="en-US" baseline="0" dirty="0" smtClean="0"/>
+              <a:t>, pointing out the similarities. The same method loads the same sample data. Run the project (F5)</a:t>
             </a:r>
             <a:endParaRPr lang="en-US" dirty="0"/>
           </a:p>
@@ -2091,7 +2156,7 @@
                 </a:solidFill>
               </a:rPr>
               <a:pPr/>
-              <a:t>9/29/2014</a:t>
+              <a:t>9/30/2014</a:t>
             </a:fld>
             <a:endParaRPr lang="en-US">
               <a:solidFill>
@@ -2429,7 +2494,7 @@
           <a:p>
             <a:fld id="{0BB6559B-C68D-49B4-97AE-9BB74C417927}" type="datetime1">
               <a:rPr lang="en-US" smtClean="0"/>
-              <a:t>9/29/2014</a:t>
+              <a:t>9/30/2014</a:t>
             </a:fld>
             <a:endParaRPr lang="en-US"/>
           </a:p>
@@ -2452,7 +2517,7 @@
           <a:p>
             <a:fld id="{B4008EB6-D09E-4580-8CD6-DDB14511944F}" type="slidenum">
               <a:rPr lang="en-US" smtClean="0"/>
-              <a:t>12</a:t>
+              <a:t>14</a:t>
             </a:fld>
             <a:endParaRPr lang="en-US" dirty="0"/>
           </a:p>
@@ -6403,12 +6468,12 @@
   <p:extLst mod="1">
     <p:ext uri="{DCECCB84-F9BA-43D5-87BE-67443E8EF086}">
       <p15:sldGuideLst xmlns:p15="http://schemas.microsoft.com/office/powerpoint/2012/main">
-        <p15:guide id="4294967295" orient="horz" pos="2203">
+        <p15:guide id="1" orient="horz" pos="2203">
           <p15:clr>
             <a:srgbClr val="FBAE40"/>
           </p15:clr>
         </p15:guide>
-        <p15:guide id="4294967295" pos="3053">
+        <p15:guide id="2" pos="3053">
           <p15:clr>
             <a:srgbClr val="FBAE40"/>
           </p15:clr>
@@ -11521,27 +11586,7 @@
           <a:p>
             <a:r>
               <a:rPr lang="en-US" dirty="0" smtClean="0"/>
-              <a:t>Deep Dive into </a:t>
-            </a:r>
-            <a:r>
-              <a:rPr lang="en-US" dirty="0" smtClean="0"/>
-              <a:t>native Universal App </a:t>
-            </a:r>
-            <a:r>
-              <a:rPr lang="en-US" smtClean="0"/>
-              <a:t>development with the </a:t>
-            </a:r>
-            <a:r>
-              <a:rPr lang="en-US" dirty="0" smtClean="0"/>
-              <a:t>Office </a:t>
-            </a:r>
-            <a:r>
-              <a:rPr lang="en-US" smtClean="0"/>
-              <a:t>365 </a:t>
-            </a:r>
-            <a:r>
-              <a:rPr lang="en-US" smtClean="0"/>
-              <a:t>APIs</a:t>
+              <a:t>Deep Dive into native Universal App development with the Office 365 APIs</a:t>
             </a:r>
             <a:endParaRPr lang="en-US" dirty="0"/>
           </a:p>
@@ -11600,13 +11645,13 @@
   <p:clrMapOvr>
     <a:masterClrMapping/>
   </p:clrMapOvr>
-  <mc:AlternateContent xmlns:mc="http://schemas.openxmlformats.org/markup-compatibility/2006">
-    <mc:Choice xmlns:p14="http://schemas.microsoft.com/office/powerpoint/2010/main" Requires="p14">
+  <mc:AlternateContent xmlns:mc="http://schemas.openxmlformats.org/markup-compatibility/2006" xmlns:p14="http://schemas.microsoft.com/office/powerpoint/2010/main">
+    <mc:Choice Requires="p14">
       <p:transition spd="slow" p14:dur="3400">
         <p14:reveal/>
       </p:transition>
     </mc:Choice>
-    <mc:Fallback>
+    <mc:Fallback xmlns="">
       <p:transition spd="slow">
         <p:fade/>
       </p:transition>
@@ -11681,6 +11726,59 @@
               <a:pPr/>
               <a:t>10</a:t>
             </a:fld>
+            <a:endParaRPr lang="en-US" dirty="0"/>
+          </a:p>
+        </p:txBody>
+      </p:sp>
+      <p:sp>
+        <p:nvSpPr>
+          <p:cNvPr id="5" name="Text Placeholder 4"/>
+          <p:cNvSpPr>
+            <a:spLocks noGrp="1"/>
+          </p:cNvSpPr>
+          <p:nvPr>
+            <p:ph type="body" sz="quarter" idx="10"/>
+          </p:nvPr>
+        </p:nvSpPr>
+        <p:spPr/>
+        <p:txBody>
+          <a:bodyPr/>
+          <a:lstStyle/>
+          <a:p>
+            <a:r>
+              <a:rPr lang="en-US" dirty="0" smtClean="0"/>
+              <a:t>C</a:t>
+            </a:r>
+            <a:r>
+              <a:rPr lang="en-US" baseline="0" dirty="0" smtClean="0"/>
+              <a:t>ontains sample data in Shared project</a:t>
+            </a:r>
+          </a:p>
+          <a:p>
+            <a:pPr lvl="1"/>
+            <a:r>
+              <a:rPr lang="en-US" dirty="0" err="1" smtClean="0"/>
+              <a:t>SampleData.json</a:t>
+            </a:r>
+            <a:endParaRPr lang="en-US" dirty="0" smtClean="0"/>
+          </a:p>
+          <a:p>
+            <a:pPr lvl="0"/>
+            <a:r>
+              <a:rPr lang="en-US" dirty="0" smtClean="0"/>
+              <a:t>Phone app</a:t>
+            </a:r>
+            <a:r>
+              <a:rPr lang="en-US" baseline="0" dirty="0" smtClean="0"/>
+              <a:t> is completely data-bound</a:t>
+            </a:r>
+          </a:p>
+          <a:p>
+            <a:pPr lvl="0"/>
+            <a:r>
+              <a:rPr lang="en-US" baseline="0" dirty="0" smtClean="0"/>
+              <a:t>Windows app only binds “Section 3”</a:t>
+            </a:r>
             <a:endParaRPr lang="en-US" dirty="0"/>
           </a:p>
         </p:txBody>
@@ -11758,7 +11856,11 @@
           <a:p>
             <a:r>
               <a:rPr lang="en-US" dirty="0" smtClean="0"/>
-              <a:t>One-Click Capture to OneNote</a:t>
+              <a:t>Universal</a:t>
+            </a:r>
+            <a:r>
+              <a:rPr lang="en-US" baseline="0" dirty="0" smtClean="0"/>
+              <a:t> App template</a:t>
             </a:r>
             <a:endParaRPr lang="en-US" dirty="0"/>
           </a:p>
@@ -11768,6 +11870,97 @@
     <p:extLst>
       <p:ext uri="{BB962C8B-B14F-4D97-AF65-F5344CB8AC3E}">
         <p14:creationId xmlns:p14="http://schemas.microsoft.com/office/powerpoint/2010/main" val="3222560637"/>
+      </p:ext>
+    </p:extLst>
+  </p:cSld>
+  <p:clrMapOvr>
+    <a:masterClrMapping/>
+  </p:clrMapOvr>
+  <mc:AlternateContent xmlns:mc="http://schemas.openxmlformats.org/markup-compatibility/2006" xmlns:p14="http://schemas.microsoft.com/office/powerpoint/2010/main">
+    <mc:Choice Requires="p14">
+      <p:transition spd="slow" p14:dur="3400">
+        <p14:reveal/>
+      </p:transition>
+    </mc:Choice>
+    <mc:Fallback xmlns="">
+      <p:transition spd="slow">
+        <p:fade/>
+      </p:transition>
+    </mc:Fallback>
+  </mc:AlternateContent>
+  <p:timing>
+    <p:tnLst>
+      <p:par>
+        <p:cTn id="1" dur="indefinite" restart="never" nodeType="tmRoot"/>
+      </p:par>
+    </p:tnLst>
+  </p:timing>
+</p:sld>
+</file>
+
+<file path=ppt/slides/slide12.xml><?xml version="1.0" encoding="utf-8"?>
+<p:sld xmlns:a="http://schemas.openxmlformats.org/drawingml/2006/main" xmlns:r="http://schemas.openxmlformats.org/officeDocument/2006/relationships" xmlns:p="http://schemas.openxmlformats.org/presentationml/2006/main">
+  <p:cSld>
+    <p:spTree>
+      <p:nvGrpSpPr>
+        <p:cNvPr id="1" name=""/>
+        <p:cNvGrpSpPr/>
+        <p:nvPr/>
+      </p:nvGrpSpPr>
+      <p:grpSpPr>
+        <a:xfrm>
+          <a:off x="0" y="0"/>
+          <a:ext cx="0" cy="0"/>
+          <a:chOff x="0" y="0"/>
+          <a:chExt cx="0" cy="0"/>
+        </a:xfrm>
+      </p:grpSpPr>
+      <p:sp>
+        <p:nvSpPr>
+          <p:cNvPr id="2" name="Title 1"/>
+          <p:cNvSpPr>
+            <a:spLocks noGrp="1"/>
+          </p:cNvSpPr>
+          <p:nvPr>
+            <p:ph type="title"/>
+          </p:nvPr>
+        </p:nvSpPr>
+        <p:spPr/>
+        <p:txBody>
+          <a:bodyPr/>
+          <a:lstStyle/>
+          <a:p>
+            <a:r>
+              <a:rPr lang="en-US" dirty="0" smtClean="0"/>
+              <a:t>Integrating Office 365</a:t>
+            </a:r>
+            <a:endParaRPr lang="en-US" dirty="0"/>
+          </a:p>
+        </p:txBody>
+      </p:sp>
+      <p:sp>
+        <p:nvSpPr>
+          <p:cNvPr id="3" name="Text Placeholder 2"/>
+          <p:cNvSpPr>
+            <a:spLocks noGrp="1"/>
+          </p:cNvSpPr>
+          <p:nvPr>
+            <p:ph type="body" sz="quarter" idx="12"/>
+          </p:nvPr>
+        </p:nvSpPr>
+        <p:spPr/>
+        <p:txBody>
+          <a:bodyPr/>
+          <a:lstStyle/>
+          <a:p>
+            <a:endParaRPr lang="en-US"/>
+          </a:p>
+        </p:txBody>
+      </p:sp>
+    </p:spTree>
+    <p:extLst>
+      <p:ext uri="{BB962C8B-B14F-4D97-AF65-F5344CB8AC3E}">
+        <p14:creationId xmlns:p14="http://schemas.microsoft.com/office/powerpoint/2010/main" val="967796703"/>
       </p:ext>
     </p:extLst>
   </p:cSld>
@@ -11786,17 +11979,152 @@
       </p:transition>
     </mc:Fallback>
   </mc:AlternateContent>
-  <p:timing>
-    <p:tnLst>
-      <p:par>
-        <p:cTn id="1" dur="indefinite" restart="never" nodeType="tmRoot"/>
-      </p:par>
-    </p:tnLst>
-  </p:timing>
 </p:sld>
 </file>
 
-<file path=ppt/slides/slide12.xml><?xml version="1.0" encoding="utf-8"?>
+<file path=ppt/slides/slide13.xml><?xml version="1.0" encoding="utf-8"?>
+<p:sld xmlns:a="http://schemas.openxmlformats.org/drawingml/2006/main" xmlns:r="http://schemas.openxmlformats.org/officeDocument/2006/relationships" xmlns:p="http://schemas.openxmlformats.org/presentationml/2006/main">
+  <p:cSld>
+    <p:spTree>
+      <p:nvGrpSpPr>
+        <p:cNvPr id="1" name=""/>
+        <p:cNvGrpSpPr/>
+        <p:nvPr/>
+      </p:nvGrpSpPr>
+      <p:grpSpPr>
+        <a:xfrm>
+          <a:off x="0" y="0"/>
+          <a:ext cx="0" cy="0"/>
+          <a:chOff x="0" y="0"/>
+          <a:chExt cx="0" cy="0"/>
+        </a:xfrm>
+      </p:grpSpPr>
+      <p:sp>
+        <p:nvSpPr>
+          <p:cNvPr id="8" name="Text Placeholder 7"/>
+          <p:cNvSpPr>
+            <a:spLocks noGrp="1"/>
+          </p:cNvSpPr>
+          <p:nvPr>
+            <p:ph type="body" sz="quarter" idx="10"/>
+          </p:nvPr>
+        </p:nvSpPr>
+        <p:spPr/>
+        <p:txBody>
+          <a:bodyPr/>
+          <a:lstStyle/>
+          <a:p>
+            <a:pPr lvl="0"/>
+            <a:r>
+              <a:rPr lang="en-US" dirty="0" smtClean="0"/>
+              <a:t>Add Connected Service</a:t>
+            </a:r>
+          </a:p>
+          <a:p>
+            <a:pPr lvl="1"/>
+            <a:r>
+              <a:rPr lang="en-US" dirty="0" smtClean="0"/>
+              <a:t>Need to add</a:t>
+            </a:r>
+            <a:r>
+              <a:rPr lang="en-US" baseline="0" dirty="0" smtClean="0"/>
+              <a:t> to both Windows and Phone projects</a:t>
+            </a:r>
+          </a:p>
+          <a:p>
+            <a:pPr lvl="2"/>
+            <a:r>
+              <a:rPr lang="en-US" dirty="0" smtClean="0"/>
+              <a:t>As of September</a:t>
+            </a:r>
+            <a:r>
+              <a:rPr lang="en-US" baseline="0" dirty="0" smtClean="0"/>
+              <a:t> 2014, Office 365 libraries not compatible for Phone projects</a:t>
+            </a:r>
+          </a:p>
+          <a:p>
+            <a:pPr lvl="0"/>
+            <a:r>
+              <a:rPr lang="en-US" dirty="0" smtClean="0"/>
+              <a:t>Create a data source</a:t>
+            </a:r>
+          </a:p>
+          <a:p>
+            <a:pPr lvl="1"/>
+            <a:r>
+              <a:rPr lang="en-US" dirty="0" smtClean="0"/>
+              <a:t>XAML makes heavy use of data binding, embrace that paradigm</a:t>
+            </a:r>
+          </a:p>
+          <a:p>
+            <a:pPr lvl="0"/>
+            <a:r>
+              <a:rPr lang="en-US" dirty="0" err="1" smtClean="0"/>
+              <a:t>Stateful</a:t>
+            </a:r>
+            <a:r>
+              <a:rPr lang="en-US" dirty="0" smtClean="0"/>
+              <a:t> client</a:t>
+            </a:r>
+          </a:p>
+          <a:p>
+            <a:pPr lvl="1"/>
+            <a:r>
+              <a:rPr lang="en-US" dirty="0" smtClean="0"/>
+              <a:t>Initiate</a:t>
+            </a:r>
+            <a:r>
+              <a:rPr lang="en-US" baseline="0" dirty="0" smtClean="0"/>
+              <a:t> login/consent and store Discovery Context</a:t>
+            </a:r>
+            <a:endParaRPr lang="en-US" dirty="0"/>
+          </a:p>
+        </p:txBody>
+      </p:sp>
+      <p:sp>
+        <p:nvSpPr>
+          <p:cNvPr id="7" name="Title 6"/>
+          <p:cNvSpPr>
+            <a:spLocks noGrp="1"/>
+          </p:cNvSpPr>
+          <p:nvPr>
+            <p:ph type="title"/>
+          </p:nvPr>
+        </p:nvSpPr>
+        <p:spPr/>
+        <p:txBody>
+          <a:bodyPr/>
+          <a:lstStyle/>
+          <a:p>
+            <a:r>
+              <a:rPr lang="en-US" dirty="0" smtClean="0"/>
+              <a:t>Add</a:t>
+            </a:r>
+            <a:r>
+              <a:rPr lang="en-US" baseline="0" dirty="0" smtClean="0"/>
+              <a:t> Office 365 to Universal App</a:t>
+            </a:r>
+            <a:endParaRPr lang="en-US" dirty="0"/>
+          </a:p>
+        </p:txBody>
+      </p:sp>
+    </p:spTree>
+    <p:extLst>
+      <p:ext uri="{BB962C8B-B14F-4D97-AF65-F5344CB8AC3E}">
+        <p14:creationId xmlns:p14="http://schemas.microsoft.com/office/powerpoint/2010/main" val="175696755"/>
+      </p:ext>
+    </p:extLst>
+  </p:cSld>
+  <p:clrMapOvr>
+    <a:masterClrMapping/>
+  </p:clrMapOvr>
+  <p:transition>
+    <p:fade/>
+  </p:transition>
+</p:sld>
+</file>
+
+<file path=ppt/slides/slide14.xml><?xml version="1.0" encoding="utf-8"?>
 <p:sld xmlns:a="http://schemas.openxmlformats.org/drawingml/2006/main" xmlns:r="http://schemas.openxmlformats.org/officeDocument/2006/relationships" xmlns:p="http://schemas.openxmlformats.org/presentationml/2006/main">
   <p:cSld>
     <p:spTree>
@@ -12225,23 +12553,12 @@
           </a:p>
           <a:p>
             <a:r>
-              <a:rPr lang="en-US" dirty="0" smtClean="0"/>
-              <a:t>Overview of Universal Apps</a:t>
-            </a:r>
-            <a:endParaRPr lang="en-US" dirty="0" smtClean="0"/>
-          </a:p>
-          <a:p>
-            <a:r>
-              <a:rPr lang="en-US" dirty="0" smtClean="0"/>
-              <a:t>Deep </a:t>
-            </a:r>
-            <a:r>
-              <a:rPr lang="en-US" dirty="0" smtClean="0"/>
-              <a:t>Dive into </a:t>
-            </a:r>
-            <a:r>
               <a:rPr lang="en-US" baseline="0" dirty="0" smtClean="0"/>
-              <a:t>Universal App projects</a:t>
+              <a:t>Universal </a:t>
+            </a:r>
+            <a:r>
+              <a:rPr lang="en-US" baseline="0" dirty="0" smtClean="0"/>
+              <a:t>App projects</a:t>
             </a:r>
           </a:p>
           <a:p>
@@ -12319,13 +12636,13 @@
   <p:clrMapOvr>
     <a:masterClrMapping/>
   </p:clrMapOvr>
-  <mc:AlternateContent xmlns:mc="http://schemas.openxmlformats.org/markup-compatibility/2006">
-    <mc:Choice xmlns:p14="http://schemas.microsoft.com/office/powerpoint/2010/main" Requires="p14">
+  <mc:AlternateContent xmlns:mc="http://schemas.openxmlformats.org/markup-compatibility/2006" xmlns:p14="http://schemas.microsoft.com/office/powerpoint/2010/main">
+    <mc:Choice Requires="p14">
       <p:transition spd="med" p14:dur="700">
         <p:fade/>
       </p:transition>
     </mc:Choice>
-    <mc:Fallback>
+    <mc:Fallback xmlns="">
       <p:transition spd="med">
         <p:fade/>
       </p:transition>
@@ -12410,13 +12727,13 @@
   <p:clrMapOvr>
     <a:masterClrMapping/>
   </p:clrMapOvr>
-  <mc:AlternateContent xmlns:mc="http://schemas.openxmlformats.org/markup-compatibility/2006">
-    <mc:Choice xmlns:p14="http://schemas.microsoft.com/office/powerpoint/2010/main" Requires="p14">
+  <mc:AlternateContent xmlns:mc="http://schemas.openxmlformats.org/markup-compatibility/2006" xmlns:p14="http://schemas.microsoft.com/office/powerpoint/2010/main">
+    <mc:Choice Requires="p14">
       <p:transition spd="slow" p14:dur="3400">
         <p14:reveal/>
       </p:transition>
     </mc:Choice>
-    <mc:Fallback>
+    <mc:Fallback xmlns="">
       <p:transition spd="slow">
         <p:fade/>
       </p:transition>
@@ -12604,7 +12921,11 @@
           <a:p>
             <a:r>
               <a:rPr lang="en-US" dirty="0" smtClean="0"/>
-              <a:t>Overview of Universal Apps</a:t>
+              <a:t>Universal App</a:t>
+            </a:r>
+            <a:r>
+              <a:rPr lang="en-US" baseline="0" dirty="0" smtClean="0"/>
+              <a:t> Project</a:t>
             </a:r>
             <a:endParaRPr lang="en-US" dirty="0"/>
           </a:p>
@@ -12671,13 +12992,13 @@
   <p:clrMapOvr>
     <a:masterClrMapping/>
   </p:clrMapOvr>
-  <mc:AlternateContent xmlns:mc="http://schemas.openxmlformats.org/markup-compatibility/2006">
-    <mc:Choice xmlns:p14="http://schemas.microsoft.com/office/powerpoint/2010/main" Requires="p14">
+  <mc:AlternateContent xmlns:mc="http://schemas.openxmlformats.org/markup-compatibility/2006" xmlns:p14="http://schemas.microsoft.com/office/powerpoint/2010/main">
+    <mc:Choice Requires="p14">
       <p:transition spd="slow" p14:dur="3400">
         <p14:reveal/>
       </p:transition>
     </mc:Choice>
-    <mc:Fallback>
+    <mc:Fallback xmlns="">
       <p:transition spd="slow">
         <p:fade/>
       </p:transition>
@@ -14494,6 +14815,24 @@
 </file>
 
 <file path=customXml/item1.xml><?xml version="1.0" encoding="utf-8"?>
+<?mso-contentType ?>
+<FormTemplates xmlns="http://schemas.microsoft.com/sharepoint/v3/contenttype/forms">
+  <Display>DocumentLibraryForm</Display>
+  <Edit>DocumentLibraryForm</Edit>
+  <New>DocumentLibraryForm</New>
+</FormTemplates>
+</file>
+
+<file path=customXml/item2.xml><?xml version="1.0" encoding="utf-8"?>
+<p:properties xmlns:p="http://schemas.microsoft.com/office/2006/metadata/properties" xmlns:xsi="http://www.w3.org/2001/XMLSchema-instance" xmlns:pc="http://schemas.microsoft.com/office/infopath/2007/PartnerControls">
+  <documentManagement>
+    <Company xmlns="http://schemas.microsoft.com/sharepoint/v3">Critical Path</Company>
+    <Project xmlns="c7dd7a47-5eb0-4219-9c75-8258c822be9e" xsi:nil="true"/>
+  </documentManagement>
+</p:properties>
+</file>
+
+<file path=customXml/item3.xml><?xml version="1.0" encoding="utf-8"?>
 <ct:contentTypeSchema xmlns:ct="http://schemas.microsoft.com/office/2006/metadata/contentType" xmlns:ma="http://schemas.microsoft.com/office/2006/metadata/properties/metaAttributes" ct:_="" ma:_="" ma:contentTypeName="Document" ma:contentTypeID="0x0101006D61B4CFCB5D8D4A8E65D32A29D8DB3E" ma:contentTypeVersion="3" ma:contentTypeDescription="Create a new document." ma:contentTypeScope="" ma:versionID="f0276697cd14aa124c054602ce8fe3c5">
   <xsd:schema xmlns:xsd="http://www.w3.org/2001/XMLSchema" xmlns:xs="http://www.w3.org/2001/XMLSchema" xmlns:p="http://schemas.microsoft.com/office/2006/metadata/properties" xmlns:ns1="http://schemas.microsoft.com/sharepoint/v3" xmlns:ns2="c7dd7a47-5eb0-4219-9c75-8258c822be9e" targetNamespace="http://schemas.microsoft.com/office/2006/metadata/properties" ma:root="true" ma:fieldsID="ce85d22485e5625b9ccd59583b658dde" ns1:_="" ns2:_="">
     <xsd:import namespace="http://schemas.microsoft.com/sharepoint/v3"/>
@@ -14632,25 +14971,26 @@
 </ct:contentTypeSchema>
 </file>
 
-<file path=customXml/item2.xml><?xml version="1.0" encoding="utf-8"?>
-<p:properties xmlns:p="http://schemas.microsoft.com/office/2006/metadata/properties" xmlns:xsi="http://www.w3.org/2001/XMLSchema-instance" xmlns:pc="http://schemas.microsoft.com/office/infopath/2007/PartnerControls">
-  <documentManagement>
-    <Company xmlns="http://schemas.microsoft.com/sharepoint/v3">Critical Path</Company>
-    <Project xmlns="c7dd7a47-5eb0-4219-9c75-8258c822be9e" xsi:nil="true"/>
-  </documentManagement>
-</p:properties>
+<file path=customXml/itemProps1.xml><?xml version="1.0" encoding="utf-8"?>
+<ds:datastoreItem xmlns:ds="http://schemas.openxmlformats.org/officeDocument/2006/customXml" ds:itemID="{E1E0CE18-CA03-4891-9CD8-3448778E3D53}">
+  <ds:schemaRefs>
+    <ds:schemaRef ds:uri="http://schemas.microsoft.com/sharepoint/v3/contenttype/forms"/>
+  </ds:schemaRefs>
+</ds:datastoreItem>
 </file>
 
-<file path=customXml/item3.xml><?xml version="1.0" encoding="utf-8"?>
-<?mso-contentType ?>
-<FormTemplates xmlns="http://schemas.microsoft.com/sharepoint/v3/contenttype/forms">
-  <Display>DocumentLibraryForm</Display>
-  <Edit>DocumentLibraryForm</Edit>
-  <New>DocumentLibraryForm</New>
-</FormTemplates>
+<file path=customXml/itemProps2.xml><?xml version="1.0" encoding="utf-8"?>
+<ds:datastoreItem xmlns:ds="http://schemas.openxmlformats.org/officeDocument/2006/customXml" ds:itemID="{DA593625-DB14-4FB0-B5A9-3269FA9C120B}">
+  <ds:schemaRefs>
+    <ds:schemaRef ds:uri="http://schemas.microsoft.com/office/2006/metadata/properties"/>
+    <ds:schemaRef ds:uri="http://schemas.microsoft.com/office/infopath/2007/PartnerControls"/>
+    <ds:schemaRef ds:uri="http://schemas.microsoft.com/sharepoint/v3"/>
+    <ds:schemaRef ds:uri="c7dd7a47-5eb0-4219-9c75-8258c822be9e"/>
+  </ds:schemaRefs>
+</ds:datastoreItem>
 </file>
 
-<file path=customXml/itemProps1.xml><?xml version="1.0" encoding="utf-8"?>
+<file path=customXml/itemProps3.xml><?xml version="1.0" encoding="utf-8"?>
 <ds:datastoreItem xmlns:ds="http://schemas.openxmlformats.org/officeDocument/2006/customXml" ds:itemID="{EF3CB00D-FBE3-46CD-905F-2C1357C53E46}">
   <ds:schemaRefs>
     <ds:schemaRef ds:uri="http://schemas.microsoft.com/office/2006/metadata/contentType"/>
@@ -14667,23 +15007,4 @@
     <ds:schemaRef ds:uri="http://schemas.microsoft.com/internal/obd"/>
   </ds:schemaRefs>
 </ds:datastoreItem>
-</file>
-
-<file path=customXml/itemProps2.xml><?xml version="1.0" encoding="utf-8"?>
-<ds:datastoreItem xmlns:ds="http://schemas.openxmlformats.org/officeDocument/2006/customXml" ds:itemID="{DA593625-DB14-4FB0-B5A9-3269FA9C120B}">
-  <ds:schemaRefs>
-    <ds:schemaRef ds:uri="http://schemas.microsoft.com/office/2006/metadata/properties"/>
-    <ds:schemaRef ds:uri="http://schemas.microsoft.com/office/infopath/2007/PartnerControls"/>
-    <ds:schemaRef ds:uri="http://schemas.microsoft.com/sharepoint/v3"/>
-    <ds:schemaRef ds:uri="c7dd7a47-5eb0-4219-9c75-8258c822be9e"/>
-  </ds:schemaRefs>
-</ds:datastoreItem>
-</file>
-
-<file path=customXml/itemProps3.xml><?xml version="1.0" encoding="utf-8"?>
-<ds:datastoreItem xmlns:ds="http://schemas.openxmlformats.org/officeDocument/2006/customXml" ds:itemID="{E1E0CE18-CA03-4891-9CD8-3448778E3D53}">
-  <ds:schemaRefs>
-    <ds:schemaRef ds:uri="http://schemas.microsoft.com/sharepoint/v3/contenttype/forms"/>
-  </ds:schemaRefs>
-</ds:datastoreItem>
 </file>
--- a/O3654-5 Deep dive into native Universal Windows App Development with Office 365 APIs/Deep Dive into native Universal App development with Office 365 APIs.pptx
+++ b/O3654-5 Deep dive into native Universal Windows App Development with Office 365 APIs/Deep Dive into native Universal App development with Office 365 APIs.pptx
@@ -6,10 +6,10 @@
     <p:sldMasterId id="2147484046" r:id="rId5"/>
   </p:sldMasterIdLst>
   <p:notesMasterIdLst>
-    <p:notesMasterId r:id="rId20"/>
+    <p:notesMasterId r:id="rId24"/>
   </p:notesMasterIdLst>
   <p:handoutMasterIdLst>
-    <p:handoutMasterId r:id="rId21"/>
+    <p:handoutMasterId r:id="rId25"/>
   </p:handoutMasterIdLst>
   <p:sldIdLst>
     <p:sldId id="657" r:id="rId6"/>
@@ -25,7 +25,11 @@
     <p:sldId id="661" r:id="rId16"/>
     <p:sldId id="669" r:id="rId17"/>
     <p:sldId id="670" r:id="rId18"/>
-    <p:sldId id="654" r:id="rId19"/>
+    <p:sldId id="671" r:id="rId19"/>
+    <p:sldId id="673" r:id="rId20"/>
+    <p:sldId id="672" r:id="rId21"/>
+    <p:sldId id="674" r:id="rId22"/>
+    <p:sldId id="654" r:id="rId23"/>
   </p:sldIdLst>
   <p:sldSz cx="12188825" cy="6858000"/>
   <p:notesSz cx="6858000" cy="9144000"/>
@@ -1843,23 +1847,11 @@
           <a:p>
             <a:r>
               <a:rPr lang="en-US" dirty="0" smtClean="0"/>
-              <a:t>The </a:t>
-            </a:r>
-            <a:r>
-              <a:rPr lang="en-US" dirty="0" smtClean="0"/>
-              <a:t>Windows App Certification</a:t>
+              <a:t>The Windows App Certification</a:t>
             </a:r>
             <a:r>
               <a:rPr lang="en-US" baseline="0" dirty="0" smtClean="0"/>
-              <a:t> Kit has been extended to Phone apps. This </a:t>
-            </a:r>
-            <a:r>
-              <a:rPr lang="en-US" baseline="0" dirty="0" smtClean="0"/>
-              <a:t>allows </a:t>
-            </a:r>
-            <a:r>
-              <a:rPr lang="en-US" baseline="0" dirty="0" smtClean="0"/>
-              <a:t>a universal app to be in both Stores</a:t>
+              <a:t> Kit has been extended to Phone apps. This allows a universal app to be in both Stores</a:t>
             </a:r>
             <a:endParaRPr lang="en-US" dirty="0"/>
           </a:p>
@@ -2362,6 +2354,212 @@
           <a:bodyPr/>
           <a:lstStyle/>
           <a:p>
+            <a:endParaRPr lang="en-US" dirty="0"/>
+          </a:p>
+        </p:txBody>
+      </p:sp>
+      <p:sp>
+        <p:nvSpPr>
+          <p:cNvPr id="4" name="Date Placeholder 3"/>
+          <p:cNvSpPr>
+            <a:spLocks noGrp="1"/>
+          </p:cNvSpPr>
+          <p:nvPr>
+            <p:ph type="dt" idx="10"/>
+          </p:nvPr>
+        </p:nvSpPr>
+        <p:spPr/>
+        <p:txBody>
+          <a:bodyPr/>
+          <a:lstStyle/>
+          <a:p>
+            <a:fld id="{14FEFE75-68DA-4913-B3E8-A4425B5A08D2}" type="datetime1">
+              <a:rPr lang="en-US" smtClean="0"/>
+              <a:t>9/30/2014</a:t>
+            </a:fld>
+            <a:endParaRPr lang="en-US"/>
+          </a:p>
+        </p:txBody>
+      </p:sp>
+      <p:sp>
+        <p:nvSpPr>
+          <p:cNvPr id="5" name="Slide Number Placeholder 4"/>
+          <p:cNvSpPr>
+            <a:spLocks noGrp="1"/>
+          </p:cNvSpPr>
+          <p:nvPr>
+            <p:ph type="sldNum" sz="quarter" idx="11"/>
+          </p:nvPr>
+        </p:nvSpPr>
+        <p:spPr/>
+        <p:txBody>
+          <a:bodyPr/>
+          <a:lstStyle/>
+          <a:p>
+            <a:fld id="{B4008EB6-D09E-4580-8CD6-DDB14511944F}" type="slidenum">
+              <a:rPr lang="en-US" smtClean="0"/>
+              <a:t>15</a:t>
+            </a:fld>
+            <a:endParaRPr lang="en-US" dirty="0"/>
+          </a:p>
+        </p:txBody>
+      </p:sp>
+      <p:sp>
+        <p:nvSpPr>
+          <p:cNvPr id="6" name="Header Placeholder 5"/>
+          <p:cNvSpPr>
+            <a:spLocks noGrp="1"/>
+          </p:cNvSpPr>
+          <p:nvPr>
+            <p:ph type="hdr" sz="quarter" idx="12"/>
+          </p:nvPr>
+        </p:nvSpPr>
+        <p:spPr/>
+        <p:txBody>
+          <a:bodyPr/>
+          <a:lstStyle/>
+          <a:p>
+            <a:r>
+              <a:rPr lang="en-US" smtClean="0"/>
+              <a:t>Microsoft Office</a:t>
+            </a:r>
+            <a:endParaRPr lang="en-US" dirty="0"/>
+          </a:p>
+        </p:txBody>
+      </p:sp>
+      <p:sp>
+        <p:nvSpPr>
+          <p:cNvPr id="7" name="Footer Placeholder 6"/>
+          <p:cNvSpPr>
+            <a:spLocks noGrp="1"/>
+          </p:cNvSpPr>
+          <p:nvPr>
+            <p:ph type="ftr" sz="quarter" idx="13"/>
+          </p:nvPr>
+        </p:nvSpPr>
+        <p:spPr/>
+        <p:txBody>
+          <a:bodyPr/>
+          <a:lstStyle/>
+          <a:p>
+            <a:pPr marL="231775" defTabSz="914099" eaLnBrk="0" hangingPunct="0"/>
+            <a:r>
+              <a:rPr lang="en-US" sz="500" smtClean="0">
+                <a:gradFill>
+                  <a:gsLst>
+                    <a:gs pos="0">
+                      <a:schemeClr val="tx1"/>
+                    </a:gs>
+                    <a:gs pos="100000">
+                      <a:schemeClr val="tx1"/>
+                    </a:gs>
+                  </a:gsLst>
+                  <a:lin ang="5400000" scaled="0"/>
+                </a:gradFill>
+                <a:latin typeface="Segoe UI" pitchFamily="34" charset="0"/>
+                <a:ea typeface="Segoe UI" pitchFamily="34" charset="0"/>
+                <a:cs typeface="Segoe UI" pitchFamily="34" charset="0"/>
+              </a:rPr>
+              <a:t>© 2012 Microsoft Corporation. All rights reserved. Microsoft, Windows, and other product names are or may be registered trademarks and/or trademarks in the U.S. and/or other countries.</a:t>
+            </a:r>
+          </a:p>
+          <a:p>
+            <a:pPr marL="231775" defTabSz="914099" eaLnBrk="0" hangingPunct="0"/>
+            <a:r>
+              <a:rPr lang="en-US" sz="500" smtClean="0">
+                <a:gradFill>
+                  <a:gsLst>
+                    <a:gs pos="0">
+                      <a:schemeClr val="tx1"/>
+                    </a:gs>
+                    <a:gs pos="100000">
+                      <a:schemeClr val="tx1"/>
+                    </a:gs>
+                  </a:gsLst>
+                  <a:lin ang="5400000" scaled="0"/>
+                </a:gradFill>
+                <a:latin typeface="Segoe UI" pitchFamily="34" charset="0"/>
+                <a:ea typeface="Segoe UI" pitchFamily="34" charset="0"/>
+                <a:cs typeface="Segoe UI" pitchFamily="34" charset="0"/>
+              </a:rPr>
+              <a:t>The information herein is for informational purposes only and represents the current view of Microsoft Corporation as of the date of this presentation.  Because Microsoft must respond to changing market conditions, it should not be interpreted to be a commitment on the part of Microsoft, and Microsoft cannot guarantee the accuracy of any information provided after the date of this presentation.  MICROSOFT MAKES NO WARRANTIES, EXPRESS, IMPLIED OR STATUTORY, AS TO THE INFORMATION IN THIS PRESENTATION.</a:t>
+            </a:r>
+            <a:endParaRPr lang="en-US" sz="500" dirty="0">
+              <a:gradFill>
+                <a:gsLst>
+                  <a:gs pos="0">
+                    <a:schemeClr val="tx1"/>
+                  </a:gs>
+                  <a:gs pos="100000">
+                    <a:schemeClr val="tx1"/>
+                  </a:gs>
+                </a:gsLst>
+                <a:lin ang="5400000" scaled="0"/>
+              </a:gradFill>
+              <a:latin typeface="Segoe UI" pitchFamily="34" charset="0"/>
+              <a:ea typeface="Segoe UI" pitchFamily="34" charset="0"/>
+              <a:cs typeface="Segoe UI" pitchFamily="34" charset="0"/>
+            </a:endParaRPr>
+          </a:p>
+        </p:txBody>
+      </p:sp>
+    </p:spTree>
+    <p:extLst>
+      <p:ext uri="{BB962C8B-B14F-4D97-AF65-F5344CB8AC3E}">
+        <p14:creationId xmlns:p14="http://schemas.microsoft.com/office/powerpoint/2010/main" val="2098062731"/>
+      </p:ext>
+    </p:extLst>
+  </p:cSld>
+  <p:clrMapOvr>
+    <a:masterClrMapping/>
+  </p:clrMapOvr>
+</p:notes>
+</file>
+
+<file path=ppt/notesSlides/notesSlide7.xml><?xml version="1.0" encoding="utf-8"?>
+<p:notes xmlns:a="http://schemas.openxmlformats.org/drawingml/2006/main" xmlns:r="http://schemas.openxmlformats.org/officeDocument/2006/relationships" xmlns:p="http://schemas.openxmlformats.org/presentationml/2006/main">
+  <p:cSld>
+    <p:spTree>
+      <p:nvGrpSpPr>
+        <p:cNvPr id="1" name=""/>
+        <p:cNvGrpSpPr/>
+        <p:nvPr/>
+      </p:nvGrpSpPr>
+      <p:grpSpPr>
+        <a:xfrm>
+          <a:off x="0" y="0"/>
+          <a:ext cx="0" cy="0"/>
+          <a:chOff x="0" y="0"/>
+          <a:chExt cx="0" cy="0"/>
+        </a:xfrm>
+      </p:grpSpPr>
+      <p:sp>
+        <p:nvSpPr>
+          <p:cNvPr id="2" name="Slide Image Placeholder 1"/>
+          <p:cNvSpPr>
+            <a:spLocks noGrp="1" noRot="1" noChangeAspect="1"/>
+          </p:cNvSpPr>
+          <p:nvPr>
+            <p:ph type="sldImg"/>
+          </p:nvPr>
+        </p:nvSpPr>
+        <p:spPr/>
+      </p:sp>
+      <p:sp>
+        <p:nvSpPr>
+          <p:cNvPr id="3" name="Notes Placeholder 2"/>
+          <p:cNvSpPr>
+            <a:spLocks noGrp="1"/>
+          </p:cNvSpPr>
+          <p:nvPr>
+            <p:ph type="body" idx="1"/>
+          </p:nvPr>
+        </p:nvSpPr>
+        <p:spPr/>
+        <p:txBody>
+          <a:bodyPr/>
+          <a:lstStyle/>
+          <a:p>
             <a:endParaRPr lang="en-US"/>
           </a:p>
         </p:txBody>
@@ -2517,7 +2715,7 @@
           <a:p>
             <a:fld id="{B4008EB6-D09E-4580-8CD6-DDB14511944F}" type="slidenum">
               <a:rPr lang="en-US" smtClean="0"/>
-              <a:t>14</a:t>
+              <a:t>18</a:t>
             </a:fld>
             <a:endParaRPr lang="en-US" dirty="0"/>
           </a:p>
@@ -11967,13 +12165,13 @@
   <p:clrMapOvr>
     <a:masterClrMapping/>
   </p:clrMapOvr>
-  <mc:AlternateContent xmlns:mc="http://schemas.openxmlformats.org/markup-compatibility/2006">
-    <mc:Choice xmlns:p14="http://schemas.microsoft.com/office/powerpoint/2010/main" Requires="p14">
+  <mc:AlternateContent xmlns:mc="http://schemas.openxmlformats.org/markup-compatibility/2006" xmlns:p14="http://schemas.microsoft.com/office/powerpoint/2010/main">
+    <mc:Choice Requires="p14">
       <p:transition spd="slow" p14:dur="3400">
         <p14:reveal/>
       </p:transition>
     </mc:Choice>
-    <mc:Fallback>
+    <mc:Fallback xmlns="">
       <p:transition spd="slow">
         <p:fade/>
       </p:transition>
@@ -12125,6 +12323,738 @@
 </file>
 
 <file path=ppt/slides/slide14.xml><?xml version="1.0" encoding="utf-8"?>
+<p:sld xmlns:a="http://schemas.openxmlformats.org/drawingml/2006/main" xmlns:r="http://schemas.openxmlformats.org/officeDocument/2006/relationships" xmlns:p="http://schemas.openxmlformats.org/presentationml/2006/main">
+  <p:cSld>
+    <p:spTree>
+      <p:nvGrpSpPr>
+        <p:cNvPr id="1" name=""/>
+        <p:cNvGrpSpPr/>
+        <p:nvPr/>
+      </p:nvGrpSpPr>
+      <p:grpSpPr>
+        <a:xfrm>
+          <a:off x="0" y="0"/>
+          <a:ext cx="0" cy="0"/>
+          <a:chOff x="0" y="0"/>
+          <a:chExt cx="0" cy="0"/>
+        </a:xfrm>
+      </p:grpSpPr>
+      <p:sp>
+        <p:nvSpPr>
+          <p:cNvPr id="2" name="Text Placeholder 1"/>
+          <p:cNvSpPr>
+            <a:spLocks noGrp="1"/>
+          </p:cNvSpPr>
+          <p:nvPr>
+            <p:ph type="body" sz="quarter" idx="10"/>
+          </p:nvPr>
+        </p:nvSpPr>
+        <p:spPr>
+          <a:xfrm>
+            <a:off x="519112" y="1447798"/>
+            <a:ext cx="11149013" cy="4594413"/>
+          </a:xfrm>
+        </p:spPr>
+        <p:txBody>
+          <a:bodyPr/>
+          <a:lstStyle/>
+          <a:p>
+            <a:r>
+              <a:rPr lang="en-US" dirty="0" smtClean="0"/>
+              <a:t>Web-based</a:t>
+            </a:r>
+            <a:r>
+              <a:rPr lang="en-US" baseline="0" dirty="0" smtClean="0"/>
+              <a:t> apps use passive authentication</a:t>
+            </a:r>
+          </a:p>
+          <a:p>
+            <a:pPr lvl="1"/>
+            <a:r>
+              <a:rPr lang="en-US" dirty="0" smtClean="0"/>
+              <a:t>Accomplished via browser</a:t>
+            </a:r>
+            <a:r>
+              <a:rPr lang="en-US" baseline="0" dirty="0" smtClean="0"/>
+              <a:t> redirects</a:t>
+            </a:r>
+          </a:p>
+          <a:p>
+            <a:pPr lvl="0"/>
+            <a:r>
+              <a:rPr lang="en-US" dirty="0" smtClean="0"/>
+              <a:t>Universal Apps use active authentication</a:t>
+            </a:r>
+          </a:p>
+          <a:p>
+            <a:pPr lvl="1"/>
+            <a:r>
+              <a:rPr lang="en-US" dirty="0" smtClean="0"/>
+              <a:t>App code (or library code) initiates call to authentication</a:t>
+            </a:r>
+            <a:r>
+              <a:rPr lang="en-US" baseline="0" dirty="0" smtClean="0"/>
+              <a:t> source</a:t>
+            </a:r>
+            <a:endParaRPr lang="en-US" dirty="0" smtClean="0"/>
+          </a:p>
+          <a:p>
+            <a:pPr lvl="0"/>
+            <a:r>
+              <a:rPr lang="en-US" dirty="0" smtClean="0"/>
+              <a:t>The “Connected Service” wizard adds the appropriate library</a:t>
+            </a:r>
+          </a:p>
+          <a:p>
+            <a:pPr lvl="1"/>
+            <a:r>
+              <a:rPr lang="en-US" dirty="0" smtClean="0"/>
+              <a:t>Microsoft.Office365.OAuth.Web.dll for web projects</a:t>
+            </a:r>
+          </a:p>
+          <a:p>
+            <a:pPr lvl="1"/>
+            <a:r>
+              <a:rPr lang="en-US" dirty="0" smtClean="0"/>
+              <a:t>Microsoft.Office365.OAuth.WindowsStore.dll for native projects</a:t>
+            </a:r>
+          </a:p>
+        </p:txBody>
+      </p:sp>
+      <p:sp>
+        <p:nvSpPr>
+          <p:cNvPr id="3" name="Title 2"/>
+          <p:cNvSpPr>
+            <a:spLocks noGrp="1"/>
+          </p:cNvSpPr>
+          <p:nvPr>
+            <p:ph type="title"/>
+          </p:nvPr>
+        </p:nvSpPr>
+        <p:spPr/>
+        <p:txBody>
+          <a:bodyPr/>
+          <a:lstStyle/>
+          <a:p>
+            <a:r>
+              <a:rPr lang="en-US" dirty="0" err="1" smtClean="0"/>
+              <a:t>OAuth</a:t>
+            </a:r>
+            <a:r>
+              <a:rPr lang="en-US" dirty="0" smtClean="0"/>
+              <a:t> Implementation</a:t>
+            </a:r>
+            <a:endParaRPr lang="en-US" dirty="0"/>
+          </a:p>
+        </p:txBody>
+      </p:sp>
+      <p:sp>
+        <p:nvSpPr>
+          <p:cNvPr id="4" name="Slide Number Placeholder 3"/>
+          <p:cNvSpPr>
+            <a:spLocks noGrp="1"/>
+          </p:cNvSpPr>
+          <p:nvPr>
+            <p:ph type="sldNum" sz="quarter" idx="12"/>
+          </p:nvPr>
+        </p:nvSpPr>
+        <p:spPr/>
+        <p:txBody>
+          <a:bodyPr/>
+          <a:lstStyle/>
+          <a:p>
+            <a:fld id="{727B4C2D-45E2-4621-8491-2995EB46A674}" type="slidenum">
+              <a:rPr lang="en-US" smtClean="0"/>
+              <a:pPr/>
+              <a:t>14</a:t>
+            </a:fld>
+            <a:endParaRPr lang="en-US" dirty="0"/>
+          </a:p>
+        </p:txBody>
+      </p:sp>
+    </p:spTree>
+    <p:extLst>
+      <p:ext uri="{BB962C8B-B14F-4D97-AF65-F5344CB8AC3E}">
+        <p14:creationId xmlns:p14="http://schemas.microsoft.com/office/powerpoint/2010/main" val="2821960853"/>
+      </p:ext>
+    </p:extLst>
+  </p:cSld>
+  <p:clrMapOvr>
+    <a:masterClrMapping/>
+  </p:clrMapOvr>
+  <p:transition>
+    <p:fade/>
+  </p:transition>
+</p:sld>
+</file>
+
+<file path=ppt/slides/slide15.xml><?xml version="1.0" encoding="utf-8"?>
+<p:sld xmlns:a="http://schemas.openxmlformats.org/drawingml/2006/main" xmlns:r="http://schemas.openxmlformats.org/officeDocument/2006/relationships" xmlns:p="http://schemas.openxmlformats.org/presentationml/2006/main">
+  <p:cSld>
+    <p:spTree>
+      <p:nvGrpSpPr>
+        <p:cNvPr id="1" name=""/>
+        <p:cNvGrpSpPr/>
+        <p:nvPr/>
+      </p:nvGrpSpPr>
+      <p:grpSpPr>
+        <a:xfrm>
+          <a:off x="0" y="0"/>
+          <a:ext cx="0" cy="0"/>
+          <a:chOff x="0" y="0"/>
+          <a:chExt cx="0" cy="0"/>
+        </a:xfrm>
+      </p:grpSpPr>
+      <p:sp>
+        <p:nvSpPr>
+          <p:cNvPr id="2" name="Text Placeholder 1"/>
+          <p:cNvSpPr>
+            <a:spLocks noGrp="1"/>
+          </p:cNvSpPr>
+          <p:nvPr>
+            <p:ph type="body" sz="quarter" idx="10"/>
+          </p:nvPr>
+        </p:nvSpPr>
+        <p:spPr/>
+        <p:txBody>
+          <a:bodyPr/>
+          <a:lstStyle/>
+          <a:p>
+            <a:r>
+              <a:rPr lang="en-US" dirty="0" smtClean="0"/>
+              <a:t>How it </a:t>
+            </a:r>
+            <a:r>
+              <a:rPr lang="en-US" dirty="0" smtClean="0"/>
+              <a:t>works</a:t>
+            </a:r>
+          </a:p>
+          <a:p>
+            <a:pPr lvl="1"/>
+            <a:r>
+              <a:rPr lang="en-US" dirty="0" smtClean="0"/>
+              <a:t>Create a </a:t>
+            </a:r>
+            <a:r>
+              <a:rPr lang="en-US" dirty="0" err="1" smtClean="0"/>
+              <a:t>DiscoveryContext</a:t>
+            </a:r>
+            <a:endParaRPr lang="en-US" dirty="0" smtClean="0"/>
+          </a:p>
+          <a:p>
+            <a:pPr lvl="2"/>
+            <a:r>
+              <a:rPr lang="en-US" dirty="0" err="1" smtClean="0"/>
+              <a:t>DiscoveryContext</a:t>
+            </a:r>
+            <a:r>
+              <a:rPr lang="en-US" dirty="0" smtClean="0"/>
+              <a:t> will invoke </a:t>
+            </a:r>
+            <a:r>
+              <a:rPr lang="en-US" dirty="0" err="1" smtClean="0"/>
+              <a:t>WebAuthenticationBroker</a:t>
+            </a:r>
+            <a:r>
+              <a:rPr lang="en-US" dirty="0" smtClean="0"/>
+              <a:t> (WAB)</a:t>
+            </a:r>
+          </a:p>
+          <a:p>
+            <a:pPr lvl="2"/>
+            <a:r>
+              <a:rPr lang="en-US" dirty="0" smtClean="0"/>
+              <a:t>WAB will display logon</a:t>
+            </a:r>
+            <a:r>
+              <a:rPr lang="en-US" baseline="0" dirty="0" smtClean="0"/>
+              <a:t> form and common consent form</a:t>
+            </a:r>
+            <a:br>
+              <a:rPr lang="en-US" baseline="0" dirty="0" smtClean="0"/>
+            </a:br>
+            <a:endParaRPr lang="en-US" dirty="0" smtClean="0"/>
+          </a:p>
+        </p:txBody>
+      </p:sp>
+      <p:sp>
+        <p:nvSpPr>
+          <p:cNvPr id="3" name="Title 2"/>
+          <p:cNvSpPr>
+            <a:spLocks noGrp="1"/>
+          </p:cNvSpPr>
+          <p:nvPr>
+            <p:ph type="title"/>
+          </p:nvPr>
+        </p:nvSpPr>
+        <p:spPr/>
+        <p:txBody>
+          <a:bodyPr/>
+          <a:lstStyle/>
+          <a:p>
+            <a:r>
+              <a:rPr lang="en-US" dirty="0" smtClean="0"/>
+              <a:t>Authentication in O365 </a:t>
+            </a:r>
+            <a:r>
+              <a:rPr lang="en-US" dirty="0" smtClean="0"/>
+              <a:t>API</a:t>
+            </a:r>
+            <a:r>
+              <a:rPr lang="en-US" baseline="0" dirty="0" smtClean="0"/>
+              <a:t> Libraries</a:t>
+            </a:r>
+            <a:endParaRPr lang="en-US" dirty="0"/>
+          </a:p>
+        </p:txBody>
+      </p:sp>
+      <p:sp>
+        <p:nvSpPr>
+          <p:cNvPr id="4" name="Slide Number Placeholder 3"/>
+          <p:cNvSpPr>
+            <a:spLocks noGrp="1"/>
+          </p:cNvSpPr>
+          <p:nvPr>
+            <p:ph type="sldNum" sz="quarter" idx="12"/>
+          </p:nvPr>
+        </p:nvSpPr>
+        <p:spPr/>
+        <p:txBody>
+          <a:bodyPr/>
+          <a:lstStyle/>
+          <a:p>
+            <a:fld id="{727B4C2D-45E2-4621-8491-2995EB46A674}" type="slidenum">
+              <a:rPr lang="en-US" smtClean="0"/>
+              <a:pPr/>
+              <a:t>15</a:t>
+            </a:fld>
+            <a:endParaRPr lang="en-US" dirty="0"/>
+          </a:p>
+        </p:txBody>
+      </p:sp>
+      <p:pic>
+        <p:nvPicPr>
+          <p:cNvPr id="5" name="Picture 4"/>
+          <p:cNvPicPr>
+            <a:picLocks noChangeAspect="1"/>
+          </p:cNvPicPr>
+          <p:nvPr/>
+        </p:nvPicPr>
+        <p:blipFill rotWithShape="1">
+          <a:blip r:embed="rId3"/>
+          <a:srcRect b="45304"/>
+          <a:stretch/>
+        </p:blipFill>
+        <p:spPr>
+          <a:xfrm>
+            <a:off x="1081386" y="3734808"/>
+            <a:ext cx="8641558" cy="1186815"/>
+          </a:xfrm>
+          <a:prstGeom prst="rect">
+            <a:avLst/>
+          </a:prstGeom>
+          <a:noFill/>
+          <a:ln>
+            <a:solidFill>
+              <a:schemeClr val="accent1"/>
+            </a:solidFill>
+          </a:ln>
+        </p:spPr>
+      </p:pic>
+    </p:spTree>
+    <p:extLst>
+      <p:ext uri="{BB962C8B-B14F-4D97-AF65-F5344CB8AC3E}">
+        <p14:creationId xmlns:p14="http://schemas.microsoft.com/office/powerpoint/2010/main" val="2463087498"/>
+      </p:ext>
+    </p:extLst>
+  </p:cSld>
+  <p:clrMapOvr>
+    <a:masterClrMapping/>
+  </p:clrMapOvr>
+  <p:transition>
+    <p:fade/>
+  </p:transition>
+</p:sld>
+</file>
+
+<file path=ppt/slides/slide16.xml><?xml version="1.0" encoding="utf-8"?>
+<p:sld xmlns:a="http://schemas.openxmlformats.org/drawingml/2006/main" xmlns:r="http://schemas.openxmlformats.org/officeDocument/2006/relationships" xmlns:p="http://schemas.openxmlformats.org/presentationml/2006/main">
+  <p:cSld>
+    <p:spTree>
+      <p:nvGrpSpPr>
+        <p:cNvPr id="1" name=""/>
+        <p:cNvGrpSpPr/>
+        <p:nvPr/>
+      </p:nvGrpSpPr>
+      <p:grpSpPr>
+        <a:xfrm>
+          <a:off x="0" y="0"/>
+          <a:ext cx="0" cy="0"/>
+          <a:chOff x="0" y="0"/>
+          <a:chExt cx="0" cy="0"/>
+        </a:xfrm>
+      </p:grpSpPr>
+      <p:sp>
+        <p:nvSpPr>
+          <p:cNvPr id="2" name="Text Placeholder 1"/>
+          <p:cNvSpPr>
+            <a:spLocks noGrp="1"/>
+          </p:cNvSpPr>
+          <p:nvPr>
+            <p:ph type="body" sz="quarter" idx="10"/>
+          </p:nvPr>
+        </p:nvSpPr>
+        <p:spPr/>
+        <p:txBody>
+          <a:bodyPr/>
+          <a:lstStyle/>
+          <a:p>
+            <a:r>
+              <a:rPr lang="en-US" dirty="0" smtClean="0"/>
+              <a:t>“Client” objects for each service</a:t>
+            </a:r>
+          </a:p>
+          <a:p>
+            <a:pPr lvl="1"/>
+            <a:r>
+              <a:rPr lang="en-US" dirty="0" err="1" smtClean="0"/>
+              <a:t>ExchangeClient</a:t>
+            </a:r>
+            <a:endParaRPr lang="en-US" dirty="0" smtClean="0"/>
+          </a:p>
+          <a:p>
+            <a:pPr lvl="1"/>
+            <a:r>
+              <a:rPr lang="en-US" dirty="0" err="1" smtClean="0"/>
+              <a:t>SharePointClient</a:t>
+            </a:r>
+            <a:endParaRPr lang="en-US" dirty="0" smtClean="0"/>
+          </a:p>
+          <a:p>
+            <a:pPr lvl="0"/>
+            <a:r>
+              <a:rPr lang="en-US" dirty="0" smtClean="0"/>
+              <a:t>Constructor takes</a:t>
+            </a:r>
+            <a:r>
+              <a:rPr lang="en-US" baseline="0" dirty="0" smtClean="0"/>
+              <a:t> a “token getter” function</a:t>
+            </a:r>
+          </a:p>
+          <a:p>
+            <a:pPr lvl="1"/>
+            <a:r>
+              <a:rPr lang="en-US" dirty="0" err="1" smtClean="0"/>
+              <a:t>DiscoveryContext</a:t>
+            </a:r>
+            <a:r>
+              <a:rPr lang="en-US" dirty="0" smtClean="0"/>
+              <a:t> wraps an </a:t>
+            </a:r>
+            <a:r>
+              <a:rPr lang="en-US" dirty="0" err="1" smtClean="0"/>
+              <a:t>AuthenticationContext</a:t>
+            </a:r>
+            <a:endParaRPr lang="en-US" dirty="0" smtClean="0"/>
+          </a:p>
+          <a:p>
+            <a:pPr lvl="1"/>
+            <a:r>
+              <a:rPr lang="en-US" dirty="0" err="1" smtClean="0"/>
+              <a:t>AuthenticationContext</a:t>
+            </a:r>
+            <a:r>
+              <a:rPr lang="en-US" baseline="0" dirty="0" smtClean="0"/>
+              <a:t> has methods for getting tokens</a:t>
+            </a:r>
+            <a:endParaRPr lang="en-US" dirty="0" smtClean="0"/>
+          </a:p>
+        </p:txBody>
+      </p:sp>
+      <p:sp>
+        <p:nvSpPr>
+          <p:cNvPr id="3" name="Title 2"/>
+          <p:cNvSpPr>
+            <a:spLocks noGrp="1"/>
+          </p:cNvSpPr>
+          <p:nvPr>
+            <p:ph type="title"/>
+          </p:nvPr>
+        </p:nvSpPr>
+        <p:spPr/>
+        <p:txBody>
+          <a:bodyPr/>
+          <a:lstStyle/>
+          <a:p>
+            <a:r>
+              <a:rPr lang="en-US" dirty="0" smtClean="0"/>
+              <a:t>Office 365 Service Communication</a:t>
+            </a:r>
+            <a:endParaRPr lang="en-US" dirty="0"/>
+          </a:p>
+        </p:txBody>
+      </p:sp>
+      <p:sp>
+        <p:nvSpPr>
+          <p:cNvPr id="4" name="Slide Number Placeholder 3"/>
+          <p:cNvSpPr>
+            <a:spLocks noGrp="1"/>
+          </p:cNvSpPr>
+          <p:nvPr>
+            <p:ph type="sldNum" sz="quarter" idx="12"/>
+          </p:nvPr>
+        </p:nvSpPr>
+        <p:spPr/>
+        <p:txBody>
+          <a:bodyPr/>
+          <a:lstStyle/>
+          <a:p>
+            <a:fld id="{727B4C2D-45E2-4621-8491-2995EB46A674}" type="slidenum">
+              <a:rPr lang="en-US" smtClean="0"/>
+              <a:pPr/>
+              <a:t>16</a:t>
+            </a:fld>
+            <a:endParaRPr lang="en-US" dirty="0"/>
+          </a:p>
+        </p:txBody>
+      </p:sp>
+      <p:pic>
+        <p:nvPicPr>
+          <p:cNvPr id="5" name="Picture 4"/>
+          <p:cNvPicPr>
+            <a:picLocks noChangeAspect="1"/>
+          </p:cNvPicPr>
+          <p:nvPr/>
+        </p:nvPicPr>
+        <p:blipFill>
+          <a:blip r:embed="rId2"/>
+          <a:stretch>
+            <a:fillRect/>
+          </a:stretch>
+        </p:blipFill>
+        <p:spPr>
+          <a:xfrm>
+            <a:off x="1339874" y="4333267"/>
+            <a:ext cx="9957312" cy="1866996"/>
+          </a:xfrm>
+          <a:prstGeom prst="rect">
+            <a:avLst/>
+          </a:prstGeom>
+        </p:spPr>
+      </p:pic>
+    </p:spTree>
+    <p:extLst>
+      <p:ext uri="{BB962C8B-B14F-4D97-AF65-F5344CB8AC3E}">
+        <p14:creationId xmlns:p14="http://schemas.microsoft.com/office/powerpoint/2010/main" val="1189471413"/>
+      </p:ext>
+    </p:extLst>
+  </p:cSld>
+  <p:clrMapOvr>
+    <a:masterClrMapping/>
+  </p:clrMapOvr>
+  <p:transition>
+    <p:fade/>
+  </p:transition>
+</p:sld>
+</file>
+
+<file path=ppt/slides/slide17.xml><?xml version="1.0" encoding="utf-8"?>
+<p:sld xmlns:a="http://schemas.openxmlformats.org/drawingml/2006/main" xmlns:r="http://schemas.openxmlformats.org/officeDocument/2006/relationships" xmlns:p="http://schemas.openxmlformats.org/presentationml/2006/main">
+  <p:cSld>
+    <p:spTree>
+      <p:nvGrpSpPr>
+        <p:cNvPr id="1" name=""/>
+        <p:cNvGrpSpPr/>
+        <p:nvPr/>
+      </p:nvGrpSpPr>
+      <p:grpSpPr>
+        <a:xfrm>
+          <a:off x="0" y="0"/>
+          <a:ext cx="0" cy="0"/>
+          <a:chOff x="0" y="0"/>
+          <a:chExt cx="0" cy="0"/>
+        </a:xfrm>
+      </p:grpSpPr>
+      <p:sp>
+        <p:nvSpPr>
+          <p:cNvPr id="2" name="Text Placeholder 1"/>
+          <p:cNvSpPr>
+            <a:spLocks noGrp="1"/>
+          </p:cNvSpPr>
+          <p:nvPr>
+            <p:ph type="body" sz="quarter" idx="10"/>
+          </p:nvPr>
+        </p:nvSpPr>
+        <p:spPr>
+          <a:xfrm>
+            <a:off x="519112" y="1447799"/>
+            <a:ext cx="4949359" cy="4699148"/>
+          </a:xfrm>
+        </p:spPr>
+        <p:txBody>
+          <a:bodyPr/>
+          <a:lstStyle/>
+          <a:p>
+            <a:r>
+              <a:rPr lang="en-US" dirty="0" smtClean="0"/>
+              <a:t>Client Object exposes properties</a:t>
+            </a:r>
+          </a:p>
+          <a:p>
+            <a:pPr lvl="1"/>
+            <a:r>
+              <a:rPr lang="en-US" dirty="0" smtClean="0"/>
+              <a:t>Most are </a:t>
+            </a:r>
+            <a:r>
+              <a:rPr lang="en-US" dirty="0" err="1" smtClean="0"/>
+              <a:t>IEnumerable</a:t>
+            </a:r>
+            <a:r>
+              <a:rPr lang="en-US" dirty="0" smtClean="0"/>
+              <a:t>&lt;T&gt; collections</a:t>
+            </a:r>
+          </a:p>
+          <a:p>
+            <a:pPr lvl="0"/>
+            <a:r>
+              <a:rPr lang="en-US" dirty="0" smtClean="0"/>
+              <a:t>Designed much like Entity Framework</a:t>
+            </a:r>
+          </a:p>
+          <a:p>
+            <a:pPr lvl="1"/>
+            <a:r>
+              <a:rPr lang="en-US" dirty="0" smtClean="0"/>
+              <a:t>Client == </a:t>
+            </a:r>
+            <a:r>
+              <a:rPr lang="en-US" dirty="0" err="1" smtClean="0"/>
+              <a:t>DataContext</a:t>
+            </a:r>
+            <a:endParaRPr lang="en-US" dirty="0" smtClean="0"/>
+          </a:p>
+          <a:p>
+            <a:pPr lvl="1"/>
+            <a:r>
+              <a:rPr lang="en-US" dirty="0" err="1" smtClean="0"/>
+              <a:t>IEnumerable</a:t>
+            </a:r>
+            <a:r>
+              <a:rPr lang="en-US" dirty="0" smtClean="0"/>
+              <a:t>&lt;T&gt; entities</a:t>
+            </a:r>
+            <a:endParaRPr lang="en-US" dirty="0"/>
+          </a:p>
+        </p:txBody>
+      </p:sp>
+      <p:sp>
+        <p:nvSpPr>
+          <p:cNvPr id="3" name="Title 2"/>
+          <p:cNvSpPr>
+            <a:spLocks noGrp="1"/>
+          </p:cNvSpPr>
+          <p:nvPr>
+            <p:ph type="title"/>
+          </p:nvPr>
+        </p:nvSpPr>
+        <p:spPr/>
+        <p:txBody>
+          <a:bodyPr/>
+          <a:lstStyle/>
+          <a:p>
+            <a:r>
+              <a:rPr lang="en-US" sz="5400" b="0" kern="1200" cap="none" spc="-100" baseline="0" dirty="0" smtClean="0">
+                <a:ln w="3175">
+                  <a:noFill/>
+                </a:ln>
+                <a:gradFill>
+                  <a:gsLst>
+                    <a:gs pos="1250">
+                      <a:schemeClr val="tx2"/>
+                    </a:gs>
+                    <a:gs pos="100000">
+                      <a:schemeClr val="tx2"/>
+                    </a:gs>
+                  </a:gsLst>
+                  <a:lin ang="5400000" scaled="0"/>
+                </a:gradFill>
+                <a:effectLst/>
+                <a:latin typeface="+mj-lt"/>
+                <a:ea typeface="+mn-ea"/>
+                <a:cs typeface="Arial" charset="0"/>
+              </a:rPr>
+              <a:t>Office 365 Service Communication</a:t>
+            </a:r>
+            <a:endParaRPr lang="en-US" dirty="0"/>
+          </a:p>
+        </p:txBody>
+      </p:sp>
+      <p:sp>
+        <p:nvSpPr>
+          <p:cNvPr id="4" name="Slide Number Placeholder 3"/>
+          <p:cNvSpPr>
+            <a:spLocks noGrp="1"/>
+          </p:cNvSpPr>
+          <p:nvPr>
+            <p:ph type="sldNum" sz="quarter" idx="12"/>
+          </p:nvPr>
+        </p:nvSpPr>
+        <p:spPr/>
+        <p:txBody>
+          <a:bodyPr/>
+          <a:lstStyle/>
+          <a:p>
+            <a:fld id="{727B4C2D-45E2-4621-8491-2995EB46A674}" type="slidenum">
+              <a:rPr lang="en-US" smtClean="0"/>
+              <a:pPr/>
+              <a:t>17</a:t>
+            </a:fld>
+            <a:endParaRPr lang="en-US" dirty="0"/>
+          </a:p>
+        </p:txBody>
+      </p:sp>
+      <p:pic>
+        <p:nvPicPr>
+          <p:cNvPr id="5" name="Picture 4"/>
+          <p:cNvPicPr>
+            <a:picLocks noChangeAspect="1"/>
+          </p:cNvPicPr>
+          <p:nvPr/>
+        </p:nvPicPr>
+        <p:blipFill>
+          <a:blip r:embed="rId2"/>
+          <a:stretch>
+            <a:fillRect/>
+          </a:stretch>
+        </p:blipFill>
+        <p:spPr>
+          <a:xfrm>
+            <a:off x="5576047" y="1063185"/>
+            <a:ext cx="6523412" cy="5083762"/>
+          </a:xfrm>
+          <a:prstGeom prst="rect">
+            <a:avLst/>
+          </a:prstGeom>
+        </p:spPr>
+      </p:pic>
+    </p:spTree>
+    <p:extLst>
+      <p:ext uri="{BB962C8B-B14F-4D97-AF65-F5344CB8AC3E}">
+        <p14:creationId xmlns:p14="http://schemas.microsoft.com/office/powerpoint/2010/main" val="965951396"/>
+      </p:ext>
+    </p:extLst>
+  </p:cSld>
+  <p:clrMapOvr>
+    <a:masterClrMapping/>
+  </p:clrMapOvr>
+  <p:transition>
+    <p:fade/>
+  </p:transition>
+</p:sld>
+</file>
+
+<file path=ppt/slides/slide18.xml><?xml version="1.0" encoding="utf-8"?>
 <p:sld xmlns:a="http://schemas.openxmlformats.org/drawingml/2006/main" xmlns:r="http://schemas.openxmlformats.org/officeDocument/2006/relationships" xmlns:p="http://schemas.openxmlformats.org/presentationml/2006/main">
   <p:cSld>
     <p:spTree>
@@ -12554,11 +13484,7 @@
           <a:p>
             <a:r>
               <a:rPr lang="en-US" baseline="0" dirty="0" smtClean="0"/>
-              <a:t>Universal </a:t>
-            </a:r>
-            <a:r>
-              <a:rPr lang="en-US" baseline="0" dirty="0" smtClean="0"/>
-              <a:t>App projects</a:t>
+              <a:t>Universal App projects</a:t>
             </a:r>
           </a:p>
           <a:p>
@@ -14815,24 +15741,6 @@
 </file>
 
 <file path=customXml/item1.xml><?xml version="1.0" encoding="utf-8"?>
-<?mso-contentType ?>
-<FormTemplates xmlns="http://schemas.microsoft.com/sharepoint/v3/contenttype/forms">
-  <Display>DocumentLibraryForm</Display>
-  <Edit>DocumentLibraryForm</Edit>
-  <New>DocumentLibraryForm</New>
-</FormTemplates>
-</file>
-
-<file path=customXml/item2.xml><?xml version="1.0" encoding="utf-8"?>
-<p:properties xmlns:p="http://schemas.microsoft.com/office/2006/metadata/properties" xmlns:xsi="http://www.w3.org/2001/XMLSchema-instance" xmlns:pc="http://schemas.microsoft.com/office/infopath/2007/PartnerControls">
-  <documentManagement>
-    <Company xmlns="http://schemas.microsoft.com/sharepoint/v3">Critical Path</Company>
-    <Project xmlns="c7dd7a47-5eb0-4219-9c75-8258c822be9e" xsi:nil="true"/>
-  </documentManagement>
-</p:properties>
-</file>
-
-<file path=customXml/item3.xml><?xml version="1.0" encoding="utf-8"?>
 <ct:contentTypeSchema xmlns:ct="http://schemas.microsoft.com/office/2006/metadata/contentType" xmlns:ma="http://schemas.microsoft.com/office/2006/metadata/properties/metaAttributes" ct:_="" ma:_="" ma:contentTypeName="Document" ma:contentTypeID="0x0101006D61B4CFCB5D8D4A8E65D32A29D8DB3E" ma:contentTypeVersion="3" ma:contentTypeDescription="Create a new document." ma:contentTypeScope="" ma:versionID="f0276697cd14aa124c054602ce8fe3c5">
   <xsd:schema xmlns:xsd="http://www.w3.org/2001/XMLSchema" xmlns:xs="http://www.w3.org/2001/XMLSchema" xmlns:p="http://schemas.microsoft.com/office/2006/metadata/properties" xmlns:ns1="http://schemas.microsoft.com/sharepoint/v3" xmlns:ns2="c7dd7a47-5eb0-4219-9c75-8258c822be9e" targetNamespace="http://schemas.microsoft.com/office/2006/metadata/properties" ma:root="true" ma:fieldsID="ce85d22485e5625b9ccd59583b658dde" ns1:_="" ns2:_="">
     <xsd:import namespace="http://schemas.microsoft.com/sharepoint/v3"/>
@@ -14971,10 +15879,39 @@
 </ct:contentTypeSchema>
 </file>
 
+<file path=customXml/item2.xml><?xml version="1.0" encoding="utf-8"?>
+<p:properties xmlns:p="http://schemas.microsoft.com/office/2006/metadata/properties" xmlns:xsi="http://www.w3.org/2001/XMLSchema-instance" xmlns:pc="http://schemas.microsoft.com/office/infopath/2007/PartnerControls">
+  <documentManagement>
+    <Company xmlns="http://schemas.microsoft.com/sharepoint/v3">Critical Path</Company>
+    <Project xmlns="c7dd7a47-5eb0-4219-9c75-8258c822be9e" xsi:nil="true"/>
+  </documentManagement>
+</p:properties>
+</file>
+
+<file path=customXml/item3.xml><?xml version="1.0" encoding="utf-8"?>
+<?mso-contentType ?>
+<FormTemplates xmlns="http://schemas.microsoft.com/sharepoint/v3/contenttype/forms">
+  <Display>DocumentLibraryForm</Display>
+  <Edit>DocumentLibraryForm</Edit>
+  <New>DocumentLibraryForm</New>
+</FormTemplates>
+</file>
+
 <file path=customXml/itemProps1.xml><?xml version="1.0" encoding="utf-8"?>
-<ds:datastoreItem xmlns:ds="http://schemas.openxmlformats.org/officeDocument/2006/customXml" ds:itemID="{E1E0CE18-CA03-4891-9CD8-3448778E3D53}">
+<ds:datastoreItem xmlns:ds="http://schemas.openxmlformats.org/officeDocument/2006/customXml" ds:itemID="{EF3CB00D-FBE3-46CD-905F-2C1357C53E46}">
   <ds:schemaRefs>
-    <ds:schemaRef ds:uri="http://schemas.microsoft.com/sharepoint/v3/contenttype/forms"/>
+    <ds:schemaRef ds:uri="http://schemas.microsoft.com/office/2006/metadata/contentType"/>
+    <ds:schemaRef ds:uri="http://schemas.microsoft.com/office/2006/metadata/properties/metaAttributes"/>
+    <ds:schemaRef ds:uri="http://www.w3.org/2001/XMLSchema"/>
+    <ds:schemaRef ds:uri="http://schemas.microsoft.com/office/2006/metadata/properties"/>
+    <ds:schemaRef ds:uri="http://schemas.microsoft.com/sharepoint/v3"/>
+    <ds:schemaRef ds:uri="c7dd7a47-5eb0-4219-9c75-8258c822be9e"/>
+    <ds:schemaRef ds:uri="http://schemas.microsoft.com/office/2006/documentManagement/types"/>
+    <ds:schemaRef ds:uri="http://schemas.microsoft.com/office/infopath/2007/PartnerControls"/>
+    <ds:schemaRef ds:uri="http://schemas.openxmlformats.org/package/2006/metadata/core-properties"/>
+    <ds:schemaRef ds:uri="http://purl.org/dc/elements/1.1/"/>
+    <ds:schemaRef ds:uri="http://purl.org/dc/terms/"/>
+    <ds:schemaRef ds:uri="http://schemas.microsoft.com/internal/obd"/>
   </ds:schemaRefs>
 </ds:datastoreItem>
 </file>
@@ -14991,20 +15928,9 @@
 </file>
 
 <file path=customXml/itemProps3.xml><?xml version="1.0" encoding="utf-8"?>
-<ds:datastoreItem xmlns:ds="http://schemas.openxmlformats.org/officeDocument/2006/customXml" ds:itemID="{EF3CB00D-FBE3-46CD-905F-2C1357C53E46}">
+<ds:datastoreItem xmlns:ds="http://schemas.openxmlformats.org/officeDocument/2006/customXml" ds:itemID="{E1E0CE18-CA03-4891-9CD8-3448778E3D53}">
   <ds:schemaRefs>
-    <ds:schemaRef ds:uri="http://schemas.microsoft.com/office/2006/metadata/contentType"/>
-    <ds:schemaRef ds:uri="http://schemas.microsoft.com/office/2006/metadata/properties/metaAttributes"/>
-    <ds:schemaRef ds:uri="http://www.w3.org/2001/XMLSchema"/>
-    <ds:schemaRef ds:uri="http://schemas.microsoft.com/office/2006/metadata/properties"/>
-    <ds:schemaRef ds:uri="http://schemas.microsoft.com/sharepoint/v3"/>
-    <ds:schemaRef ds:uri="c7dd7a47-5eb0-4219-9c75-8258c822be9e"/>
-    <ds:schemaRef ds:uri="http://schemas.microsoft.com/office/2006/documentManagement/types"/>
-    <ds:schemaRef ds:uri="http://schemas.microsoft.com/office/infopath/2007/PartnerControls"/>
-    <ds:schemaRef ds:uri="http://schemas.openxmlformats.org/package/2006/metadata/core-properties"/>
-    <ds:schemaRef ds:uri="http://purl.org/dc/elements/1.1/"/>
-    <ds:schemaRef ds:uri="http://purl.org/dc/terms/"/>
-    <ds:schemaRef ds:uri="http://schemas.microsoft.com/internal/obd"/>
+    <ds:schemaRef ds:uri="http://schemas.microsoft.com/sharepoint/v3/contenttype/forms"/>
   </ds:schemaRefs>
 </ds:datastoreItem>
 </file>
--- a/O3654-5 Deep dive into native Universal Windows App Development with Office 365 APIs/Deep Dive into native Universal App development with Office 365 APIs.pptx
+++ b/O3654-5 Deep dive into native Universal Windows App Development with Office 365 APIs/Deep Dive into native Universal App development with Office 365 APIs.pptx
@@ -6,10 +6,10 @@
     <p:sldMasterId id="2147484046" r:id="rId5"/>
   </p:sldMasterIdLst>
   <p:notesMasterIdLst>
-    <p:notesMasterId r:id="rId24"/>
+    <p:notesMasterId r:id="rId29"/>
   </p:notesMasterIdLst>
   <p:handoutMasterIdLst>
-    <p:handoutMasterId r:id="rId25"/>
+    <p:handoutMasterId r:id="rId30"/>
   </p:handoutMasterIdLst>
   <p:sldIdLst>
     <p:sldId id="657" r:id="rId6"/>
@@ -25,11 +25,16 @@
     <p:sldId id="661" r:id="rId16"/>
     <p:sldId id="669" r:id="rId17"/>
     <p:sldId id="670" r:id="rId18"/>
-    <p:sldId id="671" r:id="rId19"/>
-    <p:sldId id="673" r:id="rId20"/>
-    <p:sldId id="672" r:id="rId21"/>
-    <p:sldId id="674" r:id="rId22"/>
-    <p:sldId id="654" r:id="rId23"/>
+    <p:sldId id="675" r:id="rId19"/>
+    <p:sldId id="677" r:id="rId20"/>
+    <p:sldId id="678" r:id="rId21"/>
+    <p:sldId id="676" r:id="rId22"/>
+    <p:sldId id="671" r:id="rId23"/>
+    <p:sldId id="673" r:id="rId24"/>
+    <p:sldId id="679" r:id="rId25"/>
+    <p:sldId id="672" r:id="rId26"/>
+    <p:sldId id="674" r:id="rId27"/>
+    <p:sldId id="654" r:id="rId28"/>
   </p:sldIdLst>
   <p:sldSz cx="12188825" cy="6858000"/>
   <p:notesSz cx="6858000" cy="9144000"/>
@@ -332,7 +337,7 @@
           <a:p>
             <a:fld id="{DE219B1A-AE41-483B-A766-69B9363DDA6A}" type="datetimeFigureOut">
               <a:rPr lang="en-US" smtClean="0"/>
-              <a:t>9/30/2014</a:t>
+              <a:t>10/2/2014</a:t>
             </a:fld>
             <a:endParaRPr lang="en-US"/>
           </a:p>
@@ -614,7 +619,7 @@
           <a:p>
             <a:fld id="{D51B1278-D92B-4AF3-A9C1-71DD298190CE}" type="datetimeFigureOut">
               <a:rPr lang="en-US" smtClean="0"/>
-              <a:t>9/30/2014</a:t>
+              <a:t>10/2/2014</a:t>
             </a:fld>
             <a:endParaRPr lang="en-US"/>
           </a:p>
@@ -1107,7 +1112,7 @@
                 </a:solidFill>
               </a:rPr>
               <a:pPr/>
-              <a:t>9/30/2014</a:t>
+              <a:t>10/2/2014</a:t>
             </a:fld>
             <a:endParaRPr lang="en-US">
               <a:solidFill>
@@ -1474,7 +1479,7 @@
                 </a:solidFill>
               </a:rPr>
               <a:pPr/>
-              <a:t>9/30/2014</a:t>
+              <a:t>10/2/2014</a:t>
             </a:fld>
             <a:endParaRPr lang="en-US" dirty="0">
               <a:solidFill>
@@ -1630,7 +1635,7 @@
                 </a:solidFill>
               </a:rPr>
               <a:pPr/>
-              <a:t>9/30/2014</a:t>
+              <a:t>10/2/2014</a:t>
             </a:fld>
             <a:endParaRPr lang="en-US">
               <a:solidFill>
@@ -1874,7 +1879,7 @@
           <a:p>
             <a:fld id="{831D7532-73E3-4C55-9F73-B019210AAFE6}" type="datetime1">
               <a:rPr lang="en-US" smtClean="0"/>
-              <a:t>9/30/2014</a:t>
+              <a:t>10/2/2014</a:t>
             </a:fld>
             <a:endParaRPr lang="en-US"/>
           </a:p>
@@ -2148,7 +2153,7 @@
                 </a:solidFill>
               </a:rPr>
               <a:pPr/>
-              <a:t>9/30/2014</a:t>
+              <a:t>10/2/2014</a:t>
             </a:fld>
             <a:endParaRPr lang="en-US">
               <a:solidFill>
@@ -2375,7 +2380,7 @@
           <a:p>
             <a:fld id="{14FEFE75-68DA-4913-B3E8-A4425B5A08D2}" type="datetime1">
               <a:rPr lang="en-US" smtClean="0"/>
-              <a:t>9/30/2014</a:t>
+              <a:t>10/2/2014</a:t>
             </a:fld>
             <a:endParaRPr lang="en-US"/>
           </a:p>
@@ -2398,7 +2403,7 @@
           <a:p>
             <a:fld id="{B4008EB6-D09E-4580-8CD6-DDB14511944F}" type="slidenum">
               <a:rPr lang="en-US" smtClean="0"/>
-              <a:t>15</a:t>
+              <a:t>19</a:t>
             </a:fld>
             <a:endParaRPr lang="en-US" dirty="0"/>
           </a:p>
@@ -2692,7 +2697,7 @@
           <a:p>
             <a:fld id="{0BB6559B-C68D-49B4-97AE-9BB74C417927}" type="datetime1">
               <a:rPr lang="en-US" smtClean="0"/>
-              <a:t>9/30/2014</a:t>
+              <a:t>10/2/2014</a:t>
             </a:fld>
             <a:endParaRPr lang="en-US"/>
           </a:p>
@@ -2715,7 +2720,7 @@
           <a:p>
             <a:fld id="{B4008EB6-D09E-4580-8CD6-DDB14511944F}" type="slidenum">
               <a:rPr lang="en-US" smtClean="0"/>
-              <a:t>18</a:t>
+              <a:t>23</a:t>
             </a:fld>
             <a:endParaRPr lang="en-US" dirty="0"/>
           </a:p>
@@ -12351,73 +12356,15 @@
         </p:nvSpPr>
         <p:spPr>
           <a:xfrm>
-            <a:off x="519112" y="1447798"/>
-            <a:ext cx="11149013" cy="4594413"/>
+            <a:off x="2096900" y="5095108"/>
+            <a:ext cx="7954127" cy="905864"/>
           </a:xfrm>
         </p:spPr>
         <p:txBody>
           <a:bodyPr/>
           <a:lstStyle/>
           <a:p>
-            <a:r>
-              <a:rPr lang="en-US" dirty="0" smtClean="0"/>
-              <a:t>Web-based</a:t>
-            </a:r>
-            <a:r>
-              <a:rPr lang="en-US" baseline="0" dirty="0" smtClean="0"/>
-              <a:t> apps use passive authentication</a:t>
-            </a:r>
-          </a:p>
-          <a:p>
-            <a:pPr lvl="1"/>
-            <a:r>
-              <a:rPr lang="en-US" dirty="0" smtClean="0"/>
-              <a:t>Accomplished via browser</a:t>
-            </a:r>
-            <a:r>
-              <a:rPr lang="en-US" baseline="0" dirty="0" smtClean="0"/>
-              <a:t> redirects</a:t>
-            </a:r>
-          </a:p>
-          <a:p>
-            <a:pPr lvl="0"/>
-            <a:r>
-              <a:rPr lang="en-US" dirty="0" smtClean="0"/>
-              <a:t>Universal Apps use active authentication</a:t>
-            </a:r>
-          </a:p>
-          <a:p>
-            <a:pPr lvl="1"/>
-            <a:r>
-              <a:rPr lang="en-US" dirty="0" smtClean="0"/>
-              <a:t>App code (or library code) initiates call to authentication</a:t>
-            </a:r>
-            <a:r>
-              <a:rPr lang="en-US" baseline="0" dirty="0" smtClean="0"/>
-              <a:t> source</a:t>
-            </a:r>
-            <a:endParaRPr lang="en-US" dirty="0" smtClean="0"/>
-          </a:p>
-          <a:p>
-            <a:pPr lvl="0"/>
-            <a:r>
-              <a:rPr lang="en-US" dirty="0" smtClean="0"/>
-              <a:t>The “Connected Service” wizard adds the appropriate library</a:t>
-            </a:r>
-          </a:p>
-          <a:p>
-            <a:pPr lvl="1"/>
-            <a:r>
-              <a:rPr lang="en-US" dirty="0" smtClean="0"/>
-              <a:t>Microsoft.Office365.OAuth.Web.dll for web projects</a:t>
-            </a:r>
-          </a:p>
-          <a:p>
-            <a:pPr lvl="1"/>
-            <a:r>
-              <a:rPr lang="en-US" dirty="0" smtClean="0"/>
-              <a:t>Microsoft.Office365.OAuth.WindowsStore.dll for native projects</a:t>
-            </a:r>
+            <a:endParaRPr lang="en-US"/>
           </a:p>
         </p:txBody>
       </p:sp>
@@ -12437,12 +12384,8 @@
           <a:lstStyle/>
           <a:p>
             <a:r>
-              <a:rPr lang="en-US" dirty="0" err="1" smtClean="0"/>
-              <a:t>OAuth</a:t>
-            </a:r>
-            <a:r>
               <a:rPr lang="en-US" dirty="0" smtClean="0"/>
-              <a:t> Implementation</a:t>
+              <a:t>Add Connected Service</a:t>
             </a:r>
             <a:endParaRPr lang="en-US" dirty="0"/>
           </a:p>
@@ -12472,10 +12415,51 @@
           </a:p>
         </p:txBody>
       </p:sp>
+      <p:pic>
+        <p:nvPicPr>
+          <p:cNvPr id="1026" name="Picture 2" descr="C:\Users\Paul\AppData\Local\Temp\SNAGHTML2dc2467.PNG"/>
+          <p:cNvPicPr>
+            <a:picLocks noChangeAspect="1" noChangeArrowheads="1"/>
+          </p:cNvPicPr>
+          <p:nvPr/>
+        </p:nvPicPr>
+        <p:blipFill>
+          <a:blip r:embed="rId2">
+            <a:extLst>
+              <a:ext uri="{28A0092B-C50C-407E-A947-70E740481C1C}">
+                <a14:useLocalDpi xmlns:a14="http://schemas.microsoft.com/office/drawing/2010/main" val="0"/>
+              </a:ext>
+            </a:extLst>
+          </a:blip>
+          <a:srcRect/>
+          <a:stretch>
+            <a:fillRect/>
+          </a:stretch>
+        </p:blipFill>
+        <p:spPr bwMode="auto">
+          <a:xfrm>
+            <a:off x="1733364" y="1333388"/>
+            <a:ext cx="8800166" cy="4709278"/>
+          </a:xfrm>
+          <a:prstGeom prst="rect">
+            <a:avLst/>
+          </a:prstGeom>
+          <a:noFill/>
+          <a:extLst>
+            <a:ext uri="{909E8E84-426E-40DD-AFC4-6F175D3DCCD1}">
+              <a14:hiddenFill xmlns:a14="http://schemas.microsoft.com/office/drawing/2010/main">
+                <a:solidFill>
+                  <a:srgbClr val="FFFFFF"/>
+                </a:solidFill>
+              </a14:hiddenFill>
+            </a:ext>
+          </a:extLst>
+        </p:spPr>
+      </p:pic>
     </p:spTree>
     <p:extLst>
       <p:ext uri="{BB962C8B-B14F-4D97-AF65-F5344CB8AC3E}">
-        <p14:creationId xmlns:p14="http://schemas.microsoft.com/office/powerpoint/2010/main" val="2821960853"/>
+        <p14:creationId xmlns:p14="http://schemas.microsoft.com/office/powerpoint/2010/main" val="2253232698"/>
       </p:ext>
     </p:extLst>
   </p:cSld>
@@ -12507,12 +12491,12 @@
       </p:grpSpPr>
       <p:sp>
         <p:nvSpPr>
-          <p:cNvPr id="2" name="Text Placeholder 1"/>
+          <p:cNvPr id="2" name="Title 1"/>
           <p:cNvSpPr>
             <a:spLocks noGrp="1"/>
           </p:cNvSpPr>
           <p:nvPr>
-            <p:ph type="body" sz="quarter" idx="10"/>
+            <p:ph type="title"/>
           </p:nvPr>
         </p:nvSpPr>
         <p:spPr/>
@@ -12522,11 +12506,1118 @@
           <a:p>
             <a:r>
               <a:rPr lang="en-US" dirty="0" smtClean="0"/>
-              <a:t>How it </a:t>
-            </a:r>
+              <a:t>Adding Connected Services</a:t>
+            </a:r>
+            <a:endParaRPr lang="en-US" dirty="0"/>
+          </a:p>
+        </p:txBody>
+      </p:sp>
+      <p:sp>
+        <p:nvSpPr>
+          <p:cNvPr id="3" name="Slide Number Placeholder 2"/>
+          <p:cNvSpPr>
+            <a:spLocks noGrp="1"/>
+          </p:cNvSpPr>
+          <p:nvPr>
+            <p:ph type="sldNum" sz="quarter" idx="12"/>
+          </p:nvPr>
+        </p:nvSpPr>
+        <p:spPr/>
+        <p:txBody>
+          <a:bodyPr/>
+          <a:lstStyle/>
+          <a:p>
+            <a:fld id="{727B4C2D-45E2-4621-8491-2995EB46A674}" type="slidenum">
+              <a:rPr lang="en-US" smtClean="0">
+                <a:gradFill>
+                  <a:gsLst>
+                    <a:gs pos="100000">
+                      <a:srgbClr val="797A7D"/>
+                    </a:gs>
+                    <a:gs pos="0">
+                      <a:srgbClr val="797A7D"/>
+                    </a:gs>
+                  </a:gsLst>
+                  <a:lin ang="5400000" scaled="0"/>
+                </a:gradFill>
+              </a:rPr>
+              <a:pPr/>
+              <a:t>15</a:t>
+            </a:fld>
+            <a:endParaRPr lang="en-US" dirty="0">
+              <a:gradFill>
+                <a:gsLst>
+                  <a:gs pos="100000">
+                    <a:srgbClr val="797A7D"/>
+                  </a:gs>
+                  <a:gs pos="0">
+                    <a:srgbClr val="797A7D"/>
+                  </a:gs>
+                </a:gsLst>
+                <a:lin ang="5400000" scaled="0"/>
+              </a:gradFill>
+            </a:endParaRPr>
+          </a:p>
+        </p:txBody>
+      </p:sp>
+      <p:pic>
+        <p:nvPicPr>
+          <p:cNvPr id="5" name="Picture 4"/>
+          <p:cNvPicPr>
+            <a:picLocks noChangeAspect="1"/>
+          </p:cNvPicPr>
+          <p:nvPr/>
+        </p:nvPicPr>
+        <p:blipFill>
+          <a:blip r:embed="rId2"/>
+          <a:stretch>
+            <a:fillRect/>
+          </a:stretch>
+        </p:blipFill>
+        <p:spPr>
+          <a:xfrm>
+            <a:off x="1417832" y="5212208"/>
+            <a:ext cx="7010400" cy="1485900"/>
+          </a:xfrm>
+          <a:prstGeom prst="rect">
+            <a:avLst/>
+          </a:prstGeom>
+          <a:solidFill>
+            <a:schemeClr val="bg1">
+              <a:lumMod val="50000"/>
+            </a:schemeClr>
+          </a:solidFill>
+          <a:ln>
+            <a:solidFill>
+              <a:schemeClr val="bg1">
+                <a:lumMod val="50000"/>
+              </a:schemeClr>
+            </a:solidFill>
+          </a:ln>
+        </p:spPr>
+      </p:pic>
+      <p:sp>
+        <p:nvSpPr>
+          <p:cNvPr id="8" name="Oval 7"/>
+          <p:cNvSpPr/>
+          <p:nvPr/>
+        </p:nvSpPr>
+        <p:spPr bwMode="auto">
+          <a:xfrm>
+            <a:off x="1417832" y="1234504"/>
+            <a:ext cx="339048" cy="293607"/>
+          </a:xfrm>
+          <a:prstGeom prst="ellipse">
+            <a:avLst/>
+          </a:prstGeom>
+          <a:solidFill>
+            <a:schemeClr val="accent1"/>
+          </a:solidFill>
+          <a:ln>
+            <a:noFill/>
+            <a:headEnd type="none" w="med" len="med"/>
+            <a:tailEnd type="none" w="med" len="med"/>
+          </a:ln>
+          <a:effectLst/>
+        </p:spPr>
+        <p:style>
+          <a:lnRef idx="1">
+            <a:schemeClr val="accent2"/>
+          </a:lnRef>
+          <a:fillRef idx="3">
+            <a:schemeClr val="accent2"/>
+          </a:fillRef>
+          <a:effectRef idx="2">
+            <a:schemeClr val="accent2"/>
+          </a:effectRef>
+          <a:fontRef idx="minor">
+            <a:schemeClr val="lt1"/>
+          </a:fontRef>
+        </p:style>
+        <p:txBody>
+          <a:bodyPr rot="0" spcFirstLastPara="0" vertOverflow="overflow" horzOverflow="overflow" vert="horz" wrap="square" lIns="45720" tIns="45720" rIns="45720" bIns="45720" numCol="1" spcCol="0" rtlCol="0" fromWordArt="0" anchor="ctr" anchorCtr="0" forceAA="0" compatLnSpc="1">
+            <a:prstTxWarp prst="textNoShape">
+              <a:avLst/>
+            </a:prstTxWarp>
+            <a:noAutofit/>
+          </a:bodyPr>
+          <a:lstStyle/>
+          <a:p>
+            <a:pPr algn="ctr" defTabSz="914099" fontAlgn="base">
+              <a:spcBef>
+                <a:spcPct val="0"/>
+              </a:spcBef>
+              <a:spcAft>
+                <a:spcPct val="0"/>
+              </a:spcAft>
+            </a:pPr>
+            <a:r>
+              <a:rPr lang="en-US" sz="2200" dirty="0" smtClean="0">
+                <a:gradFill>
+                  <a:gsLst>
+                    <a:gs pos="0">
+                      <a:srgbClr val="FFFFFF"/>
+                    </a:gs>
+                    <a:gs pos="100000">
+                      <a:srgbClr val="FFFFFF"/>
+                    </a:gs>
+                  </a:gsLst>
+                  <a:lin ang="5400000" scaled="0"/>
+                </a:gradFill>
+                <a:ea typeface="Segoe UI" pitchFamily="34" charset="0"/>
+                <a:cs typeface="Segoe UI" pitchFamily="34" charset="0"/>
+              </a:rPr>
+              <a:t>1</a:t>
+            </a:r>
+          </a:p>
+        </p:txBody>
+      </p:sp>
+      <p:sp>
+        <p:nvSpPr>
+          <p:cNvPr id="9" name="TextBox 8"/>
+          <p:cNvSpPr txBox="1"/>
+          <p:nvPr/>
+        </p:nvSpPr>
+        <p:spPr>
+          <a:xfrm>
+            <a:off x="1869896" y="1236092"/>
+            <a:ext cx="3869072" cy="307777"/>
+          </a:xfrm>
+          <a:prstGeom prst="rect">
+            <a:avLst/>
+          </a:prstGeom>
+          <a:noFill/>
+        </p:spPr>
+        <p:txBody>
+          <a:bodyPr wrap="none" lIns="0" tIns="0" rIns="0" bIns="0" rtlCol="0">
+            <a:spAutoFit/>
+          </a:bodyPr>
+          <a:lstStyle/>
+          <a:p>
+            <a:r>
+              <a:rPr lang="en-US" sz="2000" spc="-70" dirty="0" smtClean="0">
+                <a:gradFill>
+                  <a:gsLst>
+                    <a:gs pos="2917">
+                      <a:srgbClr val="797A7D"/>
+                    </a:gs>
+                    <a:gs pos="95000">
+                      <a:srgbClr val="797A7D"/>
+                    </a:gs>
+                  </a:gsLst>
+                  <a:lin ang="5400000" scaled="0"/>
+                </a:gradFill>
+              </a:rPr>
+              <a:t>Project &gt; Add &gt; Connected Service…</a:t>
+            </a:r>
+          </a:p>
+        </p:txBody>
+      </p:sp>
+      <p:sp>
+        <p:nvSpPr>
+          <p:cNvPr id="10" name="Oval 9"/>
+          <p:cNvSpPr/>
+          <p:nvPr/>
+        </p:nvSpPr>
+        <p:spPr bwMode="auto">
+          <a:xfrm>
+            <a:off x="1405844" y="4695186"/>
+            <a:ext cx="339048" cy="293607"/>
+          </a:xfrm>
+          <a:prstGeom prst="ellipse">
+            <a:avLst/>
+          </a:prstGeom>
+          <a:solidFill>
+            <a:schemeClr val="accent1"/>
+          </a:solidFill>
+          <a:ln>
+            <a:noFill/>
+            <a:headEnd type="none" w="med" len="med"/>
+            <a:tailEnd type="none" w="med" len="med"/>
+          </a:ln>
+          <a:effectLst/>
+        </p:spPr>
+        <p:style>
+          <a:lnRef idx="1">
+            <a:schemeClr val="accent2"/>
+          </a:lnRef>
+          <a:fillRef idx="3">
+            <a:schemeClr val="accent2"/>
+          </a:fillRef>
+          <a:effectRef idx="2">
+            <a:schemeClr val="accent2"/>
+          </a:effectRef>
+          <a:fontRef idx="minor">
+            <a:schemeClr val="lt1"/>
+          </a:fontRef>
+        </p:style>
+        <p:txBody>
+          <a:bodyPr rot="0" spcFirstLastPara="0" vertOverflow="overflow" horzOverflow="overflow" vert="horz" wrap="square" lIns="45720" tIns="45720" rIns="45720" bIns="45720" numCol="1" spcCol="0" rtlCol="0" fromWordArt="0" anchor="ctr" anchorCtr="0" forceAA="0" compatLnSpc="1">
+            <a:prstTxWarp prst="textNoShape">
+              <a:avLst/>
+            </a:prstTxWarp>
+            <a:noAutofit/>
+          </a:bodyPr>
+          <a:lstStyle/>
+          <a:p>
+            <a:pPr algn="ctr" defTabSz="914099" fontAlgn="base">
+              <a:spcBef>
+                <a:spcPct val="0"/>
+              </a:spcBef>
+              <a:spcAft>
+                <a:spcPct val="0"/>
+              </a:spcAft>
+            </a:pPr>
+            <a:r>
+              <a:rPr lang="en-US" sz="2200" dirty="0" smtClean="0">
+                <a:gradFill>
+                  <a:gsLst>
+                    <a:gs pos="0">
+                      <a:srgbClr val="FFFFFF"/>
+                    </a:gs>
+                    <a:gs pos="100000">
+                      <a:srgbClr val="FFFFFF"/>
+                    </a:gs>
+                  </a:gsLst>
+                  <a:lin ang="5400000" scaled="0"/>
+                </a:gradFill>
+                <a:ea typeface="Segoe UI" pitchFamily="34" charset="0"/>
+                <a:cs typeface="Segoe UI" pitchFamily="34" charset="0"/>
+              </a:rPr>
+              <a:t>2</a:t>
+            </a:r>
+          </a:p>
+        </p:txBody>
+      </p:sp>
+      <p:sp>
+        <p:nvSpPr>
+          <p:cNvPr id="11" name="TextBox 10"/>
+          <p:cNvSpPr txBox="1"/>
+          <p:nvPr/>
+        </p:nvSpPr>
+        <p:spPr>
+          <a:xfrm>
+            <a:off x="1857908" y="4696774"/>
+            <a:ext cx="1840760" cy="307777"/>
+          </a:xfrm>
+          <a:prstGeom prst="rect">
+            <a:avLst/>
+          </a:prstGeom>
+          <a:noFill/>
+        </p:spPr>
+        <p:txBody>
+          <a:bodyPr wrap="none" lIns="0" tIns="0" rIns="0" bIns="0" rtlCol="0">
+            <a:spAutoFit/>
+          </a:bodyPr>
+          <a:lstStyle/>
+          <a:p>
+            <a:r>
+              <a:rPr lang="en-US" sz="2000" spc="-70" dirty="0" smtClean="0">
+                <a:gradFill>
+                  <a:gsLst>
+                    <a:gs pos="2917">
+                      <a:srgbClr val="797A7D"/>
+                    </a:gs>
+                    <a:gs pos="95000">
+                      <a:srgbClr val="797A7D"/>
+                    </a:gs>
+                  </a:gsLst>
+                  <a:lin ang="5400000" scaled="0"/>
+                </a:gradFill>
+              </a:rPr>
+              <a:t>Register your app</a:t>
+            </a:r>
+          </a:p>
+        </p:txBody>
+      </p:sp>
+      <p:pic>
+        <p:nvPicPr>
+          <p:cNvPr id="13" name="Picture 2" descr="C:\Users\Paul\AppData\Local\Temp\SNAGHTML2dc2467.PNG"/>
+          <p:cNvPicPr>
+            <a:picLocks noChangeAspect="1" noChangeArrowheads="1"/>
+          </p:cNvPicPr>
+          <p:nvPr/>
+        </p:nvPicPr>
+        <p:blipFill>
+          <a:blip r:embed="rId3">
+            <a:extLst>
+              <a:ext uri="{28A0092B-C50C-407E-A947-70E740481C1C}">
+                <a14:useLocalDpi xmlns:a14="http://schemas.microsoft.com/office/drawing/2010/main" val="0"/>
+              </a:ext>
+            </a:extLst>
+          </a:blip>
+          <a:srcRect/>
+          <a:stretch>
+            <a:fillRect/>
+          </a:stretch>
+        </p:blipFill>
+        <p:spPr bwMode="auto">
+          <a:xfrm>
+            <a:off x="3029427" y="1338560"/>
+            <a:ext cx="5883986" cy="3148728"/>
+          </a:xfrm>
+          <a:prstGeom prst="rect">
+            <a:avLst/>
+          </a:prstGeom>
+          <a:noFill/>
+          <a:extLst>
+            <a:ext uri="{909E8E84-426E-40DD-AFC4-6F175D3DCCD1}">
+              <a14:hiddenFill xmlns:a14="http://schemas.microsoft.com/office/drawing/2010/main">
+                <a:solidFill>
+                  <a:srgbClr val="FFFFFF"/>
+                </a:solidFill>
+              </a14:hiddenFill>
+            </a:ext>
+          </a:extLst>
+        </p:spPr>
+      </p:pic>
+    </p:spTree>
+    <p:extLst>
+      <p:ext uri="{BB962C8B-B14F-4D97-AF65-F5344CB8AC3E}">
+        <p14:creationId xmlns:p14="http://schemas.microsoft.com/office/powerpoint/2010/main" val="2430066716"/>
+      </p:ext>
+    </p:extLst>
+  </p:cSld>
+  <p:clrMapOvr>
+    <a:masterClrMapping/>
+  </p:clrMapOvr>
+  <p:transition>
+    <p:fade/>
+  </p:transition>
+</p:sld>
+</file>
+
+<file path=ppt/slides/slide16.xml><?xml version="1.0" encoding="utf-8"?>
+<p:sld xmlns:a="http://schemas.openxmlformats.org/drawingml/2006/main" xmlns:r="http://schemas.openxmlformats.org/officeDocument/2006/relationships" xmlns:p="http://schemas.openxmlformats.org/presentationml/2006/main">
+  <p:cSld>
+    <p:spTree>
+      <p:nvGrpSpPr>
+        <p:cNvPr id="1" name=""/>
+        <p:cNvGrpSpPr/>
+        <p:nvPr/>
+      </p:nvGrpSpPr>
+      <p:grpSpPr>
+        <a:xfrm>
+          <a:off x="0" y="0"/>
+          <a:ext cx="0" cy="0"/>
+          <a:chOff x="0" y="0"/>
+          <a:chExt cx="0" cy="0"/>
+        </a:xfrm>
+      </p:grpSpPr>
+      <p:sp>
+        <p:nvSpPr>
+          <p:cNvPr id="2" name="Title 1"/>
+          <p:cNvSpPr>
+            <a:spLocks noGrp="1"/>
+          </p:cNvSpPr>
+          <p:nvPr>
+            <p:ph type="title"/>
+          </p:nvPr>
+        </p:nvSpPr>
+        <p:spPr/>
+        <p:txBody>
+          <a:bodyPr/>
+          <a:lstStyle/>
+          <a:p>
             <a:r>
               <a:rPr lang="en-US" dirty="0" smtClean="0"/>
-              <a:t>works</a:t>
+              <a:t>Connected Services Permissions</a:t>
+            </a:r>
+            <a:endParaRPr lang="en-US" dirty="0"/>
+          </a:p>
+        </p:txBody>
+      </p:sp>
+      <p:sp>
+        <p:nvSpPr>
+          <p:cNvPr id="4" name="Slide Number Placeholder 3"/>
+          <p:cNvSpPr>
+            <a:spLocks noGrp="1"/>
+          </p:cNvSpPr>
+          <p:nvPr>
+            <p:ph type="sldNum" sz="quarter" idx="12"/>
+          </p:nvPr>
+        </p:nvSpPr>
+        <p:spPr>
+          <a:xfrm>
+            <a:off x="2051549" y="6638544"/>
+            <a:ext cx="560686" cy="219456"/>
+          </a:xfrm>
+          <a:prstGeom prst="rect">
+            <a:avLst/>
+          </a:prstGeom>
+        </p:spPr>
+        <p:txBody>
+          <a:bodyPr/>
+          <a:lstStyle/>
+          <a:p>
+            <a:fld id="{727B4C2D-45E2-4621-8491-2995EB46A674}" type="slidenum">
+              <a:rPr lang="en-US" smtClean="0">
+                <a:gradFill>
+                  <a:gsLst>
+                    <a:gs pos="100000">
+                      <a:srgbClr val="797A7D"/>
+                    </a:gs>
+                    <a:gs pos="0">
+                      <a:srgbClr val="797A7D"/>
+                    </a:gs>
+                  </a:gsLst>
+                  <a:lin ang="5400000" scaled="0"/>
+                </a:gradFill>
+              </a:rPr>
+              <a:pPr/>
+              <a:t>16</a:t>
+            </a:fld>
+            <a:endParaRPr lang="en-US" dirty="0">
+              <a:gradFill>
+                <a:gsLst>
+                  <a:gs pos="100000">
+                    <a:srgbClr val="797A7D"/>
+                  </a:gs>
+                  <a:gs pos="0">
+                    <a:srgbClr val="797A7D"/>
+                  </a:gs>
+                </a:gsLst>
+                <a:lin ang="5400000" scaled="0"/>
+              </a:gradFill>
+            </a:endParaRPr>
+          </a:p>
+        </p:txBody>
+      </p:sp>
+      <p:pic>
+        <p:nvPicPr>
+          <p:cNvPr id="5" name="Picture 4"/>
+          <p:cNvPicPr>
+            <a:picLocks noChangeAspect="1"/>
+          </p:cNvPicPr>
+          <p:nvPr/>
+        </p:nvPicPr>
+        <p:blipFill>
+          <a:blip r:embed="rId2">
+            <a:extLst>
+              <a:ext uri="{28A0092B-C50C-407E-A947-70E740481C1C}">
+                <a14:useLocalDpi xmlns:a14="http://schemas.microsoft.com/office/drawing/2010/main" val="0"/>
+              </a:ext>
+            </a:extLst>
+          </a:blip>
+          <a:stretch>
+            <a:fillRect/>
+          </a:stretch>
+        </p:blipFill>
+        <p:spPr>
+          <a:xfrm>
+            <a:off x="5455236" y="1739819"/>
+            <a:ext cx="5174955" cy="3560369"/>
+          </a:xfrm>
+          <a:prstGeom prst="rect">
+            <a:avLst/>
+          </a:prstGeom>
+        </p:spPr>
+      </p:pic>
+      <p:pic>
+        <p:nvPicPr>
+          <p:cNvPr id="6" name="Picture 5"/>
+          <p:cNvPicPr>
+            <a:picLocks noChangeAspect="1"/>
+          </p:cNvPicPr>
+          <p:nvPr/>
+        </p:nvPicPr>
+        <p:blipFill>
+          <a:blip r:embed="rId3">
+            <a:extLst>
+              <a:ext uri="{28A0092B-C50C-407E-A947-70E740481C1C}">
+                <a14:useLocalDpi xmlns:a14="http://schemas.microsoft.com/office/drawing/2010/main" val="0"/>
+              </a:ext>
+            </a:extLst>
+          </a:blip>
+          <a:stretch>
+            <a:fillRect/>
+          </a:stretch>
+        </p:blipFill>
+        <p:spPr>
+          <a:xfrm>
+            <a:off x="519112" y="1635883"/>
+            <a:ext cx="3810330" cy="1889924"/>
+          </a:xfrm>
+          <a:prstGeom prst="rect">
+            <a:avLst/>
+          </a:prstGeom>
+        </p:spPr>
+      </p:pic>
+      <p:pic>
+        <p:nvPicPr>
+          <p:cNvPr id="7" name="Picture 6"/>
+          <p:cNvPicPr>
+            <a:picLocks noChangeAspect="1"/>
+          </p:cNvPicPr>
+          <p:nvPr/>
+        </p:nvPicPr>
+        <p:blipFill>
+          <a:blip r:embed="rId4">
+            <a:extLst>
+              <a:ext uri="{28A0092B-C50C-407E-A947-70E740481C1C}">
+                <a14:useLocalDpi xmlns:a14="http://schemas.microsoft.com/office/drawing/2010/main" val="0"/>
+              </a:ext>
+            </a:extLst>
+          </a:blip>
+          <a:stretch>
+            <a:fillRect/>
+          </a:stretch>
+        </p:blipFill>
+        <p:spPr>
+          <a:xfrm>
+            <a:off x="519112" y="3954582"/>
+            <a:ext cx="3810330" cy="2088061"/>
+          </a:xfrm>
+          <a:prstGeom prst="rect">
+            <a:avLst/>
+          </a:prstGeom>
+        </p:spPr>
+      </p:pic>
+      <p:sp>
+        <p:nvSpPr>
+          <p:cNvPr id="8" name="Oval 7"/>
+          <p:cNvSpPr/>
+          <p:nvPr/>
+        </p:nvSpPr>
+        <p:spPr bwMode="auto">
+          <a:xfrm>
+            <a:off x="5455236" y="1326518"/>
+            <a:ext cx="339048" cy="293607"/>
+          </a:xfrm>
+          <a:prstGeom prst="ellipse">
+            <a:avLst/>
+          </a:prstGeom>
+          <a:solidFill>
+            <a:schemeClr val="accent1"/>
+          </a:solidFill>
+          <a:ln>
+            <a:noFill/>
+            <a:headEnd type="none" w="med" len="med"/>
+            <a:tailEnd type="none" w="med" len="med"/>
+          </a:ln>
+          <a:effectLst/>
+        </p:spPr>
+        <p:style>
+          <a:lnRef idx="1">
+            <a:schemeClr val="accent2"/>
+          </a:lnRef>
+          <a:fillRef idx="3">
+            <a:schemeClr val="accent2"/>
+          </a:fillRef>
+          <a:effectRef idx="2">
+            <a:schemeClr val="accent2"/>
+          </a:effectRef>
+          <a:fontRef idx="minor">
+            <a:schemeClr val="lt1"/>
+          </a:fontRef>
+        </p:style>
+        <p:txBody>
+          <a:bodyPr rot="0" spcFirstLastPara="0" vertOverflow="overflow" horzOverflow="overflow" vert="horz" wrap="square" lIns="45720" tIns="45720" rIns="45720" bIns="45720" numCol="1" spcCol="0" rtlCol="0" fromWordArt="0" anchor="ctr" anchorCtr="0" forceAA="0" compatLnSpc="1">
+            <a:prstTxWarp prst="textNoShape">
+              <a:avLst/>
+            </a:prstTxWarp>
+            <a:noAutofit/>
+          </a:bodyPr>
+          <a:lstStyle/>
+          <a:p>
+            <a:pPr algn="ctr" defTabSz="914099" fontAlgn="base">
+              <a:spcBef>
+                <a:spcPct val="0"/>
+              </a:spcBef>
+              <a:spcAft>
+                <a:spcPct val="0"/>
+              </a:spcAft>
+            </a:pPr>
+            <a:r>
+              <a:rPr lang="en-US" sz="2200" dirty="0" smtClean="0">
+                <a:gradFill>
+                  <a:gsLst>
+                    <a:gs pos="0">
+                      <a:srgbClr val="FFFFFF"/>
+                    </a:gs>
+                    <a:gs pos="100000">
+                      <a:srgbClr val="FFFFFF"/>
+                    </a:gs>
+                  </a:gsLst>
+                  <a:lin ang="5400000" scaled="0"/>
+                </a:gradFill>
+                <a:ea typeface="Segoe UI" pitchFamily="34" charset="0"/>
+                <a:cs typeface="Segoe UI" pitchFamily="34" charset="0"/>
+              </a:rPr>
+              <a:t>3</a:t>
+            </a:r>
+          </a:p>
+        </p:txBody>
+      </p:sp>
+      <p:sp>
+        <p:nvSpPr>
+          <p:cNvPr id="9" name="TextBox 8"/>
+          <p:cNvSpPr txBox="1"/>
+          <p:nvPr/>
+        </p:nvSpPr>
+        <p:spPr>
+          <a:xfrm>
+            <a:off x="5907300" y="1328106"/>
+            <a:ext cx="3333990" cy="307777"/>
+          </a:xfrm>
+          <a:prstGeom prst="rect">
+            <a:avLst/>
+          </a:prstGeom>
+          <a:noFill/>
+        </p:spPr>
+        <p:txBody>
+          <a:bodyPr wrap="none" lIns="0" tIns="0" rIns="0" bIns="0" rtlCol="0">
+            <a:spAutoFit/>
+          </a:bodyPr>
+          <a:lstStyle/>
+          <a:p>
+            <a:r>
+              <a:rPr lang="en-US" sz="2000" spc="-70" dirty="0" smtClean="0">
+                <a:gradFill>
+                  <a:gsLst>
+                    <a:gs pos="2917">
+                      <a:srgbClr val="797A7D"/>
+                    </a:gs>
+                    <a:gs pos="95000">
+                      <a:srgbClr val="797A7D"/>
+                    </a:gs>
+                  </a:gsLst>
+                  <a:lin ang="5400000" scaled="0"/>
+                </a:gradFill>
+              </a:rPr>
+              <a:t>Select required app permissions</a:t>
+            </a:r>
+          </a:p>
+        </p:txBody>
+      </p:sp>
+      <p:cxnSp>
+        <p:nvCxnSpPr>
+          <p:cNvPr id="10" name="Straight Arrow Connector 9"/>
+          <p:cNvCxnSpPr/>
+          <p:nvPr/>
+        </p:nvCxnSpPr>
+        <p:spPr>
+          <a:xfrm flipH="1" flipV="1">
+            <a:off x="4438436" y="2486346"/>
+            <a:ext cx="2106202" cy="246580"/>
+          </a:xfrm>
+          <a:prstGeom prst="straightConnector1">
+            <a:avLst/>
+          </a:prstGeom>
+          <a:ln w="28575">
+            <a:solidFill>
+              <a:srgbClr val="C00000"/>
+            </a:solidFill>
+            <a:prstDash val="sysDot"/>
+            <a:headEnd type="none"/>
+            <a:tailEnd type="triangle"/>
+          </a:ln>
+        </p:spPr>
+        <p:style>
+          <a:lnRef idx="1">
+            <a:schemeClr val="accent1"/>
+          </a:lnRef>
+          <a:fillRef idx="0">
+            <a:schemeClr val="accent1"/>
+          </a:fillRef>
+          <a:effectRef idx="0">
+            <a:schemeClr val="accent1"/>
+          </a:effectRef>
+          <a:fontRef idx="minor">
+            <a:schemeClr val="tx1"/>
+          </a:fontRef>
+        </p:style>
+      </p:cxnSp>
+      <p:cxnSp>
+        <p:nvCxnSpPr>
+          <p:cNvPr id="12" name="Straight Arrow Connector 11"/>
+          <p:cNvCxnSpPr/>
+          <p:nvPr/>
+        </p:nvCxnSpPr>
+        <p:spPr>
+          <a:xfrm flipH="1">
+            <a:off x="4592548" y="2876764"/>
+            <a:ext cx="1952090" cy="1273996"/>
+          </a:xfrm>
+          <a:prstGeom prst="straightConnector1">
+            <a:avLst/>
+          </a:prstGeom>
+          <a:ln w="28575">
+            <a:solidFill>
+              <a:srgbClr val="C00000"/>
+            </a:solidFill>
+            <a:prstDash val="sysDot"/>
+            <a:headEnd type="none"/>
+            <a:tailEnd type="triangle"/>
+          </a:ln>
+        </p:spPr>
+        <p:style>
+          <a:lnRef idx="1">
+            <a:schemeClr val="accent1"/>
+          </a:lnRef>
+          <a:fillRef idx="0">
+            <a:schemeClr val="accent1"/>
+          </a:fillRef>
+          <a:effectRef idx="0">
+            <a:schemeClr val="accent1"/>
+          </a:effectRef>
+          <a:fontRef idx="minor">
+            <a:schemeClr val="tx1"/>
+          </a:fontRef>
+        </p:style>
+      </p:cxnSp>
+    </p:spTree>
+    <p:extLst>
+      <p:ext uri="{BB962C8B-B14F-4D97-AF65-F5344CB8AC3E}">
+        <p14:creationId xmlns:p14="http://schemas.microsoft.com/office/powerpoint/2010/main" val="1991185209"/>
+      </p:ext>
+    </p:extLst>
+  </p:cSld>
+  <p:clrMapOvr>
+    <a:masterClrMapping/>
+  </p:clrMapOvr>
+  <p:transition>
+    <p:fade/>
+  </p:transition>
+</p:sld>
+</file>
+
+<file path=ppt/slides/slide17.xml><?xml version="1.0" encoding="utf-8"?>
+<p:sld xmlns:a="http://schemas.openxmlformats.org/drawingml/2006/main" xmlns:r="http://schemas.openxmlformats.org/officeDocument/2006/relationships" xmlns:p="http://schemas.openxmlformats.org/presentationml/2006/main">
+  <p:cSld>
+    <p:spTree>
+      <p:nvGrpSpPr>
+        <p:cNvPr id="1" name=""/>
+        <p:cNvGrpSpPr/>
+        <p:nvPr/>
+      </p:nvGrpSpPr>
+      <p:grpSpPr>
+        <a:xfrm>
+          <a:off x="0" y="0"/>
+          <a:ext cx="0" cy="0"/>
+          <a:chOff x="0" y="0"/>
+          <a:chExt cx="0" cy="0"/>
+        </a:xfrm>
+      </p:grpSpPr>
+      <p:sp>
+        <p:nvSpPr>
+          <p:cNvPr id="2" name="Text Placeholder 1"/>
+          <p:cNvSpPr>
+            <a:spLocks noGrp="1"/>
+          </p:cNvSpPr>
+          <p:nvPr>
+            <p:ph type="body" sz="quarter" idx="10"/>
+          </p:nvPr>
+        </p:nvSpPr>
+        <p:spPr/>
+        <p:txBody>
+          <a:bodyPr/>
+          <a:lstStyle/>
+          <a:p>
+            <a:r>
+              <a:rPr lang="en-US" dirty="0" smtClean="0"/>
+              <a:t>Installs </a:t>
+            </a:r>
+            <a:r>
+              <a:rPr lang="en-US" dirty="0" err="1" smtClean="0"/>
+              <a:t>NuGet</a:t>
+            </a:r>
+            <a:r>
+              <a:rPr lang="en-US" dirty="0" smtClean="0"/>
+              <a:t> Packages for Office 365 and dependencies</a:t>
+            </a:r>
+            <a:endParaRPr lang="en-US" dirty="0"/>
+          </a:p>
+        </p:txBody>
+      </p:sp>
+      <p:sp>
+        <p:nvSpPr>
+          <p:cNvPr id="3" name="Title 2"/>
+          <p:cNvSpPr>
+            <a:spLocks noGrp="1"/>
+          </p:cNvSpPr>
+          <p:nvPr>
+            <p:ph type="title"/>
+          </p:nvPr>
+        </p:nvSpPr>
+        <p:spPr/>
+        <p:txBody>
+          <a:bodyPr/>
+          <a:lstStyle/>
+          <a:p>
+            <a:r>
+              <a:rPr lang="en-US" dirty="0" smtClean="0"/>
+              <a:t>Add Connected Service</a:t>
+            </a:r>
+            <a:endParaRPr lang="en-US" dirty="0"/>
+          </a:p>
+        </p:txBody>
+      </p:sp>
+      <p:sp>
+        <p:nvSpPr>
+          <p:cNvPr id="4" name="Slide Number Placeholder 3"/>
+          <p:cNvSpPr>
+            <a:spLocks noGrp="1"/>
+          </p:cNvSpPr>
+          <p:nvPr>
+            <p:ph type="sldNum" sz="quarter" idx="12"/>
+          </p:nvPr>
+        </p:nvSpPr>
+        <p:spPr/>
+        <p:txBody>
+          <a:bodyPr/>
+          <a:lstStyle/>
+          <a:p>
+            <a:fld id="{727B4C2D-45E2-4621-8491-2995EB46A674}" type="slidenum">
+              <a:rPr lang="en-US" smtClean="0"/>
+              <a:pPr/>
+              <a:t>17</a:t>
+            </a:fld>
+            <a:endParaRPr lang="en-US" dirty="0"/>
+          </a:p>
+        </p:txBody>
+      </p:sp>
+      <p:pic>
+        <p:nvPicPr>
+          <p:cNvPr id="8" name="Picture 7"/>
+          <p:cNvPicPr>
+            <a:picLocks noChangeAspect="1"/>
+          </p:cNvPicPr>
+          <p:nvPr/>
+        </p:nvPicPr>
+        <p:blipFill>
+          <a:blip r:embed="rId2"/>
+          <a:stretch>
+            <a:fillRect/>
+          </a:stretch>
+        </p:blipFill>
+        <p:spPr>
+          <a:xfrm>
+            <a:off x="1675114" y="2960871"/>
+            <a:ext cx="7582290" cy="3067208"/>
+          </a:xfrm>
+          <a:prstGeom prst="rect">
+            <a:avLst/>
+          </a:prstGeom>
+        </p:spPr>
+      </p:pic>
+    </p:spTree>
+    <p:extLst>
+      <p:ext uri="{BB962C8B-B14F-4D97-AF65-F5344CB8AC3E}">
+        <p14:creationId xmlns:p14="http://schemas.microsoft.com/office/powerpoint/2010/main" val="1026677471"/>
+      </p:ext>
+    </p:extLst>
+  </p:cSld>
+  <p:clrMapOvr>
+    <a:masterClrMapping/>
+  </p:clrMapOvr>
+  <p:transition>
+    <p:fade/>
+  </p:transition>
+</p:sld>
+</file>
+
+<file path=ppt/slides/slide18.xml><?xml version="1.0" encoding="utf-8"?>
+<p:sld xmlns:a="http://schemas.openxmlformats.org/drawingml/2006/main" xmlns:r="http://schemas.openxmlformats.org/officeDocument/2006/relationships" xmlns:p="http://schemas.openxmlformats.org/presentationml/2006/main">
+  <p:cSld>
+    <p:spTree>
+      <p:nvGrpSpPr>
+        <p:cNvPr id="1" name=""/>
+        <p:cNvGrpSpPr/>
+        <p:nvPr/>
+      </p:nvGrpSpPr>
+      <p:grpSpPr>
+        <a:xfrm>
+          <a:off x="0" y="0"/>
+          <a:ext cx="0" cy="0"/>
+          <a:chOff x="0" y="0"/>
+          <a:chExt cx="0" cy="0"/>
+        </a:xfrm>
+      </p:grpSpPr>
+      <p:sp>
+        <p:nvSpPr>
+          <p:cNvPr id="2" name="Text Placeholder 1"/>
+          <p:cNvSpPr>
+            <a:spLocks noGrp="1"/>
+          </p:cNvSpPr>
+          <p:nvPr>
+            <p:ph type="body" sz="quarter" idx="10"/>
+          </p:nvPr>
+        </p:nvSpPr>
+        <p:spPr>
+          <a:xfrm>
+            <a:off x="519112" y="1447798"/>
+            <a:ext cx="11149013" cy="4594413"/>
+          </a:xfrm>
+        </p:spPr>
+        <p:txBody>
+          <a:bodyPr/>
+          <a:lstStyle/>
+          <a:p>
+            <a:r>
+              <a:rPr lang="en-US" dirty="0" smtClean="0"/>
+              <a:t>Web-based</a:t>
+            </a:r>
+            <a:r>
+              <a:rPr lang="en-US" baseline="0" dirty="0" smtClean="0"/>
+              <a:t> apps use passive authentication</a:t>
+            </a:r>
+          </a:p>
+          <a:p>
+            <a:pPr lvl="1"/>
+            <a:r>
+              <a:rPr lang="en-US" dirty="0" smtClean="0"/>
+              <a:t>Accomplished via browser</a:t>
+            </a:r>
+            <a:r>
+              <a:rPr lang="en-US" baseline="0" dirty="0" smtClean="0"/>
+              <a:t> redirects</a:t>
+            </a:r>
+          </a:p>
+          <a:p>
+            <a:pPr lvl="0"/>
+            <a:r>
+              <a:rPr lang="en-US" dirty="0" smtClean="0"/>
+              <a:t>Universal Apps use active authentication</a:t>
+            </a:r>
+          </a:p>
+          <a:p>
+            <a:pPr lvl="1"/>
+            <a:r>
+              <a:rPr lang="en-US" dirty="0" smtClean="0"/>
+              <a:t>App code (or library code) initiates call to authentication</a:t>
+            </a:r>
+            <a:r>
+              <a:rPr lang="en-US" baseline="0" dirty="0" smtClean="0"/>
+              <a:t> source</a:t>
+            </a:r>
+            <a:endParaRPr lang="en-US" dirty="0" smtClean="0"/>
+          </a:p>
+          <a:p>
+            <a:pPr lvl="0"/>
+            <a:r>
+              <a:rPr lang="en-US" dirty="0" smtClean="0"/>
+              <a:t>The “Connected Service” wizard adds the appropriate library</a:t>
+            </a:r>
+          </a:p>
+          <a:p>
+            <a:pPr lvl="1"/>
+            <a:r>
+              <a:rPr lang="en-US" dirty="0" smtClean="0"/>
+              <a:t>Microsoft.Office365.OAuth.Web.dll for web projects</a:t>
+            </a:r>
+          </a:p>
+          <a:p>
+            <a:pPr lvl="1"/>
+            <a:r>
+              <a:rPr lang="en-US" dirty="0" smtClean="0"/>
+              <a:t>Microsoft.Office365.OAuth.WindowsStore.dll for native projects</a:t>
+            </a:r>
+          </a:p>
+        </p:txBody>
+      </p:sp>
+      <p:sp>
+        <p:nvSpPr>
+          <p:cNvPr id="3" name="Title 2"/>
+          <p:cNvSpPr>
+            <a:spLocks noGrp="1"/>
+          </p:cNvSpPr>
+          <p:nvPr>
+            <p:ph type="title"/>
+          </p:nvPr>
+        </p:nvSpPr>
+        <p:spPr/>
+        <p:txBody>
+          <a:bodyPr/>
+          <a:lstStyle/>
+          <a:p>
+            <a:r>
+              <a:rPr lang="en-US" dirty="0" err="1" smtClean="0"/>
+              <a:t>OAuth</a:t>
+            </a:r>
+            <a:r>
+              <a:rPr lang="en-US" dirty="0" smtClean="0"/>
+              <a:t> Implementation</a:t>
+            </a:r>
+            <a:endParaRPr lang="en-US" dirty="0"/>
+          </a:p>
+        </p:txBody>
+      </p:sp>
+      <p:sp>
+        <p:nvSpPr>
+          <p:cNvPr id="4" name="Slide Number Placeholder 3"/>
+          <p:cNvSpPr>
+            <a:spLocks noGrp="1"/>
+          </p:cNvSpPr>
+          <p:nvPr>
+            <p:ph type="sldNum" sz="quarter" idx="12"/>
+          </p:nvPr>
+        </p:nvSpPr>
+        <p:spPr/>
+        <p:txBody>
+          <a:bodyPr/>
+          <a:lstStyle/>
+          <a:p>
+            <a:fld id="{727B4C2D-45E2-4621-8491-2995EB46A674}" type="slidenum">
+              <a:rPr lang="en-US" smtClean="0"/>
+              <a:pPr/>
+              <a:t>18</a:t>
+            </a:fld>
+            <a:endParaRPr lang="en-US" dirty="0"/>
+          </a:p>
+        </p:txBody>
+      </p:sp>
+    </p:spTree>
+    <p:extLst>
+      <p:ext uri="{BB962C8B-B14F-4D97-AF65-F5344CB8AC3E}">
+        <p14:creationId xmlns:p14="http://schemas.microsoft.com/office/powerpoint/2010/main" val="2821960853"/>
+      </p:ext>
+    </p:extLst>
+  </p:cSld>
+  <p:clrMapOvr>
+    <a:masterClrMapping/>
+  </p:clrMapOvr>
+  <p:transition>
+    <p:fade/>
+  </p:transition>
+</p:sld>
+</file>
+
+<file path=ppt/slides/slide19.xml><?xml version="1.0" encoding="utf-8"?>
+<p:sld xmlns:a="http://schemas.openxmlformats.org/drawingml/2006/main" xmlns:r="http://schemas.openxmlformats.org/officeDocument/2006/relationships" xmlns:p="http://schemas.openxmlformats.org/presentationml/2006/main">
+  <p:cSld>
+    <p:spTree>
+      <p:nvGrpSpPr>
+        <p:cNvPr id="1" name=""/>
+        <p:cNvGrpSpPr/>
+        <p:nvPr/>
+      </p:nvGrpSpPr>
+      <p:grpSpPr>
+        <a:xfrm>
+          <a:off x="0" y="0"/>
+          <a:ext cx="0" cy="0"/>
+          <a:chOff x="0" y="0"/>
+          <a:chExt cx="0" cy="0"/>
+        </a:xfrm>
+      </p:grpSpPr>
+      <p:sp>
+        <p:nvSpPr>
+          <p:cNvPr id="2" name="Text Placeholder 1"/>
+          <p:cNvSpPr>
+            <a:spLocks noGrp="1"/>
+          </p:cNvSpPr>
+          <p:nvPr>
+            <p:ph type="body" sz="quarter" idx="10"/>
+          </p:nvPr>
+        </p:nvSpPr>
+        <p:spPr/>
+        <p:txBody>
+          <a:bodyPr/>
+          <a:lstStyle/>
+          <a:p>
+            <a:r>
+              <a:rPr lang="en-US" dirty="0" smtClean="0"/>
+              <a:t>How it works</a:t>
             </a:r>
           </a:p>
           <a:p>
@@ -12594,11 +13685,7 @@
           <a:p>
             <a:r>
               <a:rPr lang="en-US" dirty="0" smtClean="0"/>
-              <a:t>Authentication in O365 </a:t>
-            </a:r>
-            <a:r>
-              <a:rPr lang="en-US" dirty="0" smtClean="0"/>
-              <a:t>API</a:t>
+              <a:t>Authentication in O365 API</a:t>
             </a:r>
             <a:r>
               <a:rPr lang="en-US" baseline="0" dirty="0" smtClean="0"/>
@@ -12626,7 +13713,7 @@
             <a:fld id="{727B4C2D-45E2-4621-8491-2995EB46A674}" type="slidenum">
               <a:rPr lang="en-US" smtClean="0"/>
               <a:pPr/>
-              <a:t>15</a:t>
+              <a:t>19</a:t>
             </a:fld>
             <a:endParaRPr lang="en-US" dirty="0"/>
           </a:p>
@@ -12677,7 +13764,7 @@
 </p:sld>
 </file>
 
-<file path=ppt/slides/slide16.xml><?xml version="1.0" encoding="utf-8"?>
+<file path=ppt/slides/slide2.xml><?xml version="1.0" encoding="utf-8"?>
 <p:sld xmlns:a="http://schemas.openxmlformats.org/drawingml/2006/main" xmlns:r="http://schemas.openxmlformats.org/officeDocument/2006/relationships" xmlns:p="http://schemas.openxmlformats.org/presentationml/2006/main">
   <p:cSld>
     <p:spTree>
@@ -12701,79 +13788,75 @@
             <a:spLocks noGrp="1"/>
           </p:cNvSpPr>
           <p:nvPr>
-            <p:ph type="body" sz="quarter" idx="10"/>
-          </p:nvPr>
-        </p:nvSpPr>
-        <p:spPr/>
+            <p:ph type="body" sz="quarter" idx="15"/>
+          </p:nvPr>
+        </p:nvSpPr>
+        <p:spPr>
+          <a:xfrm>
+            <a:off x="4708936" y="1814048"/>
+            <a:ext cx="7346043" cy="2881519"/>
+          </a:xfrm>
+        </p:spPr>
         <p:txBody>
           <a:bodyPr/>
           <a:lstStyle/>
           <a:p>
             <a:r>
               <a:rPr lang="en-US" dirty="0" smtClean="0"/>
-              <a:t>“Client” objects for each service</a:t>
-            </a:r>
-          </a:p>
-          <a:p>
-            <a:pPr lvl="1"/>
-            <a:r>
-              <a:rPr lang="en-US" dirty="0" err="1" smtClean="0"/>
-              <a:t>ExchangeClient</a:t>
+              <a:t>Introduction</a:t>
+            </a:r>
+          </a:p>
+          <a:p>
+            <a:r>
+              <a:rPr lang="en-US" baseline="0" dirty="0" smtClean="0"/>
+              <a:t>Universal App projects</a:t>
+            </a:r>
+          </a:p>
+          <a:p>
+            <a:r>
+              <a:rPr lang="en-US" dirty="0" smtClean="0"/>
+              <a:t>Integrating Office 365 APIs</a:t>
+            </a:r>
+            <a:r>
+              <a:rPr lang="en-US" baseline="0" dirty="0" smtClean="0"/>
+              <a:t> </a:t>
             </a:r>
             <a:endParaRPr lang="en-US" dirty="0" smtClean="0"/>
           </a:p>
-          <a:p>
-            <a:pPr lvl="1"/>
-            <a:r>
-              <a:rPr lang="en-US" dirty="0" err="1" smtClean="0"/>
-              <a:t>SharePointClient</a:t>
-            </a:r>
-            <a:endParaRPr lang="en-US" dirty="0" smtClean="0"/>
-          </a:p>
-          <a:p>
-            <a:pPr lvl="0"/>
-            <a:r>
-              <a:rPr lang="en-US" dirty="0" smtClean="0"/>
-              <a:t>Constructor takes</a:t>
-            </a:r>
-            <a:r>
-              <a:rPr lang="en-US" baseline="0" dirty="0" smtClean="0"/>
-              <a:t> a “token getter” function</a:t>
-            </a:r>
-          </a:p>
-          <a:p>
-            <a:pPr lvl="1"/>
-            <a:r>
-              <a:rPr lang="en-US" dirty="0" err="1" smtClean="0"/>
-              <a:t>DiscoveryContext</a:t>
-            </a:r>
-            <a:r>
-              <a:rPr lang="en-US" dirty="0" smtClean="0"/>
-              <a:t> wraps an </a:t>
-            </a:r>
-            <a:r>
-              <a:rPr lang="en-US" dirty="0" err="1" smtClean="0"/>
-              <a:t>AuthenticationContext</a:t>
-            </a:r>
-            <a:endParaRPr lang="en-US" dirty="0" smtClean="0"/>
-          </a:p>
-          <a:p>
-            <a:pPr lvl="1"/>
-            <a:r>
-              <a:rPr lang="en-US" dirty="0" err="1" smtClean="0"/>
-              <a:t>AuthenticationContext</a:t>
-            </a:r>
-            <a:r>
-              <a:rPr lang="en-US" baseline="0" dirty="0" smtClean="0"/>
-              <a:t> has methods for getting tokens</a:t>
-            </a:r>
-            <a:endParaRPr lang="en-US" dirty="0" smtClean="0"/>
-          </a:p>
-        </p:txBody>
-      </p:sp>
-      <p:sp>
-        <p:nvSpPr>
-          <p:cNvPr id="3" name="Title 2"/>
+        </p:txBody>
+      </p:sp>
+      <p:pic>
+        <p:nvPicPr>
+          <p:cNvPr id="4" name="Picture Placeholder 3"/>
+          <p:cNvPicPr>
+            <a:picLocks noGrp="1" noChangeAspect="1"/>
+          </p:cNvPicPr>
+          <p:nvPr>
+            <p:ph type="pic" sz="quarter" idx="16"/>
+          </p:nvPr>
+        </p:nvPicPr>
+        <p:blipFill>
+          <a:blip r:embed="rId3">
+            <a:extLst>
+              <a:ext uri="{28A0092B-C50C-407E-A947-70E740481C1C}">
+                <a14:useLocalDpi xmlns:a14="http://schemas.microsoft.com/office/drawing/2010/main" val="0"/>
+              </a:ext>
+            </a:extLst>
+          </a:blip>
+          <a:stretch>
+            <a:fillRect/>
+          </a:stretch>
+        </p:blipFill>
+        <p:spPr>
+          <a:xfrm>
+            <a:off x="269169" y="1905492"/>
+            <a:ext cx="4301734" cy="2865616"/>
+          </a:xfrm>
+        </p:spPr>
+      </p:pic>
+      <p:sp>
+        <p:nvSpPr>
+          <p:cNvPr id="5" name="Title 4"/>
           <p:cNvSpPr>
             <a:spLocks noGrp="1"/>
           </p:cNvSpPr>
@@ -12788,7 +13871,98 @@
           <a:p>
             <a:r>
               <a:rPr lang="en-US" dirty="0" smtClean="0"/>
-              <a:t>Office 365 Service Communication</a:t>
+              <a:t>Agenda</a:t>
+            </a:r>
+            <a:endParaRPr lang="en-US" dirty="0"/>
+          </a:p>
+        </p:txBody>
+      </p:sp>
+    </p:spTree>
+    <p:extLst>
+      <p:ext uri="{BB962C8B-B14F-4D97-AF65-F5344CB8AC3E}">
+        <p14:creationId xmlns:p14="http://schemas.microsoft.com/office/powerpoint/2010/main" val="201996691"/>
+      </p:ext>
+    </p:extLst>
+  </p:cSld>
+  <p:clrMapOvr>
+    <a:masterClrMapping/>
+  </p:clrMapOvr>
+  <mc:AlternateContent xmlns:mc="http://schemas.openxmlformats.org/markup-compatibility/2006" xmlns:p14="http://schemas.microsoft.com/office/powerpoint/2010/main">
+    <mc:Choice Requires="p14">
+      <p:transition spd="med" p14:dur="700">
+        <p:fade/>
+      </p:transition>
+    </mc:Choice>
+    <mc:Fallback xmlns="">
+      <p:transition spd="med">
+        <p:fade/>
+      </p:transition>
+    </mc:Fallback>
+  </mc:AlternateContent>
+  <p:timing>
+    <p:tnLst>
+      <p:par>
+        <p:cTn id="1" dur="indefinite" restart="never" nodeType="tmRoot"/>
+      </p:par>
+    </p:tnLst>
+  </p:timing>
+</p:sld>
+</file>
+
+<file path=ppt/slides/slide20.xml><?xml version="1.0" encoding="utf-8"?>
+<p:sld xmlns:a="http://schemas.openxmlformats.org/drawingml/2006/main" xmlns:r="http://schemas.openxmlformats.org/officeDocument/2006/relationships" xmlns:p="http://schemas.openxmlformats.org/presentationml/2006/main">
+  <p:cSld>
+    <p:spTree>
+      <p:nvGrpSpPr>
+        <p:cNvPr id="1" name=""/>
+        <p:cNvGrpSpPr/>
+        <p:nvPr/>
+      </p:nvGrpSpPr>
+      <p:grpSpPr>
+        <a:xfrm>
+          <a:off x="0" y="0"/>
+          <a:ext cx="0" cy="0"/>
+          <a:chOff x="0" y="0"/>
+          <a:chExt cx="0" cy="0"/>
+        </a:xfrm>
+      </p:grpSpPr>
+      <p:sp>
+        <p:nvSpPr>
+          <p:cNvPr id="2" name="Text Placeholder 1"/>
+          <p:cNvSpPr>
+            <a:spLocks noGrp="1"/>
+          </p:cNvSpPr>
+          <p:nvPr>
+            <p:ph type="body" sz="quarter" idx="10"/>
+          </p:nvPr>
+        </p:nvSpPr>
+        <p:spPr/>
+        <p:txBody>
+          <a:bodyPr/>
+          <a:lstStyle/>
+          <a:p>
+            <a:endParaRPr lang="en-US"/>
+          </a:p>
+        </p:txBody>
+      </p:sp>
+      <p:sp>
+        <p:nvSpPr>
+          <p:cNvPr id="3" name="Title 2"/>
+          <p:cNvSpPr>
+            <a:spLocks noGrp="1"/>
+          </p:cNvSpPr>
+          <p:nvPr>
+            <p:ph type="title"/>
+          </p:nvPr>
+        </p:nvSpPr>
+        <p:spPr/>
+        <p:txBody>
+          <a:bodyPr/>
+          <a:lstStyle/>
+          <a:p>
+            <a:r>
+              <a:rPr lang="en-US" dirty="0" smtClean="0"/>
+              <a:t>Authentication UI</a:t>
             </a:r>
             <a:endParaRPr lang="en-US" dirty="0"/>
           </a:p>
@@ -12812,7 +13986,222 @@
             <a:fld id="{727B4C2D-45E2-4621-8491-2995EB46A674}" type="slidenum">
               <a:rPr lang="en-US" smtClean="0"/>
               <a:pPr/>
-              <a:t>16</a:t>
+              <a:t>20</a:t>
+            </a:fld>
+            <a:endParaRPr lang="en-US" dirty="0"/>
+          </a:p>
+        </p:txBody>
+      </p:sp>
+      <p:pic>
+        <p:nvPicPr>
+          <p:cNvPr id="5" name="Picture 4"/>
+          <p:cNvPicPr>
+            <a:picLocks noChangeAspect="1"/>
+          </p:cNvPicPr>
+          <p:nvPr/>
+        </p:nvPicPr>
+        <p:blipFill rotWithShape="1">
+          <a:blip r:embed="rId2">
+            <a:extLst>
+              <a:ext uri="{28A0092B-C50C-407E-A947-70E740481C1C}">
+                <a14:useLocalDpi xmlns:a14="http://schemas.microsoft.com/office/drawing/2010/main" val="0"/>
+              </a:ext>
+            </a:extLst>
+          </a:blip>
+          <a:srcRect r="23967" b="28268"/>
+          <a:stretch/>
+        </p:blipFill>
+        <p:spPr>
+          <a:xfrm>
+            <a:off x="519112" y="1447799"/>
+            <a:ext cx="7647735" cy="4056530"/>
+          </a:xfrm>
+          <a:prstGeom prst="rect">
+            <a:avLst/>
+          </a:prstGeom>
+        </p:spPr>
+      </p:pic>
+      <p:pic>
+        <p:nvPicPr>
+          <p:cNvPr id="7" name="Picture 6"/>
+          <p:cNvPicPr>
+            <a:picLocks noChangeAspect="1"/>
+          </p:cNvPicPr>
+          <p:nvPr/>
+        </p:nvPicPr>
+        <p:blipFill rotWithShape="1">
+          <a:blip r:embed="rId3">
+            <a:extLst>
+              <a:ext uri="{28A0092B-C50C-407E-A947-70E740481C1C}">
+                <a14:useLocalDpi xmlns:a14="http://schemas.microsoft.com/office/drawing/2010/main" val="0"/>
+              </a:ext>
+            </a:extLst>
+          </a:blip>
+          <a:srcRect r="23797" b="25380"/>
+          <a:stretch/>
+        </p:blipFill>
+        <p:spPr>
+          <a:xfrm>
+            <a:off x="4428565" y="1921013"/>
+            <a:ext cx="7664824" cy="4219810"/>
+          </a:xfrm>
+          <a:prstGeom prst="rect">
+            <a:avLst/>
+          </a:prstGeom>
+        </p:spPr>
+      </p:pic>
+    </p:spTree>
+    <p:extLst>
+      <p:ext uri="{BB962C8B-B14F-4D97-AF65-F5344CB8AC3E}">
+        <p14:creationId xmlns:p14="http://schemas.microsoft.com/office/powerpoint/2010/main" val="4203033419"/>
+      </p:ext>
+    </p:extLst>
+  </p:cSld>
+  <p:clrMapOvr>
+    <a:masterClrMapping/>
+  </p:clrMapOvr>
+  <p:transition>
+    <p:fade/>
+  </p:transition>
+</p:sld>
+</file>
+
+<file path=ppt/slides/slide21.xml><?xml version="1.0" encoding="utf-8"?>
+<p:sld xmlns:a="http://schemas.openxmlformats.org/drawingml/2006/main" xmlns:r="http://schemas.openxmlformats.org/officeDocument/2006/relationships" xmlns:p="http://schemas.openxmlformats.org/presentationml/2006/main">
+  <p:cSld>
+    <p:spTree>
+      <p:nvGrpSpPr>
+        <p:cNvPr id="1" name=""/>
+        <p:cNvGrpSpPr/>
+        <p:nvPr/>
+      </p:nvGrpSpPr>
+      <p:grpSpPr>
+        <a:xfrm>
+          <a:off x="0" y="0"/>
+          <a:ext cx="0" cy="0"/>
+          <a:chOff x="0" y="0"/>
+          <a:chExt cx="0" cy="0"/>
+        </a:xfrm>
+      </p:grpSpPr>
+      <p:sp>
+        <p:nvSpPr>
+          <p:cNvPr id="2" name="Text Placeholder 1"/>
+          <p:cNvSpPr>
+            <a:spLocks noGrp="1"/>
+          </p:cNvSpPr>
+          <p:nvPr>
+            <p:ph type="body" sz="quarter" idx="10"/>
+          </p:nvPr>
+        </p:nvSpPr>
+        <p:spPr/>
+        <p:txBody>
+          <a:bodyPr/>
+          <a:lstStyle/>
+          <a:p>
+            <a:r>
+              <a:rPr lang="en-US" dirty="0" smtClean="0"/>
+              <a:t>“Client” objects for each service</a:t>
+            </a:r>
+          </a:p>
+          <a:p>
+            <a:pPr lvl="1"/>
+            <a:r>
+              <a:rPr lang="en-US" dirty="0" err="1" smtClean="0"/>
+              <a:t>ExchangeClient</a:t>
+            </a:r>
+            <a:endParaRPr lang="en-US" dirty="0" smtClean="0"/>
+          </a:p>
+          <a:p>
+            <a:pPr lvl="1"/>
+            <a:r>
+              <a:rPr lang="en-US" dirty="0" err="1" smtClean="0"/>
+              <a:t>SharePointClient</a:t>
+            </a:r>
+            <a:endParaRPr lang="en-US" dirty="0" smtClean="0"/>
+          </a:p>
+          <a:p>
+            <a:pPr lvl="0"/>
+            <a:r>
+              <a:rPr lang="en-US" dirty="0" smtClean="0"/>
+              <a:t>Constructor takes</a:t>
+            </a:r>
+            <a:r>
+              <a:rPr lang="en-US" baseline="0" dirty="0" smtClean="0"/>
+              <a:t> a “token getter” function</a:t>
+            </a:r>
+          </a:p>
+          <a:p>
+            <a:pPr lvl="1"/>
+            <a:r>
+              <a:rPr lang="en-US" dirty="0" err="1" smtClean="0"/>
+              <a:t>DiscoveryContext</a:t>
+            </a:r>
+            <a:r>
+              <a:rPr lang="en-US" dirty="0" smtClean="0"/>
+              <a:t> wraps an </a:t>
+            </a:r>
+            <a:r>
+              <a:rPr lang="en-US" dirty="0" err="1" smtClean="0"/>
+              <a:t>AuthenticationContext</a:t>
+            </a:r>
+            <a:endParaRPr lang="en-US" dirty="0" smtClean="0"/>
+          </a:p>
+          <a:p>
+            <a:pPr lvl="1"/>
+            <a:r>
+              <a:rPr lang="en-US" dirty="0" err="1" smtClean="0"/>
+              <a:t>AuthenticationContext</a:t>
+            </a:r>
+            <a:r>
+              <a:rPr lang="en-US" baseline="0" dirty="0" smtClean="0"/>
+              <a:t> has methods for getting tokens</a:t>
+            </a:r>
+            <a:endParaRPr lang="en-US" dirty="0" smtClean="0"/>
+          </a:p>
+        </p:txBody>
+      </p:sp>
+      <p:sp>
+        <p:nvSpPr>
+          <p:cNvPr id="3" name="Title 2"/>
+          <p:cNvSpPr>
+            <a:spLocks noGrp="1"/>
+          </p:cNvSpPr>
+          <p:nvPr>
+            <p:ph type="title"/>
+          </p:nvPr>
+        </p:nvSpPr>
+        <p:spPr/>
+        <p:txBody>
+          <a:bodyPr/>
+          <a:lstStyle/>
+          <a:p>
+            <a:r>
+              <a:rPr lang="en-US" dirty="0" smtClean="0"/>
+              <a:t>Office 365 Service Communication</a:t>
+            </a:r>
+            <a:endParaRPr lang="en-US" dirty="0"/>
+          </a:p>
+        </p:txBody>
+      </p:sp>
+      <p:sp>
+        <p:nvSpPr>
+          <p:cNvPr id="4" name="Slide Number Placeholder 3"/>
+          <p:cNvSpPr>
+            <a:spLocks noGrp="1"/>
+          </p:cNvSpPr>
+          <p:nvPr>
+            <p:ph type="sldNum" sz="quarter" idx="12"/>
+          </p:nvPr>
+        </p:nvSpPr>
+        <p:spPr/>
+        <p:txBody>
+          <a:bodyPr/>
+          <a:lstStyle/>
+          <a:p>
+            <a:fld id="{727B4C2D-45E2-4621-8491-2995EB46A674}" type="slidenum">
+              <a:rPr lang="en-US" smtClean="0"/>
+              <a:pPr/>
+              <a:t>21</a:t>
             </a:fld>
             <a:endParaRPr lang="en-US" dirty="0"/>
           </a:p>
@@ -12858,7 +14247,7 @@
 </p:sld>
 </file>
 
-<file path=ppt/slides/slide17.xml><?xml version="1.0" encoding="utf-8"?>
+<file path=ppt/slides/slide22.xml><?xml version="1.0" encoding="utf-8"?>
 <p:sld xmlns:a="http://schemas.openxmlformats.org/drawingml/2006/main" xmlns:r="http://schemas.openxmlformats.org/officeDocument/2006/relationships" xmlns:p="http://schemas.openxmlformats.org/presentationml/2006/main">
   <p:cSld>
     <p:spTree>
@@ -12942,7 +14331,22 @@
             </a:r>
             <a:r>
               <a:rPr lang="en-US" dirty="0" smtClean="0"/>
-              <a:t>&lt;T&gt; entities</a:t>
+              <a:t>&lt;T&gt; </a:t>
+            </a:r>
+            <a:r>
+              <a:rPr lang="en-US" dirty="0" smtClean="0"/>
+              <a:t>entities</a:t>
+            </a:r>
+          </a:p>
+          <a:p>
+            <a:pPr lvl="0"/>
+            <a:r>
+              <a:rPr lang="en-US" dirty="0" smtClean="0"/>
+              <a:t>Includes</a:t>
+            </a:r>
+            <a:r>
+              <a:rPr lang="en-US" baseline="0" dirty="0" smtClean="0"/>
+              <a:t> common CRUD operations</a:t>
             </a:r>
             <a:endParaRPr lang="en-US" dirty="0"/>
           </a:p>
@@ -13008,36 +14412,258 @@
             <a:fld id="{727B4C2D-45E2-4621-8491-2995EB46A674}" type="slidenum">
               <a:rPr lang="en-US" smtClean="0"/>
               <a:pPr/>
-              <a:t>17</a:t>
+              <a:t>22</a:t>
             </a:fld>
             <a:endParaRPr lang="en-US" dirty="0"/>
           </a:p>
         </p:txBody>
       </p:sp>
-      <p:pic>
-        <p:nvPicPr>
-          <p:cNvPr id="5" name="Picture 4"/>
-          <p:cNvPicPr>
-            <a:picLocks noChangeAspect="1"/>
-          </p:cNvPicPr>
+      <p:grpSp>
+        <p:nvGrpSpPr>
+          <p:cNvPr id="9" name="Group 8"/>
+          <p:cNvGrpSpPr/>
           <p:nvPr/>
-        </p:nvPicPr>
-        <p:blipFill>
-          <a:blip r:embed="rId2"/>
-          <a:stretch>
-            <a:fillRect/>
-          </a:stretch>
-        </p:blipFill>
-        <p:spPr>
+        </p:nvGrpSpPr>
+        <p:grpSpPr>
           <a:xfrm>
-            <a:off x="5576047" y="1063185"/>
-            <a:ext cx="6523412" cy="5083762"/>
+            <a:off x="5751275" y="1362742"/>
+            <a:ext cx="2952750" cy="3488624"/>
+            <a:chOff x="4618037" y="1497713"/>
+            <a:chExt cx="2952750" cy="3488624"/>
           </a:xfrm>
-          <a:prstGeom prst="rect">
-            <a:avLst/>
-          </a:prstGeom>
-        </p:spPr>
-      </p:pic>
+        </p:grpSpPr>
+        <p:pic>
+          <p:nvPicPr>
+            <p:cNvPr id="10" name="Picture 9"/>
+            <p:cNvPicPr>
+              <a:picLocks noChangeAspect="1"/>
+            </p:cNvPicPr>
+            <p:nvPr/>
+          </p:nvPicPr>
+          <p:blipFill>
+            <a:blip r:embed="rId2"/>
+            <a:stretch>
+              <a:fillRect/>
+            </a:stretch>
+          </p:blipFill>
+          <p:spPr>
+            <a:xfrm>
+              <a:off x="4618037" y="1871662"/>
+              <a:ext cx="2952750" cy="3114675"/>
+            </a:xfrm>
+            <a:prstGeom prst="rect">
+              <a:avLst/>
+            </a:prstGeom>
+            <a:ln>
+              <a:solidFill>
+                <a:schemeClr val="bg1">
+                  <a:lumMod val="50000"/>
+                </a:schemeClr>
+              </a:solidFill>
+            </a:ln>
+          </p:spPr>
+        </p:pic>
+        <p:sp>
+          <p:nvSpPr>
+            <p:cNvPr id="11" name="Rectangle 10"/>
+            <p:cNvSpPr/>
+            <p:nvPr/>
+          </p:nvSpPr>
+          <p:spPr bwMode="auto">
+            <a:xfrm>
+              <a:off x="4618037" y="1497713"/>
+              <a:ext cx="2952750" cy="373949"/>
+            </a:xfrm>
+            <a:prstGeom prst="rect">
+              <a:avLst/>
+            </a:prstGeom>
+            <a:solidFill>
+              <a:schemeClr val="accent5"/>
+            </a:solidFill>
+            <a:ln>
+              <a:noFill/>
+              <a:headEnd type="none" w="med" len="med"/>
+              <a:tailEnd type="none" w="med" len="med"/>
+            </a:ln>
+            <a:effectLst/>
+          </p:spPr>
+          <p:style>
+            <a:lnRef idx="1">
+              <a:schemeClr val="accent2"/>
+            </a:lnRef>
+            <a:fillRef idx="3">
+              <a:schemeClr val="accent2"/>
+            </a:fillRef>
+            <a:effectRef idx="2">
+              <a:schemeClr val="accent2"/>
+            </a:effectRef>
+            <a:fontRef idx="minor">
+              <a:schemeClr val="lt1"/>
+            </a:fontRef>
+          </p:style>
+          <p:txBody>
+            <a:bodyPr rot="0" spcFirstLastPara="0" vertOverflow="overflow" horzOverflow="overflow" vert="horz" wrap="square" lIns="45720" tIns="45720" rIns="45720" bIns="45720" numCol="1" spcCol="0" rtlCol="0" fromWordArt="0" anchor="ctr" anchorCtr="0" forceAA="0" compatLnSpc="1">
+              <a:prstTxWarp prst="textNoShape">
+                <a:avLst/>
+              </a:prstTxWarp>
+              <a:noAutofit/>
+            </a:bodyPr>
+            <a:lstStyle/>
+            <a:p>
+              <a:pPr algn="ctr" defTabSz="914099" fontAlgn="base">
+                <a:spcBef>
+                  <a:spcPct val="0"/>
+                </a:spcBef>
+                <a:spcAft>
+                  <a:spcPct val="0"/>
+                </a:spcAft>
+              </a:pPr>
+              <a:r>
+                <a:rPr lang="en-US" dirty="0" smtClean="0">
+                  <a:gradFill>
+                    <a:gsLst>
+                      <a:gs pos="0">
+                        <a:srgbClr val="FFFFFF"/>
+                      </a:gs>
+                      <a:gs pos="100000">
+                        <a:srgbClr val="FFFFFF"/>
+                      </a:gs>
+                    </a:gsLst>
+                    <a:lin ang="5400000" scaled="0"/>
+                  </a:gradFill>
+                  <a:latin typeface="Arial" panose="020B0604020202020204" pitchFamily="34" charset="0"/>
+                  <a:ea typeface="Segoe UI" pitchFamily="34" charset="0"/>
+                  <a:cs typeface="Arial" panose="020B0604020202020204" pitchFamily="34" charset="0"/>
+                </a:rPr>
+                <a:t>Contact</a:t>
+              </a:r>
+            </a:p>
+          </p:txBody>
+        </p:sp>
+      </p:grpSp>
+      <p:grpSp>
+        <p:nvGrpSpPr>
+          <p:cNvPr id="6" name="Group 5"/>
+          <p:cNvGrpSpPr/>
+          <p:nvPr/>
+        </p:nvGrpSpPr>
+        <p:grpSpPr>
+          <a:xfrm>
+            <a:off x="7666148" y="2416873"/>
+            <a:ext cx="2075754" cy="2761000"/>
+            <a:chOff x="8106123" y="2853438"/>
+            <a:chExt cx="2075754" cy="2761000"/>
+          </a:xfrm>
+        </p:grpSpPr>
+        <p:pic>
+          <p:nvPicPr>
+            <p:cNvPr id="7" name="Picture 6"/>
+            <p:cNvPicPr>
+              <a:picLocks noChangeAspect="1"/>
+            </p:cNvPicPr>
+            <p:nvPr/>
+          </p:nvPicPr>
+          <p:blipFill>
+            <a:blip r:embed="rId3"/>
+            <a:stretch>
+              <a:fillRect/>
+            </a:stretch>
+          </p:blipFill>
+          <p:spPr>
+            <a:xfrm>
+              <a:off x="8117411" y="3223663"/>
+              <a:ext cx="2057400" cy="2390775"/>
+            </a:xfrm>
+            <a:prstGeom prst="rect">
+              <a:avLst/>
+            </a:prstGeom>
+            <a:ln>
+              <a:solidFill>
+                <a:schemeClr val="bg1">
+                  <a:lumMod val="50000"/>
+                </a:schemeClr>
+              </a:solidFill>
+            </a:ln>
+          </p:spPr>
+        </p:pic>
+        <p:sp>
+          <p:nvSpPr>
+            <p:cNvPr id="8" name="Rectangle 7"/>
+            <p:cNvSpPr/>
+            <p:nvPr/>
+          </p:nvSpPr>
+          <p:spPr bwMode="auto">
+            <a:xfrm>
+              <a:off x="8106123" y="2853438"/>
+              <a:ext cx="2075754" cy="373949"/>
+            </a:xfrm>
+            <a:prstGeom prst="rect">
+              <a:avLst/>
+            </a:prstGeom>
+            <a:solidFill>
+              <a:schemeClr val="accent5"/>
+            </a:solidFill>
+            <a:ln>
+              <a:noFill/>
+              <a:headEnd type="none" w="med" len="med"/>
+              <a:tailEnd type="none" w="med" len="med"/>
+            </a:ln>
+            <a:effectLst/>
+          </p:spPr>
+          <p:style>
+            <a:lnRef idx="1">
+              <a:schemeClr val="accent2"/>
+            </a:lnRef>
+            <a:fillRef idx="3">
+              <a:schemeClr val="accent2"/>
+            </a:fillRef>
+            <a:effectRef idx="2">
+              <a:schemeClr val="accent2"/>
+            </a:effectRef>
+            <a:fontRef idx="minor">
+              <a:schemeClr val="lt1"/>
+            </a:fontRef>
+          </p:style>
+          <p:txBody>
+            <a:bodyPr rot="0" spcFirstLastPara="0" vertOverflow="overflow" horzOverflow="overflow" vert="horz" wrap="square" lIns="45720" tIns="45720" rIns="45720" bIns="45720" numCol="1" spcCol="0" rtlCol="0" fromWordArt="0" anchor="ctr" anchorCtr="0" forceAA="0" compatLnSpc="1">
+              <a:prstTxWarp prst="textNoShape">
+                <a:avLst/>
+              </a:prstTxWarp>
+              <a:noAutofit/>
+            </a:bodyPr>
+            <a:lstStyle/>
+            <a:p>
+              <a:pPr algn="ctr" defTabSz="914099" fontAlgn="base">
+                <a:spcBef>
+                  <a:spcPct val="0"/>
+                </a:spcBef>
+                <a:spcAft>
+                  <a:spcPct val="0"/>
+                </a:spcAft>
+              </a:pPr>
+              <a:r>
+                <a:rPr lang="en-US" dirty="0" smtClean="0">
+                  <a:gradFill>
+                    <a:gsLst>
+                      <a:gs pos="0">
+                        <a:srgbClr val="FFFFFF"/>
+                      </a:gs>
+                      <a:gs pos="100000">
+                        <a:srgbClr val="FFFFFF"/>
+                      </a:gs>
+                    </a:gsLst>
+                    <a:lin ang="5400000" scaled="0"/>
+                  </a:gradFill>
+                  <a:latin typeface="Arial" panose="020B0604020202020204" pitchFamily="34" charset="0"/>
+                  <a:ea typeface="Segoe UI" pitchFamily="34" charset="0"/>
+                  <a:cs typeface="Arial" panose="020B0604020202020204" pitchFamily="34" charset="0"/>
+                </a:rPr>
+                <a:t>Event</a:t>
+              </a:r>
+            </a:p>
+          </p:txBody>
+        </p:sp>
+      </p:grpSp>
     </p:spTree>
     <p:extLst>
       <p:ext uri="{BB962C8B-B14F-4D97-AF65-F5344CB8AC3E}">
@@ -13054,7 +14680,7 @@
 </p:sld>
 </file>
 
-<file path=ppt/slides/slide18.xml><?xml version="1.0" encoding="utf-8"?>
+<file path=ppt/slides/slide23.xml><?xml version="1.0" encoding="utf-8"?>
 <p:sld xmlns:a="http://schemas.openxmlformats.org/drawingml/2006/main" xmlns:r="http://schemas.openxmlformats.org/officeDocument/2006/relationships" xmlns:p="http://schemas.openxmlformats.org/presentationml/2006/main">
   <p:cSld>
     <p:spTree>
@@ -13425,151 +15051,6 @@
     </mc:Choice>
     <mc:Fallback xmlns="">
       <p:transition spd="slow">
-        <p:fade/>
-      </p:transition>
-    </mc:Fallback>
-  </mc:AlternateContent>
-  <p:timing>
-    <p:tnLst>
-      <p:par>
-        <p:cTn id="1" dur="indefinite" restart="never" nodeType="tmRoot"/>
-      </p:par>
-    </p:tnLst>
-  </p:timing>
-</p:sld>
-</file>
-
-<file path=ppt/slides/slide2.xml><?xml version="1.0" encoding="utf-8"?>
-<p:sld xmlns:a="http://schemas.openxmlformats.org/drawingml/2006/main" xmlns:r="http://schemas.openxmlformats.org/officeDocument/2006/relationships" xmlns:p="http://schemas.openxmlformats.org/presentationml/2006/main">
-  <p:cSld>
-    <p:spTree>
-      <p:nvGrpSpPr>
-        <p:cNvPr id="1" name=""/>
-        <p:cNvGrpSpPr/>
-        <p:nvPr/>
-      </p:nvGrpSpPr>
-      <p:grpSpPr>
-        <a:xfrm>
-          <a:off x="0" y="0"/>
-          <a:ext cx="0" cy="0"/>
-          <a:chOff x="0" y="0"/>
-          <a:chExt cx="0" cy="0"/>
-        </a:xfrm>
-      </p:grpSpPr>
-      <p:sp>
-        <p:nvSpPr>
-          <p:cNvPr id="2" name="Text Placeholder 1"/>
-          <p:cNvSpPr>
-            <a:spLocks noGrp="1"/>
-          </p:cNvSpPr>
-          <p:nvPr>
-            <p:ph type="body" sz="quarter" idx="15"/>
-          </p:nvPr>
-        </p:nvSpPr>
-        <p:spPr>
-          <a:xfrm>
-            <a:off x="4708936" y="1814048"/>
-            <a:ext cx="7346043" cy="2881519"/>
-          </a:xfrm>
-        </p:spPr>
-        <p:txBody>
-          <a:bodyPr/>
-          <a:lstStyle/>
-          <a:p>
-            <a:r>
-              <a:rPr lang="en-US" dirty="0" smtClean="0"/>
-              <a:t>Introduction</a:t>
-            </a:r>
-          </a:p>
-          <a:p>
-            <a:r>
-              <a:rPr lang="en-US" baseline="0" dirty="0" smtClean="0"/>
-              <a:t>Universal App projects</a:t>
-            </a:r>
-          </a:p>
-          <a:p>
-            <a:r>
-              <a:rPr lang="en-US" dirty="0" smtClean="0"/>
-              <a:t>Integrating Office 365 APIs</a:t>
-            </a:r>
-            <a:r>
-              <a:rPr lang="en-US" baseline="0" dirty="0" smtClean="0"/>
-              <a:t> </a:t>
-            </a:r>
-            <a:endParaRPr lang="en-US" dirty="0" smtClean="0"/>
-          </a:p>
-        </p:txBody>
-      </p:sp>
-      <p:pic>
-        <p:nvPicPr>
-          <p:cNvPr id="4" name="Picture Placeholder 3"/>
-          <p:cNvPicPr>
-            <a:picLocks noGrp="1" noChangeAspect="1"/>
-          </p:cNvPicPr>
-          <p:nvPr>
-            <p:ph type="pic" sz="quarter" idx="16"/>
-          </p:nvPr>
-        </p:nvPicPr>
-        <p:blipFill>
-          <a:blip r:embed="rId3">
-            <a:extLst>
-              <a:ext uri="{28A0092B-C50C-407E-A947-70E740481C1C}">
-                <a14:useLocalDpi xmlns:a14="http://schemas.microsoft.com/office/drawing/2010/main" val="0"/>
-              </a:ext>
-            </a:extLst>
-          </a:blip>
-          <a:stretch>
-            <a:fillRect/>
-          </a:stretch>
-        </p:blipFill>
-        <p:spPr>
-          <a:xfrm>
-            <a:off x="269169" y="1905492"/>
-            <a:ext cx="4301734" cy="2865616"/>
-          </a:xfrm>
-        </p:spPr>
-      </p:pic>
-      <p:sp>
-        <p:nvSpPr>
-          <p:cNvPr id="5" name="Title 4"/>
-          <p:cNvSpPr>
-            <a:spLocks noGrp="1"/>
-          </p:cNvSpPr>
-          <p:nvPr>
-            <p:ph type="title"/>
-          </p:nvPr>
-        </p:nvSpPr>
-        <p:spPr/>
-        <p:txBody>
-          <a:bodyPr/>
-          <a:lstStyle/>
-          <a:p>
-            <a:r>
-              <a:rPr lang="en-US" dirty="0" smtClean="0"/>
-              <a:t>Agenda</a:t>
-            </a:r>
-            <a:endParaRPr lang="en-US" dirty="0"/>
-          </a:p>
-        </p:txBody>
-      </p:sp>
-    </p:spTree>
-    <p:extLst>
-      <p:ext uri="{BB962C8B-B14F-4D97-AF65-F5344CB8AC3E}">
-        <p14:creationId xmlns:p14="http://schemas.microsoft.com/office/powerpoint/2010/main" val="201996691"/>
-      </p:ext>
-    </p:extLst>
-  </p:cSld>
-  <p:clrMapOvr>
-    <a:masterClrMapping/>
-  </p:clrMapOvr>
-  <mc:AlternateContent xmlns:mc="http://schemas.openxmlformats.org/markup-compatibility/2006" xmlns:p14="http://schemas.microsoft.com/office/powerpoint/2010/main">
-    <mc:Choice Requires="p14">
-      <p:transition spd="med" p14:dur="700">
-        <p:fade/>
-      </p:transition>
-    </mc:Choice>
-    <mc:Fallback xmlns="">
-      <p:transition spd="med">
         <p:fade/>
       </p:transition>
     </mc:Fallback>
@@ -15741,6 +17222,24 @@
 </file>
 
 <file path=customXml/item1.xml><?xml version="1.0" encoding="utf-8"?>
+<?mso-contentType ?>
+<FormTemplates xmlns="http://schemas.microsoft.com/sharepoint/v3/contenttype/forms">
+  <Display>DocumentLibraryForm</Display>
+  <Edit>DocumentLibraryForm</Edit>
+  <New>DocumentLibraryForm</New>
+</FormTemplates>
+</file>
+
+<file path=customXml/item2.xml><?xml version="1.0" encoding="utf-8"?>
+<p:properties xmlns:p="http://schemas.microsoft.com/office/2006/metadata/properties" xmlns:xsi="http://www.w3.org/2001/XMLSchema-instance" xmlns:pc="http://schemas.microsoft.com/office/infopath/2007/PartnerControls">
+  <documentManagement>
+    <Company xmlns="http://schemas.microsoft.com/sharepoint/v3">Critical Path</Company>
+    <Project xmlns="c7dd7a47-5eb0-4219-9c75-8258c822be9e" xsi:nil="true"/>
+  </documentManagement>
+</p:properties>
+</file>
+
+<file path=customXml/item3.xml><?xml version="1.0" encoding="utf-8"?>
 <ct:contentTypeSchema xmlns:ct="http://schemas.microsoft.com/office/2006/metadata/contentType" xmlns:ma="http://schemas.microsoft.com/office/2006/metadata/properties/metaAttributes" ct:_="" ma:_="" ma:contentTypeName="Document" ma:contentTypeID="0x0101006D61B4CFCB5D8D4A8E65D32A29D8DB3E" ma:contentTypeVersion="3" ma:contentTypeDescription="Create a new document." ma:contentTypeScope="" ma:versionID="f0276697cd14aa124c054602ce8fe3c5">
   <xsd:schema xmlns:xsd="http://www.w3.org/2001/XMLSchema" xmlns:xs="http://www.w3.org/2001/XMLSchema" xmlns:p="http://schemas.microsoft.com/office/2006/metadata/properties" xmlns:ns1="http://schemas.microsoft.com/sharepoint/v3" xmlns:ns2="c7dd7a47-5eb0-4219-9c75-8258c822be9e" targetNamespace="http://schemas.microsoft.com/office/2006/metadata/properties" ma:root="true" ma:fieldsID="ce85d22485e5625b9ccd59583b658dde" ns1:_="" ns2:_="">
     <xsd:import namespace="http://schemas.microsoft.com/sharepoint/v3"/>
@@ -15879,25 +17378,32 @@
 </ct:contentTypeSchema>
 </file>
 
-<file path=customXml/item2.xml><?xml version="1.0" encoding="utf-8"?>
-<p:properties xmlns:p="http://schemas.microsoft.com/office/2006/metadata/properties" xmlns:xsi="http://www.w3.org/2001/XMLSchema-instance" xmlns:pc="http://schemas.microsoft.com/office/infopath/2007/PartnerControls">
-  <documentManagement>
-    <Company xmlns="http://schemas.microsoft.com/sharepoint/v3">Critical Path</Company>
-    <Project xmlns="c7dd7a47-5eb0-4219-9c75-8258c822be9e" xsi:nil="true"/>
-  </documentManagement>
-</p:properties>
+<file path=customXml/itemProps1.xml><?xml version="1.0" encoding="utf-8"?>
+<ds:datastoreItem xmlns:ds="http://schemas.openxmlformats.org/officeDocument/2006/customXml" ds:itemID="{E1E0CE18-CA03-4891-9CD8-3448778E3D53}">
+  <ds:schemaRefs>
+    <ds:schemaRef ds:uri="http://schemas.microsoft.com/sharepoint/v3/contenttype/forms"/>
+  </ds:schemaRefs>
+</ds:datastoreItem>
 </file>
 
-<file path=customXml/item3.xml><?xml version="1.0" encoding="utf-8"?>
-<?mso-contentType ?>
-<FormTemplates xmlns="http://schemas.microsoft.com/sharepoint/v3/contenttype/forms">
-  <Display>DocumentLibraryForm</Display>
-  <Edit>DocumentLibraryForm</Edit>
-  <New>DocumentLibraryForm</New>
-</FormTemplates>
+<file path=customXml/itemProps2.xml><?xml version="1.0" encoding="utf-8"?>
+<ds:datastoreItem xmlns:ds="http://schemas.openxmlformats.org/officeDocument/2006/customXml" ds:itemID="{DA593625-DB14-4FB0-B5A9-3269FA9C120B}">
+  <ds:schemaRefs>
+    <ds:schemaRef ds:uri="http://schemas.microsoft.com/sharepoint/v3"/>
+    <ds:schemaRef ds:uri="http://purl.org/dc/terms/"/>
+    <ds:schemaRef ds:uri="http://schemas.microsoft.com/office/2006/documentManagement/types"/>
+    <ds:schemaRef ds:uri="http://purl.org/dc/dcmitype/"/>
+    <ds:schemaRef ds:uri="http://schemas.microsoft.com/office/infopath/2007/PartnerControls"/>
+    <ds:schemaRef ds:uri="c7dd7a47-5eb0-4219-9c75-8258c822be9e"/>
+    <ds:schemaRef ds:uri="http://purl.org/dc/elements/1.1/"/>
+    <ds:schemaRef ds:uri="http://schemas.microsoft.com/office/2006/metadata/properties"/>
+    <ds:schemaRef ds:uri="http://schemas.openxmlformats.org/package/2006/metadata/core-properties"/>
+    <ds:schemaRef ds:uri="http://www.w3.org/XML/1998/namespace"/>
+  </ds:schemaRefs>
+</ds:datastoreItem>
 </file>
 
-<file path=customXml/itemProps1.xml><?xml version="1.0" encoding="utf-8"?>
+<file path=customXml/itemProps3.xml><?xml version="1.0" encoding="utf-8"?>
 <ds:datastoreItem xmlns:ds="http://schemas.openxmlformats.org/officeDocument/2006/customXml" ds:itemID="{EF3CB00D-FBE3-46CD-905F-2C1357C53E46}">
   <ds:schemaRefs>
     <ds:schemaRef ds:uri="http://schemas.microsoft.com/office/2006/metadata/contentType"/>
@@ -15914,23 +17420,4 @@
     <ds:schemaRef ds:uri="http://schemas.microsoft.com/internal/obd"/>
   </ds:schemaRefs>
 </ds:datastoreItem>
-</file>
-
-<file path=customXml/itemProps2.xml><?xml version="1.0" encoding="utf-8"?>
-<ds:datastoreItem xmlns:ds="http://schemas.openxmlformats.org/officeDocument/2006/customXml" ds:itemID="{DA593625-DB14-4FB0-B5A9-3269FA9C120B}">
-  <ds:schemaRefs>
-    <ds:schemaRef ds:uri="http://schemas.microsoft.com/office/2006/metadata/properties"/>
-    <ds:schemaRef ds:uri="http://schemas.microsoft.com/office/infopath/2007/PartnerControls"/>
-    <ds:schemaRef ds:uri="http://schemas.microsoft.com/sharepoint/v3"/>
-    <ds:schemaRef ds:uri="c7dd7a47-5eb0-4219-9c75-8258c822be9e"/>
-  </ds:schemaRefs>
-</ds:datastoreItem>
-</file>
-
-<file path=customXml/itemProps3.xml><?xml version="1.0" encoding="utf-8"?>
-<ds:datastoreItem xmlns:ds="http://schemas.openxmlformats.org/officeDocument/2006/customXml" ds:itemID="{E1E0CE18-CA03-4891-9CD8-3448778E3D53}">
-  <ds:schemaRefs>
-    <ds:schemaRef ds:uri="http://schemas.microsoft.com/sharepoint/v3/contenttype/forms"/>
-  </ds:schemaRefs>
-</ds:datastoreItem>
 </file>
--- a/O3654-5 Deep dive into native Universal Windows App Development with Office 365 APIs/Deep Dive into native Universal App development with Office 365 APIs.pptx
+++ b/O3654-5 Deep dive into native Universal Windows App Development with Office 365 APIs/Deep Dive into native Universal App development with Office 365 APIs.pptx
@@ -25,14 +25,14 @@
     <p:sldId id="661" r:id="rId16"/>
     <p:sldId id="669" r:id="rId17"/>
     <p:sldId id="670" r:id="rId18"/>
-    <p:sldId id="675" r:id="rId19"/>
-    <p:sldId id="677" r:id="rId20"/>
-    <p:sldId id="678" r:id="rId21"/>
-    <p:sldId id="676" r:id="rId22"/>
-    <p:sldId id="671" r:id="rId23"/>
-    <p:sldId id="673" r:id="rId24"/>
-    <p:sldId id="679" r:id="rId25"/>
-    <p:sldId id="672" r:id="rId26"/>
+    <p:sldId id="677" r:id="rId19"/>
+    <p:sldId id="678" r:id="rId20"/>
+    <p:sldId id="676" r:id="rId21"/>
+    <p:sldId id="671" r:id="rId22"/>
+    <p:sldId id="673" r:id="rId23"/>
+    <p:sldId id="679" r:id="rId24"/>
+    <p:sldId id="672" r:id="rId25"/>
+    <p:sldId id="680" r:id="rId26"/>
     <p:sldId id="674" r:id="rId27"/>
     <p:sldId id="654" r:id="rId28"/>
   </p:sldIdLst>
@@ -2403,7 +2403,7 @@
           <a:p>
             <a:fld id="{B4008EB6-D09E-4580-8CD6-DDB14511944F}" type="slidenum">
               <a:rPr lang="en-US" smtClean="0"/>
-              <a:t>19</a:t>
+              <a:t>18</a:t>
             </a:fld>
             <a:endParaRPr lang="en-US" dirty="0"/>
           </a:p>
@@ -12346,151 +12346,6 @@
       </p:grpSpPr>
       <p:sp>
         <p:nvSpPr>
-          <p:cNvPr id="2" name="Text Placeholder 1"/>
-          <p:cNvSpPr>
-            <a:spLocks noGrp="1"/>
-          </p:cNvSpPr>
-          <p:nvPr>
-            <p:ph type="body" sz="quarter" idx="10"/>
-          </p:nvPr>
-        </p:nvSpPr>
-        <p:spPr>
-          <a:xfrm>
-            <a:off x="2096900" y="5095108"/>
-            <a:ext cx="7954127" cy="905864"/>
-          </a:xfrm>
-        </p:spPr>
-        <p:txBody>
-          <a:bodyPr/>
-          <a:lstStyle/>
-          <a:p>
-            <a:endParaRPr lang="en-US"/>
-          </a:p>
-        </p:txBody>
-      </p:sp>
-      <p:sp>
-        <p:nvSpPr>
-          <p:cNvPr id="3" name="Title 2"/>
-          <p:cNvSpPr>
-            <a:spLocks noGrp="1"/>
-          </p:cNvSpPr>
-          <p:nvPr>
-            <p:ph type="title"/>
-          </p:nvPr>
-        </p:nvSpPr>
-        <p:spPr/>
-        <p:txBody>
-          <a:bodyPr/>
-          <a:lstStyle/>
-          <a:p>
-            <a:r>
-              <a:rPr lang="en-US" dirty="0" smtClean="0"/>
-              <a:t>Add Connected Service</a:t>
-            </a:r>
-            <a:endParaRPr lang="en-US" dirty="0"/>
-          </a:p>
-        </p:txBody>
-      </p:sp>
-      <p:sp>
-        <p:nvSpPr>
-          <p:cNvPr id="4" name="Slide Number Placeholder 3"/>
-          <p:cNvSpPr>
-            <a:spLocks noGrp="1"/>
-          </p:cNvSpPr>
-          <p:nvPr>
-            <p:ph type="sldNum" sz="quarter" idx="12"/>
-          </p:nvPr>
-        </p:nvSpPr>
-        <p:spPr/>
-        <p:txBody>
-          <a:bodyPr/>
-          <a:lstStyle/>
-          <a:p>
-            <a:fld id="{727B4C2D-45E2-4621-8491-2995EB46A674}" type="slidenum">
-              <a:rPr lang="en-US" smtClean="0"/>
-              <a:pPr/>
-              <a:t>14</a:t>
-            </a:fld>
-            <a:endParaRPr lang="en-US" dirty="0"/>
-          </a:p>
-        </p:txBody>
-      </p:sp>
-      <p:pic>
-        <p:nvPicPr>
-          <p:cNvPr id="1026" name="Picture 2" descr="C:\Users\Paul\AppData\Local\Temp\SNAGHTML2dc2467.PNG"/>
-          <p:cNvPicPr>
-            <a:picLocks noChangeAspect="1" noChangeArrowheads="1"/>
-          </p:cNvPicPr>
-          <p:nvPr/>
-        </p:nvPicPr>
-        <p:blipFill>
-          <a:blip r:embed="rId2">
-            <a:extLst>
-              <a:ext uri="{28A0092B-C50C-407E-A947-70E740481C1C}">
-                <a14:useLocalDpi xmlns:a14="http://schemas.microsoft.com/office/drawing/2010/main" val="0"/>
-              </a:ext>
-            </a:extLst>
-          </a:blip>
-          <a:srcRect/>
-          <a:stretch>
-            <a:fillRect/>
-          </a:stretch>
-        </p:blipFill>
-        <p:spPr bwMode="auto">
-          <a:xfrm>
-            <a:off x="1733364" y="1333388"/>
-            <a:ext cx="8800166" cy="4709278"/>
-          </a:xfrm>
-          <a:prstGeom prst="rect">
-            <a:avLst/>
-          </a:prstGeom>
-          <a:noFill/>
-          <a:extLst>
-            <a:ext uri="{909E8E84-426E-40DD-AFC4-6F175D3DCCD1}">
-              <a14:hiddenFill xmlns:a14="http://schemas.microsoft.com/office/drawing/2010/main">
-                <a:solidFill>
-                  <a:srgbClr val="FFFFFF"/>
-                </a:solidFill>
-              </a14:hiddenFill>
-            </a:ext>
-          </a:extLst>
-        </p:spPr>
-      </p:pic>
-    </p:spTree>
-    <p:extLst>
-      <p:ext uri="{BB962C8B-B14F-4D97-AF65-F5344CB8AC3E}">
-        <p14:creationId xmlns:p14="http://schemas.microsoft.com/office/powerpoint/2010/main" val="2253232698"/>
-      </p:ext>
-    </p:extLst>
-  </p:cSld>
-  <p:clrMapOvr>
-    <a:masterClrMapping/>
-  </p:clrMapOvr>
-  <p:transition>
-    <p:fade/>
-  </p:transition>
-</p:sld>
-</file>
-
-<file path=ppt/slides/slide15.xml><?xml version="1.0" encoding="utf-8"?>
-<p:sld xmlns:a="http://schemas.openxmlformats.org/drawingml/2006/main" xmlns:r="http://schemas.openxmlformats.org/officeDocument/2006/relationships" xmlns:p="http://schemas.openxmlformats.org/presentationml/2006/main">
-  <p:cSld>
-    <p:spTree>
-      <p:nvGrpSpPr>
-        <p:cNvPr id="1" name=""/>
-        <p:cNvGrpSpPr/>
-        <p:nvPr/>
-      </p:nvGrpSpPr>
-      <p:grpSpPr>
-        <a:xfrm>
-          <a:off x="0" y="0"/>
-          <a:ext cx="0" cy="0"/>
-          <a:chOff x="0" y="0"/>
-          <a:chExt cx="0" cy="0"/>
-        </a:xfrm>
-      </p:grpSpPr>
-      <p:sp>
-        <p:nvSpPr>
           <p:cNvPr id="2" name="Title 1"/>
           <p:cNvSpPr>
             <a:spLocks noGrp="1"/>
@@ -12542,7 +12397,7 @@
                 </a:gradFill>
               </a:rPr>
               <a:pPr/>
-              <a:t>15</a:t>
+              <a:t>14</a:t>
             </a:fld>
             <a:endParaRPr lang="en-US" dirty="0">
               <a:gradFill>
@@ -12887,7 +12742,7 @@
 </p:sld>
 </file>
 
-<file path=ppt/slides/slide16.xml><?xml version="1.0" encoding="utf-8"?>
+<file path=ppt/slides/slide15.xml><?xml version="1.0" encoding="utf-8"?>
 <p:sld xmlns:a="http://schemas.openxmlformats.org/drawingml/2006/main" xmlns:r="http://schemas.openxmlformats.org/officeDocument/2006/relationships" xmlns:p="http://schemas.openxmlformats.org/presentationml/2006/main">
   <p:cSld>
     <p:spTree>
@@ -12965,7 +12820,7 @@
                 </a:gradFill>
               </a:rPr>
               <a:pPr/>
-              <a:t>16</a:t>
+              <a:t>15</a:t>
             </a:fld>
             <a:endParaRPr lang="en-US" dirty="0">
               <a:gradFill>
@@ -13282,7 +13137,7 @@
 </p:sld>
 </file>
 
-<file path=ppt/slides/slide17.xml><?xml version="1.0" encoding="utf-8"?>
+<file path=ppt/slides/slide16.xml><?xml version="1.0" encoding="utf-8"?>
 <p:sld xmlns:a="http://schemas.openxmlformats.org/drawingml/2006/main" xmlns:r="http://schemas.openxmlformats.org/officeDocument/2006/relationships" xmlns:p="http://schemas.openxmlformats.org/presentationml/2006/main">
   <p:cSld>
     <p:spTree>
@@ -13371,7 +13226,7 @@
             <a:fld id="{727B4C2D-45E2-4621-8491-2995EB46A674}" type="slidenum">
               <a:rPr lang="en-US" smtClean="0"/>
               <a:pPr/>
-              <a:t>17</a:t>
+              <a:t>16</a:t>
             </a:fld>
             <a:endParaRPr lang="en-US" dirty="0"/>
           </a:p>
@@ -13417,6 +13272,172 @@
 </p:sld>
 </file>
 
+<file path=ppt/slides/slide17.xml><?xml version="1.0" encoding="utf-8"?>
+<p:sld xmlns:a="http://schemas.openxmlformats.org/drawingml/2006/main" xmlns:r="http://schemas.openxmlformats.org/officeDocument/2006/relationships" xmlns:p="http://schemas.openxmlformats.org/presentationml/2006/main">
+  <p:cSld>
+    <p:spTree>
+      <p:nvGrpSpPr>
+        <p:cNvPr id="1" name=""/>
+        <p:cNvGrpSpPr/>
+        <p:nvPr/>
+      </p:nvGrpSpPr>
+      <p:grpSpPr>
+        <a:xfrm>
+          <a:off x="0" y="0"/>
+          <a:ext cx="0" cy="0"/>
+          <a:chOff x="0" y="0"/>
+          <a:chExt cx="0" cy="0"/>
+        </a:xfrm>
+      </p:grpSpPr>
+      <p:sp>
+        <p:nvSpPr>
+          <p:cNvPr id="2" name="Text Placeholder 1"/>
+          <p:cNvSpPr>
+            <a:spLocks noGrp="1"/>
+          </p:cNvSpPr>
+          <p:nvPr>
+            <p:ph type="body" sz="quarter" idx="10"/>
+          </p:nvPr>
+        </p:nvSpPr>
+        <p:spPr>
+          <a:xfrm>
+            <a:off x="519112" y="1447798"/>
+            <a:ext cx="11149013" cy="4594413"/>
+          </a:xfrm>
+        </p:spPr>
+        <p:txBody>
+          <a:bodyPr/>
+          <a:lstStyle/>
+          <a:p>
+            <a:r>
+              <a:rPr lang="en-US" dirty="0" smtClean="0"/>
+              <a:t>Web-based</a:t>
+            </a:r>
+            <a:r>
+              <a:rPr lang="en-US" baseline="0" dirty="0" smtClean="0"/>
+              <a:t> apps use passive authentication</a:t>
+            </a:r>
+          </a:p>
+          <a:p>
+            <a:pPr lvl="1"/>
+            <a:r>
+              <a:rPr lang="en-US" dirty="0" smtClean="0"/>
+              <a:t>Accomplished via browser</a:t>
+            </a:r>
+            <a:r>
+              <a:rPr lang="en-US" baseline="0" dirty="0" smtClean="0"/>
+              <a:t> redirects</a:t>
+            </a:r>
+          </a:p>
+          <a:p>
+            <a:pPr lvl="0"/>
+            <a:r>
+              <a:rPr lang="en-US" dirty="0" smtClean="0"/>
+              <a:t>Universal Apps use active authentication</a:t>
+            </a:r>
+          </a:p>
+          <a:p>
+            <a:pPr lvl="1"/>
+            <a:r>
+              <a:rPr lang="en-US" dirty="0" smtClean="0"/>
+              <a:t>App code (or library code) initiates call to authentication</a:t>
+            </a:r>
+            <a:r>
+              <a:rPr lang="en-US" baseline="0" dirty="0" smtClean="0"/>
+              <a:t> source</a:t>
+            </a:r>
+            <a:endParaRPr lang="en-US" dirty="0" smtClean="0"/>
+          </a:p>
+          <a:p>
+            <a:pPr lvl="0"/>
+            <a:r>
+              <a:rPr lang="en-US" dirty="0" smtClean="0"/>
+              <a:t>The “Connected Service” wizard adds the appropriate library</a:t>
+            </a:r>
+          </a:p>
+          <a:p>
+            <a:pPr lvl="1"/>
+            <a:r>
+              <a:rPr lang="en-US" dirty="0" smtClean="0"/>
+              <a:t>Microsoft.Office365.OAuth.Web.dll for web projects</a:t>
+            </a:r>
+          </a:p>
+          <a:p>
+            <a:pPr lvl="1"/>
+            <a:r>
+              <a:rPr lang="en-US" dirty="0" smtClean="0"/>
+              <a:t>Microsoft.Office365.OAuth.WindowsStore.dll for native projects</a:t>
+            </a:r>
+          </a:p>
+        </p:txBody>
+      </p:sp>
+      <p:sp>
+        <p:nvSpPr>
+          <p:cNvPr id="3" name="Title 2"/>
+          <p:cNvSpPr>
+            <a:spLocks noGrp="1"/>
+          </p:cNvSpPr>
+          <p:nvPr>
+            <p:ph type="title"/>
+          </p:nvPr>
+        </p:nvSpPr>
+        <p:spPr/>
+        <p:txBody>
+          <a:bodyPr/>
+          <a:lstStyle/>
+          <a:p>
+            <a:r>
+              <a:rPr lang="en-US" dirty="0" err="1" smtClean="0"/>
+              <a:t>OAuth</a:t>
+            </a:r>
+            <a:r>
+              <a:rPr lang="en-US" dirty="0" smtClean="0"/>
+              <a:t> Implementation</a:t>
+            </a:r>
+            <a:endParaRPr lang="en-US" dirty="0"/>
+          </a:p>
+        </p:txBody>
+      </p:sp>
+      <p:sp>
+        <p:nvSpPr>
+          <p:cNvPr id="4" name="Slide Number Placeholder 3"/>
+          <p:cNvSpPr>
+            <a:spLocks noGrp="1"/>
+          </p:cNvSpPr>
+          <p:nvPr>
+            <p:ph type="sldNum" sz="quarter" idx="12"/>
+          </p:nvPr>
+        </p:nvSpPr>
+        <p:spPr/>
+        <p:txBody>
+          <a:bodyPr/>
+          <a:lstStyle/>
+          <a:p>
+            <a:fld id="{727B4C2D-45E2-4621-8491-2995EB46A674}" type="slidenum">
+              <a:rPr lang="en-US" smtClean="0"/>
+              <a:pPr/>
+              <a:t>17</a:t>
+            </a:fld>
+            <a:endParaRPr lang="en-US" dirty="0"/>
+          </a:p>
+        </p:txBody>
+      </p:sp>
+    </p:spTree>
+    <p:extLst>
+      <p:ext uri="{BB962C8B-B14F-4D97-AF65-F5344CB8AC3E}">
+        <p14:creationId xmlns:p14="http://schemas.microsoft.com/office/powerpoint/2010/main" val="2821960853"/>
+      </p:ext>
+    </p:extLst>
+  </p:cSld>
+  <p:clrMapOvr>
+    <a:masterClrMapping/>
+  </p:clrMapOvr>
+  <p:transition>
+    <p:fade/>
+  </p:transition>
+</p:sld>
+</file>
+
 <file path=ppt/slides/slide18.xml><?xml version="1.0" encoding="utf-8"?>
 <p:sld xmlns:a="http://schemas.openxmlformats.org/drawingml/2006/main" xmlns:r="http://schemas.openxmlformats.org/officeDocument/2006/relationships" xmlns:p="http://schemas.openxmlformats.org/presentationml/2006/main">
   <p:cSld>
@@ -13444,75 +13465,61 @@
             <p:ph type="body" sz="quarter" idx="10"/>
           </p:nvPr>
         </p:nvSpPr>
-        <p:spPr>
-          <a:xfrm>
-            <a:off x="519112" y="1447798"/>
-            <a:ext cx="11149013" cy="4594413"/>
-          </a:xfrm>
-        </p:spPr>
+        <p:spPr/>
         <p:txBody>
           <a:bodyPr/>
           <a:lstStyle/>
           <a:p>
             <a:r>
               <a:rPr lang="en-US" dirty="0" smtClean="0"/>
-              <a:t>Web-based</a:t>
+              <a:t>How it works</a:t>
+            </a:r>
+          </a:p>
+          <a:p>
+            <a:pPr lvl="1"/>
+            <a:r>
+              <a:rPr lang="en-US" dirty="0" smtClean="0"/>
+              <a:t>Create a </a:t>
+            </a:r>
+            <a:r>
+              <a:rPr lang="en-US" dirty="0" err="1" smtClean="0"/>
+              <a:t>DiscoveryContext</a:t>
+            </a:r>
+            <a:endParaRPr lang="en-US" dirty="0" smtClean="0"/>
+          </a:p>
+          <a:p>
+            <a:pPr lvl="2"/>
+            <a:r>
+              <a:rPr lang="en-US" dirty="0" err="1" smtClean="0"/>
+              <a:t>DiscoveryContext</a:t>
+            </a:r>
+            <a:r>
+              <a:rPr lang="en-US" dirty="0" smtClean="0"/>
+              <a:t> will invoke </a:t>
+            </a:r>
+            <a:r>
+              <a:rPr lang="en-US" dirty="0" err="1" smtClean="0"/>
+              <a:t>WebAuthenticationBroker</a:t>
+            </a:r>
+            <a:r>
+              <a:rPr lang="en-US" dirty="0" smtClean="0"/>
+              <a:t> (WAB)</a:t>
+            </a:r>
+          </a:p>
+          <a:p>
+            <a:pPr lvl="2"/>
+            <a:r>
+              <a:rPr lang="en-US" dirty="0" smtClean="0"/>
+              <a:t>WAB will display logon</a:t>
             </a:r>
             <a:r>
               <a:rPr lang="en-US" baseline="0" dirty="0" smtClean="0"/>
-              <a:t> apps use passive authentication</a:t>
-            </a:r>
-          </a:p>
-          <a:p>
-            <a:pPr lvl="1"/>
-            <a:r>
-              <a:rPr lang="en-US" dirty="0" smtClean="0"/>
-              <a:t>Accomplished via browser</a:t>
-            </a:r>
-            <a:r>
+              <a:t> form and common consent form</a:t>
+            </a:r>
+            <a:br>
               <a:rPr lang="en-US" baseline="0" dirty="0" smtClean="0"/>
-              <a:t> redirects</a:t>
-            </a:r>
-          </a:p>
-          <a:p>
-            <a:pPr lvl="0"/>
-            <a:r>
-              <a:rPr lang="en-US" dirty="0" smtClean="0"/>
-              <a:t>Universal Apps use active authentication</a:t>
-            </a:r>
-          </a:p>
-          <a:p>
-            <a:pPr lvl="1"/>
-            <a:r>
-              <a:rPr lang="en-US" dirty="0" smtClean="0"/>
-              <a:t>App code (or library code) initiates call to authentication</a:t>
-            </a:r>
-            <a:r>
-              <a:rPr lang="en-US" baseline="0" dirty="0" smtClean="0"/>
-              <a:t> source</a:t>
-            </a:r>
+            </a:br>
             <a:endParaRPr lang="en-US" dirty="0" smtClean="0"/>
-          </a:p>
-          <a:p>
-            <a:pPr lvl="0"/>
-            <a:r>
-              <a:rPr lang="en-US" dirty="0" smtClean="0"/>
-              <a:t>The “Connected Service” wizard adds the appropriate library</a:t>
-            </a:r>
-          </a:p>
-          <a:p>
-            <a:pPr lvl="1"/>
-            <a:r>
-              <a:rPr lang="en-US" dirty="0" smtClean="0"/>
-              <a:t>Microsoft.Office365.OAuth.Web.dll for web projects</a:t>
-            </a:r>
-          </a:p>
-          <a:p>
-            <a:pPr lvl="1"/>
-            <a:r>
-              <a:rPr lang="en-US" dirty="0" smtClean="0"/>
-              <a:t>Microsoft.Office365.OAuth.WindowsStore.dll for native projects</a:t>
-            </a:r>
           </a:p>
         </p:txBody>
       </p:sp>
@@ -13532,12 +13539,12 @@
           <a:lstStyle/>
           <a:p>
             <a:r>
-              <a:rPr lang="en-US" dirty="0" err="1" smtClean="0"/>
-              <a:t>OAuth</a:t>
-            </a:r>
-            <a:r>
               <a:rPr lang="en-US" dirty="0" smtClean="0"/>
-              <a:t> Implementation</a:t>
+              <a:t>Authentication in O365 API</a:t>
+            </a:r>
+            <a:r>
+              <a:rPr lang="en-US" baseline="0" dirty="0" smtClean="0"/>
+              <a:t> Libraries</a:t>
             </a:r>
             <a:endParaRPr lang="en-US" dirty="0"/>
           </a:p>
@@ -13567,10 +13574,260 @@
           </a:p>
         </p:txBody>
       </p:sp>
+      <p:sp>
+        <p:nvSpPr>
+          <p:cNvPr id="6" name="TextBox 5"/>
+          <p:cNvSpPr txBox="1"/>
+          <p:nvPr/>
+        </p:nvSpPr>
+        <p:spPr>
+          <a:xfrm>
+            <a:off x="920562" y="3801036"/>
+            <a:ext cx="10346112" cy="1846659"/>
+          </a:xfrm>
+          <a:prstGeom prst="rect">
+            <a:avLst/>
+          </a:prstGeom>
+          <a:noFill/>
+        </p:spPr>
+        <p:txBody>
+          <a:bodyPr wrap="square" lIns="0" tIns="0" rIns="0" bIns="0" rtlCol="0">
+            <a:spAutoFit/>
+          </a:bodyPr>
+          <a:lstStyle/>
+          <a:p>
+            <a:r>
+              <a:rPr lang="en-US" sz="2400" dirty="0">
+                <a:solidFill>
+                  <a:srgbClr val="0000FF"/>
+                </a:solidFill>
+                <a:highlight>
+                  <a:srgbClr val="FFFFFF"/>
+                </a:highlight>
+                <a:latin typeface="Consolas" panose="020B0609020204030204" pitchFamily="49" charset="0"/>
+              </a:rPr>
+              <a:t>if</a:t>
+            </a:r>
+            <a:r>
+              <a:rPr lang="en-US" sz="2400" dirty="0">
+                <a:solidFill>
+                  <a:srgbClr val="000000"/>
+                </a:solidFill>
+                <a:highlight>
+                  <a:srgbClr val="FFFFFF"/>
+                </a:highlight>
+                <a:latin typeface="Consolas" panose="020B0609020204030204" pitchFamily="49" charset="0"/>
+              </a:rPr>
+              <a:t> (_</a:t>
+            </a:r>
+            <a:r>
+              <a:rPr lang="en-US" sz="2400" dirty="0" err="1">
+                <a:solidFill>
+                  <a:srgbClr val="000000"/>
+                </a:solidFill>
+                <a:highlight>
+                  <a:srgbClr val="FFFFFF"/>
+                </a:highlight>
+                <a:latin typeface="Consolas" panose="020B0609020204030204" pitchFamily="49" charset="0"/>
+              </a:rPr>
+              <a:t>discoveryContext</a:t>
+            </a:r>
+            <a:r>
+              <a:rPr lang="en-US" sz="2400" dirty="0">
+                <a:solidFill>
+                  <a:srgbClr val="000000"/>
+                </a:solidFill>
+                <a:highlight>
+                  <a:srgbClr val="FFFFFF"/>
+                </a:highlight>
+                <a:latin typeface="Consolas" panose="020B0609020204030204" pitchFamily="49" charset="0"/>
+              </a:rPr>
+              <a:t> == </a:t>
+            </a:r>
+            <a:r>
+              <a:rPr lang="en-US" sz="2400" dirty="0">
+                <a:solidFill>
+                  <a:srgbClr val="0000FF"/>
+                </a:solidFill>
+                <a:highlight>
+                  <a:srgbClr val="FFFFFF"/>
+                </a:highlight>
+                <a:latin typeface="Consolas" panose="020B0609020204030204" pitchFamily="49" charset="0"/>
+              </a:rPr>
+              <a:t>null</a:t>
+            </a:r>
+            <a:r>
+              <a:rPr lang="en-US" sz="2400" dirty="0">
+                <a:solidFill>
+                  <a:srgbClr val="000000"/>
+                </a:solidFill>
+                <a:highlight>
+                  <a:srgbClr val="FFFFFF"/>
+                </a:highlight>
+                <a:latin typeface="Consolas" panose="020B0609020204030204" pitchFamily="49" charset="0"/>
+              </a:rPr>
+              <a:t>)</a:t>
+            </a:r>
+          </a:p>
+          <a:p>
+            <a:r>
+              <a:rPr lang="en-US" sz="2400" dirty="0">
+                <a:solidFill>
+                  <a:srgbClr val="000000"/>
+                </a:solidFill>
+                <a:highlight>
+                  <a:srgbClr val="FFFFFF"/>
+                </a:highlight>
+                <a:latin typeface="Consolas" panose="020B0609020204030204" pitchFamily="49" charset="0"/>
+              </a:rPr>
+              <a:t>{</a:t>
+            </a:r>
+          </a:p>
+          <a:p>
+            <a:r>
+              <a:rPr lang="en-US" sz="2400" dirty="0">
+                <a:solidFill>
+                  <a:srgbClr val="000000"/>
+                </a:solidFill>
+                <a:highlight>
+                  <a:srgbClr val="FFFFFF"/>
+                </a:highlight>
+                <a:latin typeface="Consolas" panose="020B0609020204030204" pitchFamily="49" charset="0"/>
+              </a:rPr>
+              <a:t> </a:t>
+            </a:r>
+            <a:r>
+              <a:rPr lang="en-US" sz="2400" dirty="0" smtClean="0">
+                <a:solidFill>
+                  <a:srgbClr val="000000"/>
+                </a:solidFill>
+                <a:highlight>
+                  <a:srgbClr val="FFFFFF"/>
+                </a:highlight>
+                <a:latin typeface="Consolas" panose="020B0609020204030204" pitchFamily="49" charset="0"/>
+              </a:rPr>
+              <a:t> _</a:t>
+            </a:r>
+            <a:r>
+              <a:rPr lang="en-US" sz="2400" dirty="0" err="1">
+                <a:solidFill>
+                  <a:srgbClr val="000000"/>
+                </a:solidFill>
+                <a:highlight>
+                  <a:srgbClr val="FFFFFF"/>
+                </a:highlight>
+                <a:latin typeface="Consolas" panose="020B0609020204030204" pitchFamily="49" charset="0"/>
+              </a:rPr>
+              <a:t>discoveryContext</a:t>
+            </a:r>
+            <a:r>
+              <a:rPr lang="en-US" sz="2400" dirty="0">
+                <a:solidFill>
+                  <a:srgbClr val="000000"/>
+                </a:solidFill>
+                <a:highlight>
+                  <a:srgbClr val="FFFFFF"/>
+                </a:highlight>
+                <a:latin typeface="Consolas" panose="020B0609020204030204" pitchFamily="49" charset="0"/>
+              </a:rPr>
+              <a:t> = </a:t>
+            </a:r>
+            <a:r>
+              <a:rPr lang="en-US" sz="2400" dirty="0">
+                <a:solidFill>
+                  <a:srgbClr val="0000FF"/>
+                </a:solidFill>
+                <a:highlight>
+                  <a:srgbClr val="FFFFFF"/>
+                </a:highlight>
+                <a:latin typeface="Consolas" panose="020B0609020204030204" pitchFamily="49" charset="0"/>
+              </a:rPr>
+              <a:t>await</a:t>
+            </a:r>
+            <a:r>
+              <a:rPr lang="en-US" sz="2400" dirty="0">
+                <a:solidFill>
+                  <a:srgbClr val="000000"/>
+                </a:solidFill>
+                <a:highlight>
+                  <a:srgbClr val="FFFFFF"/>
+                </a:highlight>
+                <a:latin typeface="Consolas" panose="020B0609020204030204" pitchFamily="49" charset="0"/>
+              </a:rPr>
+              <a:t> </a:t>
+            </a:r>
+            <a:r>
+              <a:rPr lang="en-US" sz="2400" dirty="0" err="1">
+                <a:solidFill>
+                  <a:srgbClr val="2B91AF"/>
+                </a:solidFill>
+                <a:highlight>
+                  <a:srgbClr val="FFFFFF"/>
+                </a:highlight>
+                <a:latin typeface="Consolas" panose="020B0609020204030204" pitchFamily="49" charset="0"/>
+              </a:rPr>
+              <a:t>DiscoveryContext</a:t>
+            </a:r>
+            <a:r>
+              <a:rPr lang="en-US" sz="2400" dirty="0" err="1">
+                <a:solidFill>
+                  <a:srgbClr val="000000"/>
+                </a:solidFill>
+                <a:highlight>
+                  <a:srgbClr val="FFFFFF"/>
+                </a:highlight>
+                <a:latin typeface="Consolas" panose="020B0609020204030204" pitchFamily="49" charset="0"/>
+              </a:rPr>
+              <a:t>.CreateAsync</a:t>
+            </a:r>
+            <a:r>
+              <a:rPr lang="en-US" sz="2400" dirty="0">
+                <a:solidFill>
+                  <a:srgbClr val="000000"/>
+                </a:solidFill>
+                <a:highlight>
+                  <a:srgbClr val="FFFFFF"/>
+                </a:highlight>
+                <a:latin typeface="Consolas" panose="020B0609020204030204" pitchFamily="49" charset="0"/>
+              </a:rPr>
+              <a:t>();</a:t>
+            </a:r>
+          </a:p>
+          <a:p>
+            <a:r>
+              <a:rPr lang="en-US" sz="2400" dirty="0">
+                <a:solidFill>
+                  <a:srgbClr val="000000"/>
+                </a:solidFill>
+                <a:highlight>
+                  <a:srgbClr val="FFFFFF"/>
+                </a:highlight>
+                <a:latin typeface="Consolas" panose="020B0609020204030204" pitchFamily="49" charset="0"/>
+              </a:rPr>
+              <a:t>}</a:t>
+            </a:r>
+          </a:p>
+          <a:p>
+            <a:endParaRPr lang="en-US" sz="2400" spc="-70" dirty="0" smtClean="0">
+              <a:gradFill>
+                <a:gsLst>
+                  <a:gs pos="2917">
+                    <a:schemeClr val="bg2"/>
+                  </a:gs>
+                  <a:gs pos="95000">
+                    <a:schemeClr val="bg2"/>
+                  </a:gs>
+                </a:gsLst>
+                <a:lin ang="5400000" scaled="0"/>
+              </a:gradFill>
+            </a:endParaRPr>
+          </a:p>
+        </p:txBody>
+      </p:sp>
     </p:spTree>
     <p:extLst>
       <p:ext uri="{BB962C8B-B14F-4D97-AF65-F5344CB8AC3E}">
-        <p14:creationId xmlns:p14="http://schemas.microsoft.com/office/powerpoint/2010/main" val="2821960853"/>
+        <p14:creationId xmlns:p14="http://schemas.microsoft.com/office/powerpoint/2010/main" val="2463087498"/>
       </p:ext>
     </p:extLst>
   </p:cSld>
@@ -13615,56 +13872,7 @@
           <a:bodyPr/>
           <a:lstStyle/>
           <a:p>
-            <a:r>
-              <a:rPr lang="en-US" dirty="0" smtClean="0"/>
-              <a:t>How it works</a:t>
-            </a:r>
-          </a:p>
-          <a:p>
-            <a:pPr lvl="1"/>
-            <a:r>
-              <a:rPr lang="en-US" dirty="0" smtClean="0"/>
-              <a:t>Create a </a:t>
-            </a:r>
-            <a:r>
-              <a:rPr lang="en-US" dirty="0" err="1" smtClean="0"/>
-              <a:t>DiscoveryContext</a:t>
-            </a:r>
-            <a:endParaRPr lang="en-US" dirty="0" smtClean="0"/>
-          </a:p>
-          <a:p>
-            <a:pPr lvl="2"/>
-            <a:r>
-              <a:rPr lang="en-US" dirty="0" err="1" smtClean="0"/>
-              <a:t>DiscoveryContext</a:t>
-            </a:r>
-            <a:r>
-              <a:rPr lang="en-US" dirty="0" smtClean="0"/>
-              <a:t> will invoke </a:t>
-            </a:r>
-            <a:r>
-              <a:rPr lang="en-US" dirty="0" err="1" smtClean="0"/>
-              <a:t>WebAuthenticationBroker</a:t>
-            </a:r>
-            <a:r>
-              <a:rPr lang="en-US" dirty="0" smtClean="0"/>
-              <a:t> (WAB)</a:t>
-            </a:r>
-          </a:p>
-          <a:p>
-            <a:pPr lvl="2"/>
-            <a:r>
-              <a:rPr lang="en-US" dirty="0" smtClean="0"/>
-              <a:t>WAB will display logon</a:t>
-            </a:r>
-            <a:r>
-              <a:rPr lang="en-US" baseline="0" dirty="0" smtClean="0"/>
-              <a:t> form and common consent form</a:t>
-            </a:r>
-            <a:br>
-              <a:rPr lang="en-US" baseline="0" dirty="0" smtClean="0"/>
-            </a:br>
-            <a:endParaRPr lang="en-US" dirty="0" smtClean="0"/>
+            <a:endParaRPr lang="en-US"/>
           </a:p>
         </p:txBody>
       </p:sp>
@@ -13685,11 +13893,7 @@
           <a:p>
             <a:r>
               <a:rPr lang="en-US" dirty="0" smtClean="0"/>
-              <a:t>Authentication in O365 API</a:t>
-            </a:r>
-            <a:r>
-              <a:rPr lang="en-US" baseline="0" dirty="0" smtClean="0"/>
-              <a:t> Libraries</a:t>
+              <a:t>Authentication UI</a:t>
             </a:r>
             <a:endParaRPr lang="en-US" dirty="0"/>
           </a:p>
@@ -13714,279 +13918,6 @@
               <a:rPr lang="en-US" smtClean="0"/>
               <a:pPr/>
               <a:t>19</a:t>
-            </a:fld>
-            <a:endParaRPr lang="en-US" dirty="0"/>
-          </a:p>
-        </p:txBody>
-      </p:sp>
-      <p:pic>
-        <p:nvPicPr>
-          <p:cNvPr id="5" name="Picture 4"/>
-          <p:cNvPicPr>
-            <a:picLocks noChangeAspect="1"/>
-          </p:cNvPicPr>
-          <p:nvPr/>
-        </p:nvPicPr>
-        <p:blipFill rotWithShape="1">
-          <a:blip r:embed="rId3"/>
-          <a:srcRect b="45304"/>
-          <a:stretch/>
-        </p:blipFill>
-        <p:spPr>
-          <a:xfrm>
-            <a:off x="1081386" y="3734808"/>
-            <a:ext cx="8641558" cy="1186815"/>
-          </a:xfrm>
-          <a:prstGeom prst="rect">
-            <a:avLst/>
-          </a:prstGeom>
-          <a:noFill/>
-          <a:ln>
-            <a:solidFill>
-              <a:schemeClr val="accent1"/>
-            </a:solidFill>
-          </a:ln>
-        </p:spPr>
-      </p:pic>
-    </p:spTree>
-    <p:extLst>
-      <p:ext uri="{BB962C8B-B14F-4D97-AF65-F5344CB8AC3E}">
-        <p14:creationId xmlns:p14="http://schemas.microsoft.com/office/powerpoint/2010/main" val="2463087498"/>
-      </p:ext>
-    </p:extLst>
-  </p:cSld>
-  <p:clrMapOvr>
-    <a:masterClrMapping/>
-  </p:clrMapOvr>
-  <p:transition>
-    <p:fade/>
-  </p:transition>
-</p:sld>
-</file>
-
-<file path=ppt/slides/slide2.xml><?xml version="1.0" encoding="utf-8"?>
-<p:sld xmlns:a="http://schemas.openxmlformats.org/drawingml/2006/main" xmlns:r="http://schemas.openxmlformats.org/officeDocument/2006/relationships" xmlns:p="http://schemas.openxmlformats.org/presentationml/2006/main">
-  <p:cSld>
-    <p:spTree>
-      <p:nvGrpSpPr>
-        <p:cNvPr id="1" name=""/>
-        <p:cNvGrpSpPr/>
-        <p:nvPr/>
-      </p:nvGrpSpPr>
-      <p:grpSpPr>
-        <a:xfrm>
-          <a:off x="0" y="0"/>
-          <a:ext cx="0" cy="0"/>
-          <a:chOff x="0" y="0"/>
-          <a:chExt cx="0" cy="0"/>
-        </a:xfrm>
-      </p:grpSpPr>
-      <p:sp>
-        <p:nvSpPr>
-          <p:cNvPr id="2" name="Text Placeholder 1"/>
-          <p:cNvSpPr>
-            <a:spLocks noGrp="1"/>
-          </p:cNvSpPr>
-          <p:nvPr>
-            <p:ph type="body" sz="quarter" idx="15"/>
-          </p:nvPr>
-        </p:nvSpPr>
-        <p:spPr>
-          <a:xfrm>
-            <a:off x="4708936" y="1814048"/>
-            <a:ext cx="7346043" cy="2881519"/>
-          </a:xfrm>
-        </p:spPr>
-        <p:txBody>
-          <a:bodyPr/>
-          <a:lstStyle/>
-          <a:p>
-            <a:r>
-              <a:rPr lang="en-US" dirty="0" smtClean="0"/>
-              <a:t>Introduction</a:t>
-            </a:r>
-          </a:p>
-          <a:p>
-            <a:r>
-              <a:rPr lang="en-US" baseline="0" dirty="0" smtClean="0"/>
-              <a:t>Universal App projects</a:t>
-            </a:r>
-          </a:p>
-          <a:p>
-            <a:r>
-              <a:rPr lang="en-US" dirty="0" smtClean="0"/>
-              <a:t>Integrating Office 365 APIs</a:t>
-            </a:r>
-            <a:r>
-              <a:rPr lang="en-US" baseline="0" dirty="0" smtClean="0"/>
-              <a:t> </a:t>
-            </a:r>
-            <a:endParaRPr lang="en-US" dirty="0" smtClean="0"/>
-          </a:p>
-        </p:txBody>
-      </p:sp>
-      <p:pic>
-        <p:nvPicPr>
-          <p:cNvPr id="4" name="Picture Placeholder 3"/>
-          <p:cNvPicPr>
-            <a:picLocks noGrp="1" noChangeAspect="1"/>
-          </p:cNvPicPr>
-          <p:nvPr>
-            <p:ph type="pic" sz="quarter" idx="16"/>
-          </p:nvPr>
-        </p:nvPicPr>
-        <p:blipFill>
-          <a:blip r:embed="rId3">
-            <a:extLst>
-              <a:ext uri="{28A0092B-C50C-407E-A947-70E740481C1C}">
-                <a14:useLocalDpi xmlns:a14="http://schemas.microsoft.com/office/drawing/2010/main" val="0"/>
-              </a:ext>
-            </a:extLst>
-          </a:blip>
-          <a:stretch>
-            <a:fillRect/>
-          </a:stretch>
-        </p:blipFill>
-        <p:spPr>
-          <a:xfrm>
-            <a:off x="269169" y="1905492"/>
-            <a:ext cx="4301734" cy="2865616"/>
-          </a:xfrm>
-        </p:spPr>
-      </p:pic>
-      <p:sp>
-        <p:nvSpPr>
-          <p:cNvPr id="5" name="Title 4"/>
-          <p:cNvSpPr>
-            <a:spLocks noGrp="1"/>
-          </p:cNvSpPr>
-          <p:nvPr>
-            <p:ph type="title"/>
-          </p:nvPr>
-        </p:nvSpPr>
-        <p:spPr/>
-        <p:txBody>
-          <a:bodyPr/>
-          <a:lstStyle/>
-          <a:p>
-            <a:r>
-              <a:rPr lang="en-US" dirty="0" smtClean="0"/>
-              <a:t>Agenda</a:t>
-            </a:r>
-            <a:endParaRPr lang="en-US" dirty="0"/>
-          </a:p>
-        </p:txBody>
-      </p:sp>
-    </p:spTree>
-    <p:extLst>
-      <p:ext uri="{BB962C8B-B14F-4D97-AF65-F5344CB8AC3E}">
-        <p14:creationId xmlns:p14="http://schemas.microsoft.com/office/powerpoint/2010/main" val="201996691"/>
-      </p:ext>
-    </p:extLst>
-  </p:cSld>
-  <p:clrMapOvr>
-    <a:masterClrMapping/>
-  </p:clrMapOvr>
-  <mc:AlternateContent xmlns:mc="http://schemas.openxmlformats.org/markup-compatibility/2006" xmlns:p14="http://schemas.microsoft.com/office/powerpoint/2010/main">
-    <mc:Choice Requires="p14">
-      <p:transition spd="med" p14:dur="700">
-        <p:fade/>
-      </p:transition>
-    </mc:Choice>
-    <mc:Fallback xmlns="">
-      <p:transition spd="med">
-        <p:fade/>
-      </p:transition>
-    </mc:Fallback>
-  </mc:AlternateContent>
-  <p:timing>
-    <p:tnLst>
-      <p:par>
-        <p:cTn id="1" dur="indefinite" restart="never" nodeType="tmRoot"/>
-      </p:par>
-    </p:tnLst>
-  </p:timing>
-</p:sld>
-</file>
-
-<file path=ppt/slides/slide20.xml><?xml version="1.0" encoding="utf-8"?>
-<p:sld xmlns:a="http://schemas.openxmlformats.org/drawingml/2006/main" xmlns:r="http://schemas.openxmlformats.org/officeDocument/2006/relationships" xmlns:p="http://schemas.openxmlformats.org/presentationml/2006/main">
-  <p:cSld>
-    <p:spTree>
-      <p:nvGrpSpPr>
-        <p:cNvPr id="1" name=""/>
-        <p:cNvGrpSpPr/>
-        <p:nvPr/>
-      </p:nvGrpSpPr>
-      <p:grpSpPr>
-        <a:xfrm>
-          <a:off x="0" y="0"/>
-          <a:ext cx="0" cy="0"/>
-          <a:chOff x="0" y="0"/>
-          <a:chExt cx="0" cy="0"/>
-        </a:xfrm>
-      </p:grpSpPr>
-      <p:sp>
-        <p:nvSpPr>
-          <p:cNvPr id="2" name="Text Placeholder 1"/>
-          <p:cNvSpPr>
-            <a:spLocks noGrp="1"/>
-          </p:cNvSpPr>
-          <p:nvPr>
-            <p:ph type="body" sz="quarter" idx="10"/>
-          </p:nvPr>
-        </p:nvSpPr>
-        <p:spPr/>
-        <p:txBody>
-          <a:bodyPr/>
-          <a:lstStyle/>
-          <a:p>
-            <a:endParaRPr lang="en-US"/>
-          </a:p>
-        </p:txBody>
-      </p:sp>
-      <p:sp>
-        <p:nvSpPr>
-          <p:cNvPr id="3" name="Title 2"/>
-          <p:cNvSpPr>
-            <a:spLocks noGrp="1"/>
-          </p:cNvSpPr>
-          <p:nvPr>
-            <p:ph type="title"/>
-          </p:nvPr>
-        </p:nvSpPr>
-        <p:spPr/>
-        <p:txBody>
-          <a:bodyPr/>
-          <a:lstStyle/>
-          <a:p>
-            <a:r>
-              <a:rPr lang="en-US" dirty="0" smtClean="0"/>
-              <a:t>Authentication UI</a:t>
-            </a:r>
-            <a:endParaRPr lang="en-US" dirty="0"/>
-          </a:p>
-        </p:txBody>
-      </p:sp>
-      <p:sp>
-        <p:nvSpPr>
-          <p:cNvPr id="4" name="Slide Number Placeholder 3"/>
-          <p:cNvSpPr>
-            <a:spLocks noGrp="1"/>
-          </p:cNvSpPr>
-          <p:nvPr>
-            <p:ph type="sldNum" sz="quarter" idx="12"/>
-          </p:nvPr>
-        </p:nvSpPr>
-        <p:spPr/>
-        <p:txBody>
-          <a:bodyPr/>
-          <a:lstStyle/>
-          <a:p>
-            <a:fld id="{727B4C2D-45E2-4621-8491-2995EB46A674}" type="slidenum">
-              <a:rPr lang="en-US" smtClean="0"/>
-              <a:pPr/>
-              <a:t>20</a:t>
             </a:fld>
             <a:endParaRPr lang="en-US" dirty="0"/>
           </a:p>
@@ -14066,6 +13997,308 @@
 </p:sld>
 </file>
 
+<file path=ppt/slides/slide2.xml><?xml version="1.0" encoding="utf-8"?>
+<p:sld xmlns:a="http://schemas.openxmlformats.org/drawingml/2006/main" xmlns:r="http://schemas.openxmlformats.org/officeDocument/2006/relationships" xmlns:p="http://schemas.openxmlformats.org/presentationml/2006/main">
+  <p:cSld>
+    <p:spTree>
+      <p:nvGrpSpPr>
+        <p:cNvPr id="1" name=""/>
+        <p:cNvGrpSpPr/>
+        <p:nvPr/>
+      </p:nvGrpSpPr>
+      <p:grpSpPr>
+        <a:xfrm>
+          <a:off x="0" y="0"/>
+          <a:ext cx="0" cy="0"/>
+          <a:chOff x="0" y="0"/>
+          <a:chExt cx="0" cy="0"/>
+        </a:xfrm>
+      </p:grpSpPr>
+      <p:sp>
+        <p:nvSpPr>
+          <p:cNvPr id="2" name="Text Placeholder 1"/>
+          <p:cNvSpPr>
+            <a:spLocks noGrp="1"/>
+          </p:cNvSpPr>
+          <p:nvPr>
+            <p:ph type="body" sz="quarter" idx="15"/>
+          </p:nvPr>
+        </p:nvSpPr>
+        <p:spPr>
+          <a:xfrm>
+            <a:off x="4708936" y="1814048"/>
+            <a:ext cx="7346043" cy="2881519"/>
+          </a:xfrm>
+        </p:spPr>
+        <p:txBody>
+          <a:bodyPr/>
+          <a:lstStyle/>
+          <a:p>
+            <a:r>
+              <a:rPr lang="en-US" dirty="0" smtClean="0"/>
+              <a:t>Introduction</a:t>
+            </a:r>
+          </a:p>
+          <a:p>
+            <a:r>
+              <a:rPr lang="en-US" baseline="0" dirty="0" smtClean="0"/>
+              <a:t>Universal App projects</a:t>
+            </a:r>
+          </a:p>
+          <a:p>
+            <a:r>
+              <a:rPr lang="en-US" dirty="0" smtClean="0"/>
+              <a:t>Integrating Office 365 APIs</a:t>
+            </a:r>
+            <a:r>
+              <a:rPr lang="en-US" baseline="0" dirty="0" smtClean="0"/>
+              <a:t> </a:t>
+            </a:r>
+            <a:endParaRPr lang="en-US" dirty="0" smtClean="0"/>
+          </a:p>
+        </p:txBody>
+      </p:sp>
+      <p:pic>
+        <p:nvPicPr>
+          <p:cNvPr id="4" name="Picture Placeholder 3"/>
+          <p:cNvPicPr>
+            <a:picLocks noGrp="1" noChangeAspect="1"/>
+          </p:cNvPicPr>
+          <p:nvPr>
+            <p:ph type="pic" sz="quarter" idx="16"/>
+          </p:nvPr>
+        </p:nvPicPr>
+        <p:blipFill>
+          <a:blip r:embed="rId3">
+            <a:extLst>
+              <a:ext uri="{28A0092B-C50C-407E-A947-70E740481C1C}">
+                <a14:useLocalDpi xmlns:a14="http://schemas.microsoft.com/office/drawing/2010/main" val="0"/>
+              </a:ext>
+            </a:extLst>
+          </a:blip>
+          <a:stretch>
+            <a:fillRect/>
+          </a:stretch>
+        </p:blipFill>
+        <p:spPr>
+          <a:xfrm>
+            <a:off x="269169" y="1905492"/>
+            <a:ext cx="4301734" cy="2865616"/>
+          </a:xfrm>
+        </p:spPr>
+      </p:pic>
+      <p:sp>
+        <p:nvSpPr>
+          <p:cNvPr id="5" name="Title 4"/>
+          <p:cNvSpPr>
+            <a:spLocks noGrp="1"/>
+          </p:cNvSpPr>
+          <p:nvPr>
+            <p:ph type="title"/>
+          </p:nvPr>
+        </p:nvSpPr>
+        <p:spPr/>
+        <p:txBody>
+          <a:bodyPr/>
+          <a:lstStyle/>
+          <a:p>
+            <a:r>
+              <a:rPr lang="en-US" dirty="0" smtClean="0"/>
+              <a:t>Agenda</a:t>
+            </a:r>
+            <a:endParaRPr lang="en-US" dirty="0"/>
+          </a:p>
+        </p:txBody>
+      </p:sp>
+    </p:spTree>
+    <p:extLst>
+      <p:ext uri="{BB962C8B-B14F-4D97-AF65-F5344CB8AC3E}">
+        <p14:creationId xmlns:p14="http://schemas.microsoft.com/office/powerpoint/2010/main" val="201996691"/>
+      </p:ext>
+    </p:extLst>
+  </p:cSld>
+  <p:clrMapOvr>
+    <a:masterClrMapping/>
+  </p:clrMapOvr>
+  <mc:AlternateContent xmlns:mc="http://schemas.openxmlformats.org/markup-compatibility/2006" xmlns:p14="http://schemas.microsoft.com/office/powerpoint/2010/main">
+    <mc:Choice Requires="p14">
+      <p:transition spd="med" p14:dur="700">
+        <p:fade/>
+      </p:transition>
+    </mc:Choice>
+    <mc:Fallback xmlns="">
+      <p:transition spd="med">
+        <p:fade/>
+      </p:transition>
+    </mc:Fallback>
+  </mc:AlternateContent>
+  <p:timing>
+    <p:tnLst>
+      <p:par>
+        <p:cTn id="1" dur="indefinite" restart="never" nodeType="tmRoot"/>
+      </p:par>
+    </p:tnLst>
+  </p:timing>
+</p:sld>
+</file>
+
+<file path=ppt/slides/slide20.xml><?xml version="1.0" encoding="utf-8"?>
+<p:sld xmlns:a="http://schemas.openxmlformats.org/drawingml/2006/main" xmlns:r="http://schemas.openxmlformats.org/officeDocument/2006/relationships" xmlns:p="http://schemas.openxmlformats.org/presentationml/2006/main">
+  <p:cSld>
+    <p:spTree>
+      <p:nvGrpSpPr>
+        <p:cNvPr id="1" name=""/>
+        <p:cNvGrpSpPr/>
+        <p:nvPr/>
+      </p:nvGrpSpPr>
+      <p:grpSpPr>
+        <a:xfrm>
+          <a:off x="0" y="0"/>
+          <a:ext cx="0" cy="0"/>
+          <a:chOff x="0" y="0"/>
+          <a:chExt cx="0" cy="0"/>
+        </a:xfrm>
+      </p:grpSpPr>
+      <p:sp>
+        <p:nvSpPr>
+          <p:cNvPr id="2" name="Text Placeholder 1"/>
+          <p:cNvSpPr>
+            <a:spLocks noGrp="1"/>
+          </p:cNvSpPr>
+          <p:nvPr>
+            <p:ph type="body" sz="quarter" idx="10"/>
+          </p:nvPr>
+        </p:nvSpPr>
+        <p:spPr/>
+        <p:txBody>
+          <a:bodyPr/>
+          <a:lstStyle/>
+          <a:p>
+            <a:r>
+              <a:rPr lang="en-US" dirty="0" smtClean="0"/>
+              <a:t>“Client” objects for each service</a:t>
+            </a:r>
+          </a:p>
+          <a:p>
+            <a:pPr lvl="1"/>
+            <a:r>
+              <a:rPr lang="en-US" dirty="0" err="1" smtClean="0"/>
+              <a:t>ExchangeClient</a:t>
+            </a:r>
+            <a:endParaRPr lang="en-US" dirty="0" smtClean="0"/>
+          </a:p>
+          <a:p>
+            <a:pPr lvl="1"/>
+            <a:r>
+              <a:rPr lang="en-US" dirty="0" err="1" smtClean="0"/>
+              <a:t>SharePointClient</a:t>
+            </a:r>
+            <a:endParaRPr lang="en-US" dirty="0" smtClean="0"/>
+          </a:p>
+          <a:p>
+            <a:pPr lvl="0"/>
+            <a:r>
+              <a:rPr lang="en-US" dirty="0" smtClean="0"/>
+              <a:t>Constructor takes</a:t>
+            </a:r>
+            <a:r>
+              <a:rPr lang="en-US" baseline="0" dirty="0" smtClean="0"/>
+              <a:t> a “token getter” function</a:t>
+            </a:r>
+          </a:p>
+          <a:p>
+            <a:pPr lvl="1"/>
+            <a:r>
+              <a:rPr lang="en-US" dirty="0" err="1" smtClean="0"/>
+              <a:t>DiscoveryContext</a:t>
+            </a:r>
+            <a:r>
+              <a:rPr lang="en-US" dirty="0" smtClean="0"/>
+              <a:t> wraps an </a:t>
+            </a:r>
+            <a:r>
+              <a:rPr lang="en-US" dirty="0" err="1" smtClean="0"/>
+              <a:t>AuthenticationContext</a:t>
+            </a:r>
+            <a:endParaRPr lang="en-US" dirty="0" smtClean="0"/>
+          </a:p>
+          <a:p>
+            <a:pPr lvl="1"/>
+            <a:r>
+              <a:rPr lang="en-US" dirty="0" err="1" smtClean="0"/>
+              <a:t>AuthenticationContext</a:t>
+            </a:r>
+            <a:r>
+              <a:rPr lang="en-US" baseline="0" dirty="0" smtClean="0"/>
+              <a:t> has methods for getting tokens</a:t>
+            </a:r>
+            <a:endParaRPr lang="en-US" dirty="0" smtClean="0"/>
+          </a:p>
+        </p:txBody>
+      </p:sp>
+      <p:sp>
+        <p:nvSpPr>
+          <p:cNvPr id="3" name="Title 2"/>
+          <p:cNvSpPr>
+            <a:spLocks noGrp="1"/>
+          </p:cNvSpPr>
+          <p:nvPr>
+            <p:ph type="title"/>
+          </p:nvPr>
+        </p:nvSpPr>
+        <p:spPr/>
+        <p:txBody>
+          <a:bodyPr/>
+          <a:lstStyle/>
+          <a:p>
+            <a:r>
+              <a:rPr lang="en-US" dirty="0" smtClean="0"/>
+              <a:t>Office 365 Service Communication</a:t>
+            </a:r>
+            <a:endParaRPr lang="en-US" dirty="0"/>
+          </a:p>
+        </p:txBody>
+      </p:sp>
+      <p:sp>
+        <p:nvSpPr>
+          <p:cNvPr id="4" name="Slide Number Placeholder 3"/>
+          <p:cNvSpPr>
+            <a:spLocks noGrp="1"/>
+          </p:cNvSpPr>
+          <p:nvPr>
+            <p:ph type="sldNum" sz="quarter" idx="12"/>
+          </p:nvPr>
+        </p:nvSpPr>
+        <p:spPr/>
+        <p:txBody>
+          <a:bodyPr/>
+          <a:lstStyle/>
+          <a:p>
+            <a:fld id="{727B4C2D-45E2-4621-8491-2995EB46A674}" type="slidenum">
+              <a:rPr lang="en-US" smtClean="0"/>
+              <a:pPr/>
+              <a:t>20</a:t>
+            </a:fld>
+            <a:endParaRPr lang="en-US" dirty="0"/>
+          </a:p>
+        </p:txBody>
+      </p:sp>
+    </p:spTree>
+    <p:extLst>
+      <p:ext uri="{BB962C8B-B14F-4D97-AF65-F5344CB8AC3E}">
+        <p14:creationId xmlns:p14="http://schemas.microsoft.com/office/powerpoint/2010/main" val="1189471413"/>
+      </p:ext>
+    </p:extLst>
+  </p:cSld>
+  <p:clrMapOvr>
+    <a:masterClrMapping/>
+  </p:clrMapOvr>
+  <p:transition>
+    <p:fade/>
+  </p:transition>
+</p:sld>
+</file>
+
 <file path=ppt/slides/slide21.xml><?xml version="1.0" encoding="utf-8"?>
 <p:sld xmlns:a="http://schemas.openxmlformats.org/drawingml/2006/main" xmlns:r="http://schemas.openxmlformats.org/officeDocument/2006/relationships" xmlns:p="http://schemas.openxmlformats.org/presentationml/2006/main">
   <p:cSld>
@@ -14085,83 +14318,6 @@
       </p:grpSpPr>
       <p:sp>
         <p:nvSpPr>
-          <p:cNvPr id="2" name="Text Placeholder 1"/>
-          <p:cNvSpPr>
-            <a:spLocks noGrp="1"/>
-          </p:cNvSpPr>
-          <p:nvPr>
-            <p:ph type="body" sz="quarter" idx="10"/>
-          </p:nvPr>
-        </p:nvSpPr>
-        <p:spPr/>
-        <p:txBody>
-          <a:bodyPr/>
-          <a:lstStyle/>
-          <a:p>
-            <a:r>
-              <a:rPr lang="en-US" dirty="0" smtClean="0"/>
-              <a:t>“Client” objects for each service</a:t>
-            </a:r>
-          </a:p>
-          <a:p>
-            <a:pPr lvl="1"/>
-            <a:r>
-              <a:rPr lang="en-US" dirty="0" err="1" smtClean="0"/>
-              <a:t>ExchangeClient</a:t>
-            </a:r>
-            <a:endParaRPr lang="en-US" dirty="0" smtClean="0"/>
-          </a:p>
-          <a:p>
-            <a:pPr lvl="1"/>
-            <a:r>
-              <a:rPr lang="en-US" dirty="0" err="1" smtClean="0"/>
-              <a:t>SharePointClient</a:t>
-            </a:r>
-            <a:endParaRPr lang="en-US" dirty="0" smtClean="0"/>
-          </a:p>
-          <a:p>
-            <a:pPr lvl="0"/>
-            <a:r>
-              <a:rPr lang="en-US" dirty="0" smtClean="0"/>
-              <a:t>Constructor takes</a:t>
-            </a:r>
-            <a:r>
-              <a:rPr lang="en-US" baseline="0" dirty="0" smtClean="0"/>
-              <a:t> a “token getter” function</a:t>
-            </a:r>
-          </a:p>
-          <a:p>
-            <a:pPr lvl="1"/>
-            <a:r>
-              <a:rPr lang="en-US" dirty="0" err="1" smtClean="0"/>
-              <a:t>DiscoveryContext</a:t>
-            </a:r>
-            <a:r>
-              <a:rPr lang="en-US" dirty="0" smtClean="0"/>
-              <a:t> wraps an </a:t>
-            </a:r>
-            <a:r>
-              <a:rPr lang="en-US" dirty="0" err="1" smtClean="0"/>
-              <a:t>AuthenticationContext</a:t>
-            </a:r>
-            <a:endParaRPr lang="en-US" dirty="0" smtClean="0"/>
-          </a:p>
-          <a:p>
-            <a:pPr lvl="1"/>
-            <a:r>
-              <a:rPr lang="en-US" dirty="0" err="1" smtClean="0"/>
-              <a:t>AuthenticationContext</a:t>
-            </a:r>
-            <a:r>
-              <a:rPr lang="en-US" baseline="0" dirty="0" smtClean="0"/>
-              <a:t> has methods for getting tokens</a:t>
-            </a:r>
-            <a:endParaRPr lang="en-US" dirty="0" smtClean="0"/>
-          </a:p>
-        </p:txBody>
-      </p:sp>
-      <p:sp>
-        <p:nvSpPr>
           <p:cNvPr id="3" name="Title 2"/>
           <p:cNvSpPr>
             <a:spLocks noGrp="1"/>
@@ -14177,7 +14333,7 @@
           <a:p>
             <a:r>
               <a:rPr lang="en-US" dirty="0" smtClean="0"/>
-              <a:t>Office 365 Service Communication</a:t>
+              <a:t>“Client” object constructor example</a:t>
             </a:r>
             <a:endParaRPr lang="en-US" dirty="0"/>
           </a:p>
@@ -14207,34 +14363,642 @@
           </a:p>
         </p:txBody>
       </p:sp>
-      <p:pic>
-        <p:nvPicPr>
-          <p:cNvPr id="5" name="Picture 4"/>
-          <p:cNvPicPr>
-            <a:picLocks noChangeAspect="1"/>
-          </p:cNvPicPr>
+      <p:sp>
+        <p:nvSpPr>
+          <p:cNvPr id="5" name="TextBox 4"/>
+          <p:cNvSpPr txBox="1"/>
           <p:nvPr/>
-        </p:nvPicPr>
-        <p:blipFill>
-          <a:blip r:embed="rId2"/>
-          <a:stretch>
-            <a:fillRect/>
-          </a:stretch>
-        </p:blipFill>
+        </p:nvSpPr>
         <p:spPr>
           <a:xfrm>
-            <a:off x="1339874" y="4333267"/>
-            <a:ext cx="9957312" cy="1866996"/>
+            <a:off x="456359" y="1287370"/>
+            <a:ext cx="11574276" cy="4801314"/>
           </a:xfrm>
           <a:prstGeom prst="rect">
             <a:avLst/>
           </a:prstGeom>
+          <a:noFill/>
         </p:spPr>
-      </p:pic>
+        <p:txBody>
+          <a:bodyPr wrap="square" lIns="0" tIns="0" rIns="0" bIns="0" rtlCol="0">
+            <a:spAutoFit/>
+          </a:bodyPr>
+          <a:lstStyle/>
+          <a:p>
+            <a:r>
+              <a:rPr lang="en-US" sz="2400" dirty="0">
+                <a:solidFill>
+                  <a:srgbClr val="0000FF"/>
+                </a:solidFill>
+                <a:highlight>
+                  <a:srgbClr val="FFFFFF"/>
+                </a:highlight>
+                <a:latin typeface="Consolas" panose="020B0609020204030204" pitchFamily="49" charset="0"/>
+              </a:rPr>
+              <a:t>return</a:t>
+            </a:r>
+            <a:r>
+              <a:rPr lang="en-US" sz="2400" dirty="0">
+                <a:solidFill>
+                  <a:srgbClr val="000000"/>
+                </a:solidFill>
+                <a:highlight>
+                  <a:srgbClr val="FFFFFF"/>
+                </a:highlight>
+                <a:latin typeface="Consolas" panose="020B0609020204030204" pitchFamily="49" charset="0"/>
+              </a:rPr>
+              <a:t> </a:t>
+            </a:r>
+            <a:r>
+              <a:rPr lang="en-US" sz="2400" dirty="0">
+                <a:solidFill>
+                  <a:srgbClr val="0000FF"/>
+                </a:solidFill>
+                <a:highlight>
+                  <a:srgbClr val="FFFFFF"/>
+                </a:highlight>
+                <a:latin typeface="Consolas" panose="020B0609020204030204" pitchFamily="49" charset="0"/>
+              </a:rPr>
+              <a:t>new</a:t>
+            </a:r>
+            <a:r>
+              <a:rPr lang="en-US" sz="2400" dirty="0">
+                <a:solidFill>
+                  <a:srgbClr val="000000"/>
+                </a:solidFill>
+                <a:highlight>
+                  <a:srgbClr val="FFFFFF"/>
+                </a:highlight>
+                <a:latin typeface="Consolas" panose="020B0609020204030204" pitchFamily="49" charset="0"/>
+              </a:rPr>
+              <a:t> </a:t>
+            </a:r>
+            <a:r>
+              <a:rPr lang="en-US" sz="2400" dirty="0" err="1">
+                <a:solidFill>
+                  <a:srgbClr val="2B91AF"/>
+                </a:solidFill>
+                <a:highlight>
+                  <a:srgbClr val="FFFFFF"/>
+                </a:highlight>
+                <a:latin typeface="Consolas" panose="020B0609020204030204" pitchFamily="49" charset="0"/>
+              </a:rPr>
+              <a:t>ExchangeClient</a:t>
+            </a:r>
+            <a:r>
+              <a:rPr lang="en-US" sz="2400" dirty="0">
+                <a:solidFill>
+                  <a:srgbClr val="000000"/>
+                </a:solidFill>
+                <a:highlight>
+                  <a:srgbClr val="FFFFFF"/>
+                </a:highlight>
+                <a:latin typeface="Consolas" panose="020B0609020204030204" pitchFamily="49" charset="0"/>
+              </a:rPr>
+              <a:t>(</a:t>
+            </a:r>
+            <a:r>
+              <a:rPr lang="en-US" sz="2400" dirty="0" err="1">
+                <a:solidFill>
+                  <a:srgbClr val="000000"/>
+                </a:solidFill>
+                <a:highlight>
+                  <a:srgbClr val="FFFFFF"/>
+                </a:highlight>
+                <a:latin typeface="Consolas" panose="020B0609020204030204" pitchFamily="49" charset="0"/>
+              </a:rPr>
+              <a:t>ExchangeServiceEndpointUri</a:t>
+            </a:r>
+            <a:r>
+              <a:rPr lang="en-US" sz="2400" dirty="0">
+                <a:solidFill>
+                  <a:srgbClr val="000000"/>
+                </a:solidFill>
+                <a:highlight>
+                  <a:srgbClr val="FFFFFF"/>
+                </a:highlight>
+                <a:latin typeface="Consolas" panose="020B0609020204030204" pitchFamily="49" charset="0"/>
+              </a:rPr>
+              <a:t>, </a:t>
+            </a:r>
+            <a:r>
+              <a:rPr lang="en-US" sz="2400" dirty="0" err="1">
+                <a:solidFill>
+                  <a:srgbClr val="0000FF"/>
+                </a:solidFill>
+                <a:highlight>
+                  <a:srgbClr val="FFFFFF"/>
+                </a:highlight>
+                <a:latin typeface="Consolas" panose="020B0609020204030204" pitchFamily="49" charset="0"/>
+              </a:rPr>
+              <a:t>async</a:t>
+            </a:r>
+            <a:r>
+              <a:rPr lang="en-US" sz="2400" dirty="0">
+                <a:solidFill>
+                  <a:srgbClr val="000000"/>
+                </a:solidFill>
+                <a:highlight>
+                  <a:srgbClr val="FFFFFF"/>
+                </a:highlight>
+                <a:latin typeface="Consolas" panose="020B0609020204030204" pitchFamily="49" charset="0"/>
+              </a:rPr>
+              <a:t> () =&gt;</a:t>
+            </a:r>
+          </a:p>
+          <a:p>
+            <a:r>
+              <a:rPr lang="en-US" sz="2400" dirty="0">
+                <a:solidFill>
+                  <a:srgbClr val="000000"/>
+                </a:solidFill>
+                <a:highlight>
+                  <a:srgbClr val="FFFFFF"/>
+                </a:highlight>
+                <a:latin typeface="Consolas" panose="020B0609020204030204" pitchFamily="49" charset="0"/>
+              </a:rPr>
+              <a:t>{</a:t>
+            </a:r>
+          </a:p>
+          <a:p>
+            <a:r>
+              <a:rPr lang="en-US" sz="2400" dirty="0" smtClean="0">
+                <a:solidFill>
+                  <a:srgbClr val="0000FF"/>
+                </a:solidFill>
+                <a:highlight>
+                  <a:srgbClr val="FFFFFF"/>
+                </a:highlight>
+                <a:latin typeface="Consolas" panose="020B0609020204030204" pitchFamily="49" charset="0"/>
+              </a:rPr>
+              <a:t>  return</a:t>
+            </a:r>
+            <a:r>
+              <a:rPr lang="en-US" sz="2400" dirty="0" smtClean="0">
+                <a:solidFill>
+                  <a:srgbClr val="000000"/>
+                </a:solidFill>
+                <a:highlight>
+                  <a:srgbClr val="FFFFFF"/>
+                </a:highlight>
+                <a:latin typeface="Consolas" panose="020B0609020204030204" pitchFamily="49" charset="0"/>
+              </a:rPr>
+              <a:t> </a:t>
+            </a:r>
+            <a:r>
+              <a:rPr lang="en-US" sz="2400" dirty="0">
+                <a:solidFill>
+                  <a:srgbClr val="000000"/>
+                </a:solidFill>
+                <a:highlight>
+                  <a:srgbClr val="FFFFFF"/>
+                </a:highlight>
+                <a:latin typeface="Consolas" panose="020B0609020204030204" pitchFamily="49" charset="0"/>
+              </a:rPr>
+              <a:t>(</a:t>
+            </a:r>
+            <a:r>
+              <a:rPr lang="en-US" sz="2400" dirty="0">
+                <a:solidFill>
+                  <a:srgbClr val="0000FF"/>
+                </a:solidFill>
+                <a:highlight>
+                  <a:srgbClr val="FFFFFF"/>
+                </a:highlight>
+                <a:latin typeface="Consolas" panose="020B0609020204030204" pitchFamily="49" charset="0"/>
+              </a:rPr>
+              <a:t>await</a:t>
+            </a:r>
+            <a:r>
+              <a:rPr lang="en-US" sz="2400" dirty="0">
+                <a:solidFill>
+                  <a:srgbClr val="000000"/>
+                </a:solidFill>
+                <a:highlight>
+                  <a:srgbClr val="FFFFFF"/>
+                </a:highlight>
+                <a:latin typeface="Consolas" panose="020B0609020204030204" pitchFamily="49" charset="0"/>
+              </a:rPr>
+              <a:t> _</a:t>
+            </a:r>
+            <a:r>
+              <a:rPr lang="en-US" sz="2400" dirty="0" err="1" smtClean="0">
+                <a:solidFill>
+                  <a:srgbClr val="000000"/>
+                </a:solidFill>
+                <a:highlight>
+                  <a:srgbClr val="FFFFFF"/>
+                </a:highlight>
+                <a:latin typeface="Consolas" panose="020B0609020204030204" pitchFamily="49" charset="0"/>
+              </a:rPr>
+              <a:t>discoveryContext.AuthenticationContext</a:t>
+            </a:r>
+            <a:endParaRPr lang="en-US" sz="2400" dirty="0" smtClean="0">
+              <a:solidFill>
+                <a:srgbClr val="000000"/>
+              </a:solidFill>
+              <a:highlight>
+                <a:srgbClr val="FFFFFF"/>
+              </a:highlight>
+              <a:latin typeface="Consolas" panose="020B0609020204030204" pitchFamily="49" charset="0"/>
+            </a:endParaRPr>
+          </a:p>
+          <a:p>
+            <a:r>
+              <a:rPr lang="en-US" sz="2400" dirty="0">
+                <a:solidFill>
+                  <a:srgbClr val="000000"/>
+                </a:solidFill>
+                <a:highlight>
+                  <a:srgbClr val="FFFFFF"/>
+                </a:highlight>
+                <a:latin typeface="Consolas" panose="020B0609020204030204" pitchFamily="49" charset="0"/>
+              </a:rPr>
+              <a:t> </a:t>
+            </a:r>
+            <a:r>
+              <a:rPr lang="en-US" sz="2400" dirty="0" smtClean="0">
+                <a:solidFill>
+                  <a:srgbClr val="000000"/>
+                </a:solidFill>
+                <a:highlight>
+                  <a:srgbClr val="FFFFFF"/>
+                </a:highlight>
+                <a:latin typeface="Consolas" panose="020B0609020204030204" pitchFamily="49" charset="0"/>
+              </a:rPr>
+              <a:t>                .</a:t>
+            </a:r>
+            <a:r>
+              <a:rPr lang="en-US" sz="2400" dirty="0" err="1">
+                <a:solidFill>
+                  <a:srgbClr val="000000"/>
+                </a:solidFill>
+                <a:highlight>
+                  <a:srgbClr val="FFFFFF"/>
+                </a:highlight>
+                <a:latin typeface="Consolas" panose="020B0609020204030204" pitchFamily="49" charset="0"/>
+              </a:rPr>
+              <a:t>AcquireTokenSilentAsync</a:t>
+            </a:r>
+            <a:r>
+              <a:rPr lang="en-US" sz="2400" dirty="0">
+                <a:solidFill>
+                  <a:srgbClr val="000000"/>
+                </a:solidFill>
+                <a:highlight>
+                  <a:srgbClr val="FFFFFF"/>
+                </a:highlight>
+                <a:latin typeface="Consolas" panose="020B0609020204030204" pitchFamily="49" charset="0"/>
+              </a:rPr>
+              <a:t>(</a:t>
+            </a:r>
+          </a:p>
+          <a:p>
+            <a:r>
+              <a:rPr lang="en-US" sz="2400" dirty="0" smtClean="0">
+                <a:solidFill>
+                  <a:srgbClr val="000000"/>
+                </a:solidFill>
+                <a:highlight>
+                  <a:srgbClr val="FFFFFF"/>
+                </a:highlight>
+                <a:latin typeface="Consolas" panose="020B0609020204030204" pitchFamily="49" charset="0"/>
+              </a:rPr>
+              <a:t>                     </a:t>
+            </a:r>
+            <a:r>
+              <a:rPr lang="en-US" sz="2400" dirty="0" err="1" smtClean="0">
+                <a:solidFill>
+                  <a:srgbClr val="000000"/>
+                </a:solidFill>
+                <a:highlight>
+                  <a:srgbClr val="FFFFFF"/>
+                </a:highlight>
+                <a:latin typeface="Consolas" panose="020B0609020204030204" pitchFamily="49" charset="0"/>
+              </a:rPr>
+              <a:t>ExchangeServiceResourceId</a:t>
+            </a:r>
+            <a:r>
+              <a:rPr lang="en-US" sz="2400" dirty="0">
+                <a:solidFill>
+                  <a:srgbClr val="000000"/>
+                </a:solidFill>
+                <a:highlight>
+                  <a:srgbClr val="FFFFFF"/>
+                </a:highlight>
+                <a:latin typeface="Consolas" panose="020B0609020204030204" pitchFamily="49" charset="0"/>
+              </a:rPr>
+              <a:t>, </a:t>
+            </a:r>
+          </a:p>
+          <a:p>
+            <a:r>
+              <a:rPr lang="en-US" sz="2400" dirty="0" smtClean="0">
+                <a:solidFill>
+                  <a:srgbClr val="000000"/>
+                </a:solidFill>
+                <a:highlight>
+                  <a:srgbClr val="FFFFFF"/>
+                </a:highlight>
+                <a:latin typeface="Consolas" panose="020B0609020204030204" pitchFamily="49" charset="0"/>
+              </a:rPr>
+              <a:t>                     _</a:t>
+            </a:r>
+            <a:r>
+              <a:rPr lang="en-US" sz="2400" dirty="0" err="1">
+                <a:solidFill>
+                  <a:srgbClr val="000000"/>
+                </a:solidFill>
+                <a:highlight>
+                  <a:srgbClr val="FFFFFF"/>
+                </a:highlight>
+                <a:latin typeface="Consolas" panose="020B0609020204030204" pitchFamily="49" charset="0"/>
+              </a:rPr>
+              <a:t>discoveryContext.AppIdentity.ClientId</a:t>
+            </a:r>
+            <a:r>
+              <a:rPr lang="en-US" sz="2400" dirty="0">
+                <a:solidFill>
+                  <a:srgbClr val="000000"/>
+                </a:solidFill>
+                <a:highlight>
+                  <a:srgbClr val="FFFFFF"/>
+                </a:highlight>
+                <a:latin typeface="Consolas" panose="020B0609020204030204" pitchFamily="49" charset="0"/>
+              </a:rPr>
+              <a:t>, </a:t>
+            </a:r>
+          </a:p>
+          <a:p>
+            <a:r>
+              <a:rPr lang="en-US" sz="2400" dirty="0" smtClean="0">
+                <a:solidFill>
+                  <a:srgbClr val="0000FF"/>
+                </a:solidFill>
+                <a:highlight>
+                  <a:srgbClr val="FFFFFF"/>
+                </a:highlight>
+                <a:latin typeface="Consolas" panose="020B0609020204030204" pitchFamily="49" charset="0"/>
+              </a:rPr>
+              <a:t>                     new</a:t>
+            </a:r>
+            <a:r>
+              <a:rPr lang="en-US" sz="2400" dirty="0" smtClean="0">
+                <a:solidFill>
+                  <a:srgbClr val="000000"/>
+                </a:solidFill>
+                <a:highlight>
+                  <a:srgbClr val="FFFFFF"/>
+                </a:highlight>
+                <a:latin typeface="Consolas" panose="020B0609020204030204" pitchFamily="49" charset="0"/>
+              </a:rPr>
+              <a:t> </a:t>
+            </a:r>
+            <a:r>
+              <a:rPr lang="en-US" sz="2400" dirty="0" err="1" smtClean="0">
+                <a:solidFill>
+                  <a:srgbClr val="000000"/>
+                </a:solidFill>
+                <a:highlight>
+                  <a:srgbClr val="FFFFFF"/>
+                </a:highlight>
+                <a:latin typeface="Consolas" panose="020B0609020204030204" pitchFamily="49" charset="0"/>
+              </a:rPr>
+              <a:t>ActiveDirectory.</a:t>
+            </a:r>
+            <a:r>
+              <a:rPr lang="en-US" sz="2400" dirty="0" err="1" smtClean="0">
+                <a:solidFill>
+                  <a:srgbClr val="2B91AF"/>
+                </a:solidFill>
+                <a:highlight>
+                  <a:srgbClr val="FFFFFF"/>
+                </a:highlight>
+                <a:latin typeface="Consolas" panose="020B0609020204030204" pitchFamily="49" charset="0"/>
+              </a:rPr>
+              <a:t>UserIdentifier</a:t>
+            </a:r>
+            <a:r>
+              <a:rPr lang="en-US" sz="2400" dirty="0">
+                <a:solidFill>
+                  <a:srgbClr val="000000"/>
+                </a:solidFill>
+                <a:highlight>
+                  <a:srgbClr val="FFFFFF"/>
+                </a:highlight>
+                <a:latin typeface="Consolas" panose="020B0609020204030204" pitchFamily="49" charset="0"/>
+              </a:rPr>
+              <a:t>(</a:t>
+            </a:r>
+          </a:p>
+          <a:p>
+            <a:r>
+              <a:rPr lang="en-US" sz="2400" dirty="0" smtClean="0">
+                <a:solidFill>
+                  <a:srgbClr val="000000"/>
+                </a:solidFill>
+                <a:highlight>
+                  <a:srgbClr val="FFFFFF"/>
+                </a:highlight>
+                <a:latin typeface="Consolas" panose="020B0609020204030204" pitchFamily="49" charset="0"/>
+              </a:rPr>
+              <a:t>                             </a:t>
+            </a:r>
+            <a:r>
+              <a:rPr lang="en-US" sz="2400" dirty="0" err="1" smtClean="0">
+                <a:solidFill>
+                  <a:srgbClr val="000000"/>
+                </a:solidFill>
+                <a:highlight>
+                  <a:srgbClr val="FFFFFF"/>
+                </a:highlight>
+                <a:latin typeface="Consolas" panose="020B0609020204030204" pitchFamily="49" charset="0"/>
+              </a:rPr>
+              <a:t>dcr.UserId</a:t>
+            </a:r>
+            <a:r>
+              <a:rPr lang="en-US" sz="2400" dirty="0" smtClean="0">
+                <a:solidFill>
+                  <a:srgbClr val="000000"/>
+                </a:solidFill>
+                <a:highlight>
+                  <a:srgbClr val="FFFFFF"/>
+                </a:highlight>
+                <a:latin typeface="Consolas" panose="020B0609020204030204" pitchFamily="49" charset="0"/>
+              </a:rPr>
+              <a:t>,</a:t>
+            </a:r>
+          </a:p>
+          <a:p>
+            <a:r>
+              <a:rPr lang="en-US" sz="2400" dirty="0">
+                <a:solidFill>
+                  <a:srgbClr val="000000"/>
+                </a:solidFill>
+                <a:highlight>
+                  <a:srgbClr val="FFFFFF"/>
+                </a:highlight>
+                <a:latin typeface="Consolas" panose="020B0609020204030204" pitchFamily="49" charset="0"/>
+              </a:rPr>
+              <a:t> </a:t>
+            </a:r>
+            <a:r>
+              <a:rPr lang="en-US" sz="2400" dirty="0" smtClean="0">
+                <a:solidFill>
+                  <a:srgbClr val="000000"/>
+                </a:solidFill>
+                <a:highlight>
+                  <a:srgbClr val="FFFFFF"/>
+                </a:highlight>
+                <a:latin typeface="Consolas" panose="020B0609020204030204" pitchFamily="49" charset="0"/>
+              </a:rPr>
+              <a:t>                            </a:t>
+            </a:r>
+            <a:r>
+              <a:rPr lang="en-US" sz="2400" dirty="0" err="1" smtClean="0">
+                <a:solidFill>
+                  <a:srgbClr val="2B91AF"/>
+                </a:solidFill>
+                <a:highlight>
+                  <a:srgbClr val="FFFFFF"/>
+                </a:highlight>
+                <a:latin typeface="Consolas" panose="020B0609020204030204" pitchFamily="49" charset="0"/>
+              </a:rPr>
+              <a:t>UserIdentifierType</a:t>
+            </a:r>
+            <a:r>
+              <a:rPr lang="en-US" sz="2400" dirty="0" err="1" smtClean="0">
+                <a:solidFill>
+                  <a:srgbClr val="000000"/>
+                </a:solidFill>
+                <a:highlight>
+                  <a:srgbClr val="FFFFFF"/>
+                </a:highlight>
+                <a:latin typeface="Consolas" panose="020B0609020204030204" pitchFamily="49" charset="0"/>
+              </a:rPr>
+              <a:t>.UniqueId</a:t>
+            </a:r>
+            <a:r>
+              <a:rPr lang="en-US" sz="2400" dirty="0" smtClean="0">
+                <a:solidFill>
+                  <a:srgbClr val="000000"/>
+                </a:solidFill>
+                <a:highlight>
+                  <a:srgbClr val="FFFFFF"/>
+                </a:highlight>
+                <a:latin typeface="Consolas" panose="020B0609020204030204" pitchFamily="49" charset="0"/>
+              </a:rPr>
+              <a:t>)</a:t>
+            </a:r>
+          </a:p>
+          <a:p>
+            <a:r>
+              <a:rPr lang="en-US" sz="2400" dirty="0">
+                <a:solidFill>
+                  <a:srgbClr val="000000"/>
+                </a:solidFill>
+                <a:highlight>
+                  <a:srgbClr val="FFFFFF"/>
+                </a:highlight>
+                <a:latin typeface="Consolas" panose="020B0609020204030204" pitchFamily="49" charset="0"/>
+              </a:rPr>
+              <a:t> </a:t>
+            </a:r>
+            <a:r>
+              <a:rPr lang="en-US" sz="2400" dirty="0" smtClean="0">
+                <a:solidFill>
+                  <a:srgbClr val="000000"/>
+                </a:solidFill>
+                <a:highlight>
+                  <a:srgbClr val="FFFFFF"/>
+                </a:highlight>
+                <a:latin typeface="Consolas" panose="020B0609020204030204" pitchFamily="49" charset="0"/>
+              </a:rPr>
+              <a:t>                )</a:t>
+            </a:r>
+            <a:endParaRPr lang="en-US" sz="2400" dirty="0">
+              <a:solidFill>
+                <a:srgbClr val="000000"/>
+              </a:solidFill>
+              <a:highlight>
+                <a:srgbClr val="FFFFFF"/>
+              </a:highlight>
+              <a:latin typeface="Consolas" panose="020B0609020204030204" pitchFamily="49" charset="0"/>
+            </a:endParaRPr>
+          </a:p>
+          <a:p>
+            <a:r>
+              <a:rPr lang="en-US" sz="2400" dirty="0" smtClean="0">
+                <a:solidFill>
+                  <a:srgbClr val="000000"/>
+                </a:solidFill>
+                <a:highlight>
+                  <a:srgbClr val="FFFFFF"/>
+                </a:highlight>
+                <a:latin typeface="Consolas" panose="020B0609020204030204" pitchFamily="49" charset="0"/>
+              </a:rPr>
+              <a:t>         ).</a:t>
+            </a:r>
+            <a:r>
+              <a:rPr lang="en-US" sz="2400" dirty="0" err="1">
+                <a:solidFill>
+                  <a:srgbClr val="000000"/>
+                </a:solidFill>
+                <a:highlight>
+                  <a:srgbClr val="FFFFFF"/>
+                </a:highlight>
+                <a:latin typeface="Consolas" panose="020B0609020204030204" pitchFamily="49" charset="0"/>
+              </a:rPr>
+              <a:t>AccessToken</a:t>
+            </a:r>
+            <a:r>
+              <a:rPr lang="en-US" sz="2400" dirty="0">
+                <a:solidFill>
+                  <a:srgbClr val="000000"/>
+                </a:solidFill>
+                <a:highlight>
+                  <a:srgbClr val="FFFFFF"/>
+                </a:highlight>
+                <a:latin typeface="Consolas" panose="020B0609020204030204" pitchFamily="49" charset="0"/>
+              </a:rPr>
+              <a:t>;</a:t>
+            </a:r>
+          </a:p>
+          <a:p>
+            <a:r>
+              <a:rPr lang="en-US" sz="2400" dirty="0">
+                <a:solidFill>
+                  <a:srgbClr val="000000"/>
+                </a:solidFill>
+                <a:highlight>
+                  <a:srgbClr val="FFFFFF"/>
+                </a:highlight>
+                <a:latin typeface="Consolas" panose="020B0609020204030204" pitchFamily="49" charset="0"/>
+              </a:rPr>
+              <a:t>});</a:t>
+            </a:r>
+          </a:p>
+          <a:p>
+            <a:endParaRPr lang="en-US" sz="2400" spc="-70" dirty="0" smtClean="0">
+              <a:gradFill>
+                <a:gsLst>
+                  <a:gs pos="2917">
+                    <a:schemeClr val="bg2"/>
+                  </a:gs>
+                  <a:gs pos="95000">
+                    <a:schemeClr val="bg2"/>
+                  </a:gs>
+                </a:gsLst>
+                <a:lin ang="5400000" scaled="0"/>
+              </a:gradFill>
+            </a:endParaRPr>
+          </a:p>
+        </p:txBody>
+      </p:sp>
     </p:spTree>
     <p:extLst>
       <p:ext uri="{BB962C8B-B14F-4D97-AF65-F5344CB8AC3E}">
-        <p14:creationId xmlns:p14="http://schemas.microsoft.com/office/powerpoint/2010/main" val="1189471413"/>
+        <p14:creationId xmlns:p14="http://schemas.microsoft.com/office/powerpoint/2010/main" val="3059831036"/>
       </p:ext>
     </p:extLst>
   </p:cSld>
@@ -14331,11 +15095,7 @@
             </a:r>
             <a:r>
               <a:rPr lang="en-US" dirty="0" smtClean="0"/>
-              <a:t>&lt;T&gt; </a:t>
-            </a:r>
-            <a:r>
-              <a:rPr lang="en-US" dirty="0" smtClean="0"/>
-              <a:t>entities</a:t>
+              <a:t>&lt;T&gt; entities</a:t>
             </a:r>
           </a:p>
           <a:p>
@@ -17222,24 +17982,6 @@
 </file>
 
 <file path=customXml/item1.xml><?xml version="1.0" encoding="utf-8"?>
-<?mso-contentType ?>
-<FormTemplates xmlns="http://schemas.microsoft.com/sharepoint/v3/contenttype/forms">
-  <Display>DocumentLibraryForm</Display>
-  <Edit>DocumentLibraryForm</Edit>
-  <New>DocumentLibraryForm</New>
-</FormTemplates>
-</file>
-
-<file path=customXml/item2.xml><?xml version="1.0" encoding="utf-8"?>
-<p:properties xmlns:p="http://schemas.microsoft.com/office/2006/metadata/properties" xmlns:xsi="http://www.w3.org/2001/XMLSchema-instance" xmlns:pc="http://schemas.microsoft.com/office/infopath/2007/PartnerControls">
-  <documentManagement>
-    <Company xmlns="http://schemas.microsoft.com/sharepoint/v3">Critical Path</Company>
-    <Project xmlns="c7dd7a47-5eb0-4219-9c75-8258c822be9e" xsi:nil="true"/>
-  </documentManagement>
-</p:properties>
-</file>
-
-<file path=customXml/item3.xml><?xml version="1.0" encoding="utf-8"?>
 <ct:contentTypeSchema xmlns:ct="http://schemas.microsoft.com/office/2006/metadata/contentType" xmlns:ma="http://schemas.microsoft.com/office/2006/metadata/properties/metaAttributes" ct:_="" ma:_="" ma:contentTypeName="Document" ma:contentTypeID="0x0101006D61B4CFCB5D8D4A8E65D32A29D8DB3E" ma:contentTypeVersion="3" ma:contentTypeDescription="Create a new document." ma:contentTypeScope="" ma:versionID="f0276697cd14aa124c054602ce8fe3c5">
   <xsd:schema xmlns:xsd="http://www.w3.org/2001/XMLSchema" xmlns:xs="http://www.w3.org/2001/XMLSchema" xmlns:p="http://schemas.microsoft.com/office/2006/metadata/properties" xmlns:ns1="http://schemas.microsoft.com/sharepoint/v3" xmlns:ns2="c7dd7a47-5eb0-4219-9c75-8258c822be9e" targetNamespace="http://schemas.microsoft.com/office/2006/metadata/properties" ma:root="true" ma:fieldsID="ce85d22485e5625b9ccd59583b658dde" ns1:_="" ns2:_="">
     <xsd:import namespace="http://schemas.microsoft.com/sharepoint/v3"/>
@@ -17378,10 +18120,39 @@
 </ct:contentTypeSchema>
 </file>
 
+<file path=customXml/item2.xml><?xml version="1.0" encoding="utf-8"?>
+<p:properties xmlns:p="http://schemas.microsoft.com/office/2006/metadata/properties" xmlns:xsi="http://www.w3.org/2001/XMLSchema-instance" xmlns:pc="http://schemas.microsoft.com/office/infopath/2007/PartnerControls">
+  <documentManagement>
+    <Company xmlns="http://schemas.microsoft.com/sharepoint/v3">Critical Path</Company>
+    <Project xmlns="c7dd7a47-5eb0-4219-9c75-8258c822be9e" xsi:nil="true"/>
+  </documentManagement>
+</p:properties>
+</file>
+
+<file path=customXml/item3.xml><?xml version="1.0" encoding="utf-8"?>
+<?mso-contentType ?>
+<FormTemplates xmlns="http://schemas.microsoft.com/sharepoint/v3/contenttype/forms">
+  <Display>DocumentLibraryForm</Display>
+  <Edit>DocumentLibraryForm</Edit>
+  <New>DocumentLibraryForm</New>
+</FormTemplates>
+</file>
+
 <file path=customXml/itemProps1.xml><?xml version="1.0" encoding="utf-8"?>
-<ds:datastoreItem xmlns:ds="http://schemas.openxmlformats.org/officeDocument/2006/customXml" ds:itemID="{E1E0CE18-CA03-4891-9CD8-3448778E3D53}">
+<ds:datastoreItem xmlns:ds="http://schemas.openxmlformats.org/officeDocument/2006/customXml" ds:itemID="{EF3CB00D-FBE3-46CD-905F-2C1357C53E46}">
   <ds:schemaRefs>
-    <ds:schemaRef ds:uri="http://schemas.microsoft.com/sharepoint/v3/contenttype/forms"/>
+    <ds:schemaRef ds:uri="http://schemas.microsoft.com/office/2006/metadata/contentType"/>
+    <ds:schemaRef ds:uri="http://schemas.microsoft.com/office/2006/metadata/properties/metaAttributes"/>
+    <ds:schemaRef ds:uri="http://www.w3.org/2001/XMLSchema"/>
+    <ds:schemaRef ds:uri="http://schemas.microsoft.com/office/2006/metadata/properties"/>
+    <ds:schemaRef ds:uri="http://schemas.microsoft.com/sharepoint/v3"/>
+    <ds:schemaRef ds:uri="c7dd7a47-5eb0-4219-9c75-8258c822be9e"/>
+    <ds:schemaRef ds:uri="http://schemas.microsoft.com/office/2006/documentManagement/types"/>
+    <ds:schemaRef ds:uri="http://schemas.microsoft.com/office/infopath/2007/PartnerControls"/>
+    <ds:schemaRef ds:uri="http://schemas.openxmlformats.org/package/2006/metadata/core-properties"/>
+    <ds:schemaRef ds:uri="http://purl.org/dc/elements/1.1/"/>
+    <ds:schemaRef ds:uri="http://purl.org/dc/terms/"/>
+    <ds:schemaRef ds:uri="http://schemas.microsoft.com/internal/obd"/>
   </ds:schemaRefs>
 </ds:datastoreItem>
 </file>
@@ -17404,20 +18175,9 @@
 </file>
 
 <file path=customXml/itemProps3.xml><?xml version="1.0" encoding="utf-8"?>
-<ds:datastoreItem xmlns:ds="http://schemas.openxmlformats.org/officeDocument/2006/customXml" ds:itemID="{EF3CB00D-FBE3-46CD-905F-2C1357C53E46}">
+<ds:datastoreItem xmlns:ds="http://schemas.openxmlformats.org/officeDocument/2006/customXml" ds:itemID="{E1E0CE18-CA03-4891-9CD8-3448778E3D53}">
   <ds:schemaRefs>
-    <ds:schemaRef ds:uri="http://schemas.microsoft.com/office/2006/metadata/contentType"/>
-    <ds:schemaRef ds:uri="http://schemas.microsoft.com/office/2006/metadata/properties/metaAttributes"/>
-    <ds:schemaRef ds:uri="http://www.w3.org/2001/XMLSchema"/>
-    <ds:schemaRef ds:uri="http://schemas.microsoft.com/office/2006/metadata/properties"/>
-    <ds:schemaRef ds:uri="http://schemas.microsoft.com/sharepoint/v3"/>
-    <ds:schemaRef ds:uri="c7dd7a47-5eb0-4219-9c75-8258c822be9e"/>
-    <ds:schemaRef ds:uri="http://schemas.microsoft.com/office/2006/documentManagement/types"/>
-    <ds:schemaRef ds:uri="http://schemas.microsoft.com/office/infopath/2007/PartnerControls"/>
-    <ds:schemaRef ds:uri="http://schemas.openxmlformats.org/package/2006/metadata/core-properties"/>
-    <ds:schemaRef ds:uri="http://purl.org/dc/elements/1.1/"/>
-    <ds:schemaRef ds:uri="http://purl.org/dc/terms/"/>
-    <ds:schemaRef ds:uri="http://schemas.microsoft.com/internal/obd"/>
+    <ds:schemaRef ds:uri="http://schemas.microsoft.com/sharepoint/v3/contenttype/forms"/>
   </ds:schemaRefs>
 </ds:datastoreItem>
 </file>